--- a/documentation/presentation.pptx
+++ b/documentation/presentation.pptx
@@ -3,17 +3,19 @@
 <p:presentation xmlns:a="http://schemas.openxmlformats.org/drawingml/2006/main" xmlns:p="http://schemas.openxmlformats.org/presentationml/2006/main" xmlns:r="http://schemas.openxmlformats.org/officeDocument/2006/relationships" xmlns:p14="http://schemas.microsoft.com/office/powerpoint/2010/main" xmlns:p15="http://schemas.microsoft.com/office/powerpoint/2012/main" xmlns:mc="http://schemas.openxmlformats.org/markup-compatibility/2006">
   <p:sldMasterIdLst>
     <p:sldMasterId id="2147483648" r:id="rId2"/>
+    <p:sldMasterId id="2147483661" r:id="rId3"/>
+    <p:sldMasterId id="2147483674" r:id="rId4"/>
   </p:sldMasterIdLst>
   <p:sldIdLst>
-    <p:sldId id="256" r:id="rId3"/>
-    <p:sldId id="257" r:id="rId4"/>
-    <p:sldId id="258" r:id="rId5"/>
-    <p:sldId id="259" r:id="rId6"/>
-    <p:sldId id="260" r:id="rId7"/>
-    <p:sldId id="261" r:id="rId8"/>
-    <p:sldId id="262" r:id="rId9"/>
-    <p:sldId id="263" r:id="rId10"/>
-    <p:sldId id="264" r:id="rId11"/>
+    <p:sldId id="256" r:id="rId5"/>
+    <p:sldId id="257" r:id="rId6"/>
+    <p:sldId id="258" r:id="rId7"/>
+    <p:sldId id="259" r:id="rId8"/>
+    <p:sldId id="260" r:id="rId9"/>
+    <p:sldId id="261" r:id="rId10"/>
+    <p:sldId id="262" r:id="rId11"/>
+    <p:sldId id="263" r:id="rId12"/>
+    <p:sldId id="264" r:id="rId13"/>
   </p:sldIdLst>
   <p:sldSz cx="10080625" cy="5670550"/>
   <p:notesSz cx="7559675" cy="10691812"/>
@@ -61,7 +63,7 @@
       </p:grpSpPr>
       <p:sp>
         <p:nvSpPr>
-          <p:cNvPr id="26" name="PlaceHolder 1"/>
+          <p:cNvPr id="23" name="PlaceHolder 1"/>
           <p:cNvSpPr>
             <a:spLocks noGrp="1"/>
           </p:cNvSpPr>
@@ -72,7 +74,7 @@
         <p:spPr>
           <a:xfrm>
             <a:off x="504000" y="226080"/>
-            <a:ext cx="9071640" cy="946440"/>
+            <a:ext cx="9072000" cy="946440"/>
           </a:xfrm>
           <a:prstGeom prst="rect">
             <a:avLst/>
@@ -92,7 +94,7 @@
       </p:sp>
       <p:sp>
         <p:nvSpPr>
-          <p:cNvPr id="27" name="PlaceHolder 2"/>
+          <p:cNvPr id="24" name="PlaceHolder 2"/>
           <p:cNvSpPr>
             <a:spLocks noGrp="1"/>
           </p:cNvSpPr>
@@ -103,37 +105,37 @@
         <p:spPr>
           <a:xfrm>
             <a:off x="504000" y="1326600"/>
-            <a:ext cx="9071640" cy="1568160"/>
-          </a:xfrm>
-          <a:prstGeom prst="rect">
-            <a:avLst/>
-          </a:prstGeom>
-        </p:spPr>
-        <p:txBody>
-          <a:bodyPr lIns="0" rIns="0" tIns="0" bIns="0">
-            <a:normAutofit/>
-          </a:bodyPr>
-          <a:p>
-            <a:endParaRPr b="0" lang="en-US" sz="3200" spc="-1" strike="noStrike">
-              <a:latin typeface="Arial"/>
-            </a:endParaRPr>
-          </a:p>
-        </p:txBody>
-      </p:sp>
-      <p:sp>
-        <p:nvSpPr>
-          <p:cNvPr id="28" name="PlaceHolder 3"/>
-          <p:cNvSpPr>
-            <a:spLocks noGrp="1"/>
-          </p:cNvSpPr>
-          <p:nvPr>
-            <p:ph type="body"/>
-          </p:nvPr>
-        </p:nvSpPr>
-        <p:spPr>
-          <a:xfrm>
-            <a:off x="504000" y="3044160"/>
-            <a:ext cx="9071640" cy="1568160"/>
+            <a:ext cx="9072000" cy="1568520"/>
+          </a:xfrm>
+          <a:prstGeom prst="rect">
+            <a:avLst/>
+          </a:prstGeom>
+        </p:spPr>
+        <p:txBody>
+          <a:bodyPr lIns="0" rIns="0" tIns="0" bIns="0">
+            <a:normAutofit/>
+          </a:bodyPr>
+          <a:p>
+            <a:endParaRPr b="0" lang="en-US" sz="3200" spc="-1" strike="noStrike">
+              <a:latin typeface="Arial"/>
+            </a:endParaRPr>
+          </a:p>
+        </p:txBody>
+      </p:sp>
+      <p:sp>
+        <p:nvSpPr>
+          <p:cNvPr id="25" name="PlaceHolder 3"/>
+          <p:cNvSpPr>
+            <a:spLocks noGrp="1"/>
+          </p:cNvSpPr>
+          <p:nvPr>
+            <p:ph type="body"/>
+          </p:nvPr>
+        </p:nvSpPr>
+        <p:spPr>
+          <a:xfrm>
+            <a:off x="504000" y="3044520"/>
+            <a:ext cx="9072000" cy="1568520"/>
           </a:xfrm>
           <a:prstGeom prst="rect">
             <a:avLst/>
@@ -174,7 +176,7 @@
       </p:grpSpPr>
       <p:sp>
         <p:nvSpPr>
-          <p:cNvPr id="29" name="PlaceHolder 1"/>
+          <p:cNvPr id="26" name="PlaceHolder 1"/>
           <p:cNvSpPr>
             <a:spLocks noGrp="1"/>
           </p:cNvSpPr>
@@ -185,7 +187,7 @@
         <p:spPr>
           <a:xfrm>
             <a:off x="504000" y="226080"/>
-            <a:ext cx="9071640" cy="946440"/>
+            <a:ext cx="9072000" cy="946440"/>
           </a:xfrm>
           <a:prstGeom prst="rect">
             <a:avLst/>
@@ -205,7 +207,7 @@
       </p:sp>
       <p:sp>
         <p:nvSpPr>
-          <p:cNvPr id="30" name="PlaceHolder 2"/>
+          <p:cNvPr id="27" name="PlaceHolder 2"/>
           <p:cNvSpPr>
             <a:spLocks noGrp="1"/>
           </p:cNvSpPr>
@@ -216,26 +218,26 @@
         <p:spPr>
           <a:xfrm>
             <a:off x="504000" y="1326600"/>
-            <a:ext cx="4426920" cy="1568160"/>
-          </a:xfrm>
-          <a:prstGeom prst="rect">
-            <a:avLst/>
-          </a:prstGeom>
-        </p:spPr>
-        <p:txBody>
-          <a:bodyPr lIns="0" rIns="0" tIns="0" bIns="0">
-            <a:normAutofit/>
-          </a:bodyPr>
-          <a:p>
-            <a:endParaRPr b="0" lang="en-US" sz="3200" spc="-1" strike="noStrike">
-              <a:latin typeface="Arial"/>
-            </a:endParaRPr>
-          </a:p>
-        </p:txBody>
-      </p:sp>
-      <p:sp>
-        <p:nvSpPr>
-          <p:cNvPr id="31" name="PlaceHolder 3"/>
+            <a:ext cx="4426920" cy="1568520"/>
+          </a:xfrm>
+          <a:prstGeom prst="rect">
+            <a:avLst/>
+          </a:prstGeom>
+        </p:spPr>
+        <p:txBody>
+          <a:bodyPr lIns="0" rIns="0" tIns="0" bIns="0">
+            <a:normAutofit/>
+          </a:bodyPr>
+          <a:p>
+            <a:endParaRPr b="0" lang="en-US" sz="3200" spc="-1" strike="noStrike">
+              <a:latin typeface="Arial"/>
+            </a:endParaRPr>
+          </a:p>
+        </p:txBody>
+      </p:sp>
+      <p:sp>
+        <p:nvSpPr>
+          <p:cNvPr id="28" name="PlaceHolder 3"/>
           <p:cNvSpPr>
             <a:spLocks noGrp="1"/>
           </p:cNvSpPr>
@@ -246,67 +248,67 @@
         <p:spPr>
           <a:xfrm>
             <a:off x="5152680" y="1326600"/>
-            <a:ext cx="4426920" cy="1568160"/>
-          </a:xfrm>
-          <a:prstGeom prst="rect">
-            <a:avLst/>
-          </a:prstGeom>
-        </p:spPr>
-        <p:txBody>
-          <a:bodyPr lIns="0" rIns="0" tIns="0" bIns="0">
-            <a:normAutofit/>
-          </a:bodyPr>
-          <a:p>
-            <a:endParaRPr b="0" lang="en-US" sz="3200" spc="-1" strike="noStrike">
-              <a:latin typeface="Arial"/>
-            </a:endParaRPr>
-          </a:p>
-        </p:txBody>
-      </p:sp>
-      <p:sp>
-        <p:nvSpPr>
-          <p:cNvPr id="32" name="PlaceHolder 4"/>
-          <p:cNvSpPr>
-            <a:spLocks noGrp="1"/>
-          </p:cNvSpPr>
-          <p:nvPr>
-            <p:ph type="body"/>
-          </p:nvPr>
-        </p:nvSpPr>
-        <p:spPr>
-          <a:xfrm>
-            <a:off x="504000" y="3044160"/>
-            <a:ext cx="4426920" cy="1568160"/>
-          </a:xfrm>
-          <a:prstGeom prst="rect">
-            <a:avLst/>
-          </a:prstGeom>
-        </p:spPr>
-        <p:txBody>
-          <a:bodyPr lIns="0" rIns="0" tIns="0" bIns="0">
-            <a:normAutofit/>
-          </a:bodyPr>
-          <a:p>
-            <a:endParaRPr b="0" lang="en-US" sz="3200" spc="-1" strike="noStrike">
-              <a:latin typeface="Arial"/>
-            </a:endParaRPr>
-          </a:p>
-        </p:txBody>
-      </p:sp>
-      <p:sp>
-        <p:nvSpPr>
-          <p:cNvPr id="33" name="PlaceHolder 5"/>
-          <p:cNvSpPr>
-            <a:spLocks noGrp="1"/>
-          </p:cNvSpPr>
-          <p:nvPr>
-            <p:ph type="body"/>
-          </p:nvPr>
-        </p:nvSpPr>
-        <p:spPr>
-          <a:xfrm>
-            <a:off x="5152680" y="3044160"/>
-            <a:ext cx="4426920" cy="1568160"/>
+            <a:ext cx="4426920" cy="1568520"/>
+          </a:xfrm>
+          <a:prstGeom prst="rect">
+            <a:avLst/>
+          </a:prstGeom>
+        </p:spPr>
+        <p:txBody>
+          <a:bodyPr lIns="0" rIns="0" tIns="0" bIns="0">
+            <a:normAutofit/>
+          </a:bodyPr>
+          <a:p>
+            <a:endParaRPr b="0" lang="en-US" sz="3200" spc="-1" strike="noStrike">
+              <a:latin typeface="Arial"/>
+            </a:endParaRPr>
+          </a:p>
+        </p:txBody>
+      </p:sp>
+      <p:sp>
+        <p:nvSpPr>
+          <p:cNvPr id="29" name="PlaceHolder 4"/>
+          <p:cNvSpPr>
+            <a:spLocks noGrp="1"/>
+          </p:cNvSpPr>
+          <p:nvPr>
+            <p:ph type="body"/>
+          </p:nvPr>
+        </p:nvSpPr>
+        <p:spPr>
+          <a:xfrm>
+            <a:off x="504000" y="3044520"/>
+            <a:ext cx="4426920" cy="1568520"/>
+          </a:xfrm>
+          <a:prstGeom prst="rect">
+            <a:avLst/>
+          </a:prstGeom>
+        </p:spPr>
+        <p:txBody>
+          <a:bodyPr lIns="0" rIns="0" tIns="0" bIns="0">
+            <a:normAutofit/>
+          </a:bodyPr>
+          <a:p>
+            <a:endParaRPr b="0" lang="en-US" sz="3200" spc="-1" strike="noStrike">
+              <a:latin typeface="Arial"/>
+            </a:endParaRPr>
+          </a:p>
+        </p:txBody>
+      </p:sp>
+      <p:sp>
+        <p:nvSpPr>
+          <p:cNvPr id="30" name="PlaceHolder 5"/>
+          <p:cNvSpPr>
+            <a:spLocks noGrp="1"/>
+          </p:cNvSpPr>
+          <p:nvPr>
+            <p:ph type="body"/>
+          </p:nvPr>
+        </p:nvSpPr>
+        <p:spPr>
+          <a:xfrm>
+            <a:off x="5152680" y="3044520"/>
+            <a:ext cx="4426920" cy="1568520"/>
           </a:xfrm>
           <a:prstGeom prst="rect">
             <a:avLst/>
@@ -347,7 +349,7 @@
       </p:grpSpPr>
       <p:sp>
         <p:nvSpPr>
-          <p:cNvPr id="34" name="PlaceHolder 1"/>
+          <p:cNvPr id="31" name="PlaceHolder 1"/>
           <p:cNvSpPr>
             <a:spLocks noGrp="1"/>
           </p:cNvSpPr>
@@ -358,7 +360,7 @@
         <p:spPr>
           <a:xfrm>
             <a:off x="504000" y="226080"/>
-            <a:ext cx="9071640" cy="946440"/>
+            <a:ext cx="9072000" cy="946440"/>
           </a:xfrm>
           <a:prstGeom prst="rect">
             <a:avLst/>
@@ -378,7 +380,7 @@
       </p:sp>
       <p:sp>
         <p:nvSpPr>
-          <p:cNvPr id="35" name="PlaceHolder 2"/>
+          <p:cNvPr id="32" name="PlaceHolder 2"/>
           <p:cNvSpPr>
             <a:spLocks noGrp="1"/>
           </p:cNvSpPr>
@@ -389,157 +391,708 @@
         <p:spPr>
           <a:xfrm>
             <a:off x="504000" y="1326600"/>
-            <a:ext cx="2920680" cy="1568160"/>
-          </a:xfrm>
-          <a:prstGeom prst="rect">
-            <a:avLst/>
-          </a:prstGeom>
-        </p:spPr>
-        <p:txBody>
-          <a:bodyPr lIns="0" rIns="0" tIns="0" bIns="0">
-            <a:normAutofit/>
-          </a:bodyPr>
-          <a:p>
-            <a:endParaRPr b="0" lang="en-US" sz="3200" spc="-1" strike="noStrike">
-              <a:latin typeface="Arial"/>
-            </a:endParaRPr>
-          </a:p>
-        </p:txBody>
-      </p:sp>
-      <p:sp>
-        <p:nvSpPr>
-          <p:cNvPr id="36" name="PlaceHolder 3"/>
-          <p:cNvSpPr>
-            <a:spLocks noGrp="1"/>
-          </p:cNvSpPr>
-          <p:nvPr>
-            <p:ph type="body"/>
-          </p:nvPr>
-        </p:nvSpPr>
-        <p:spPr>
-          <a:xfrm>
-            <a:off x="3571200" y="1326600"/>
-            <a:ext cx="2920680" cy="1568160"/>
-          </a:xfrm>
-          <a:prstGeom prst="rect">
-            <a:avLst/>
-          </a:prstGeom>
-        </p:spPr>
-        <p:txBody>
-          <a:bodyPr lIns="0" rIns="0" tIns="0" bIns="0">
-            <a:normAutofit/>
-          </a:bodyPr>
-          <a:p>
-            <a:endParaRPr b="0" lang="en-US" sz="3200" spc="-1" strike="noStrike">
-              <a:latin typeface="Arial"/>
-            </a:endParaRPr>
-          </a:p>
-        </p:txBody>
-      </p:sp>
-      <p:sp>
-        <p:nvSpPr>
-          <p:cNvPr id="37" name="PlaceHolder 4"/>
-          <p:cNvSpPr>
-            <a:spLocks noGrp="1"/>
-          </p:cNvSpPr>
-          <p:nvPr>
-            <p:ph type="body"/>
-          </p:nvPr>
-        </p:nvSpPr>
-        <p:spPr>
-          <a:xfrm>
-            <a:off x="6638040" y="1326600"/>
-            <a:ext cx="2920680" cy="1568160"/>
-          </a:xfrm>
-          <a:prstGeom prst="rect">
-            <a:avLst/>
-          </a:prstGeom>
-        </p:spPr>
-        <p:txBody>
-          <a:bodyPr lIns="0" rIns="0" tIns="0" bIns="0">
-            <a:normAutofit/>
-          </a:bodyPr>
-          <a:p>
-            <a:endParaRPr b="0" lang="en-US" sz="3200" spc="-1" strike="noStrike">
-              <a:latin typeface="Arial"/>
-            </a:endParaRPr>
-          </a:p>
-        </p:txBody>
-      </p:sp>
-      <p:sp>
-        <p:nvSpPr>
-          <p:cNvPr id="38" name="PlaceHolder 5"/>
-          <p:cNvSpPr>
-            <a:spLocks noGrp="1"/>
-          </p:cNvSpPr>
-          <p:nvPr>
-            <p:ph type="body"/>
-          </p:nvPr>
-        </p:nvSpPr>
-        <p:spPr>
-          <a:xfrm>
-            <a:off x="504000" y="3044160"/>
-            <a:ext cx="2920680" cy="1568160"/>
-          </a:xfrm>
-          <a:prstGeom prst="rect">
-            <a:avLst/>
-          </a:prstGeom>
-        </p:spPr>
-        <p:txBody>
-          <a:bodyPr lIns="0" rIns="0" tIns="0" bIns="0">
-            <a:normAutofit/>
-          </a:bodyPr>
-          <a:p>
-            <a:endParaRPr b="0" lang="en-US" sz="3200" spc="-1" strike="noStrike">
-              <a:latin typeface="Arial"/>
-            </a:endParaRPr>
-          </a:p>
-        </p:txBody>
-      </p:sp>
-      <p:sp>
-        <p:nvSpPr>
-          <p:cNvPr id="39" name="PlaceHolder 6"/>
-          <p:cNvSpPr>
-            <a:spLocks noGrp="1"/>
-          </p:cNvSpPr>
-          <p:nvPr>
-            <p:ph type="body"/>
-          </p:nvPr>
-        </p:nvSpPr>
-        <p:spPr>
-          <a:xfrm>
-            <a:off x="3571200" y="3044160"/>
-            <a:ext cx="2920680" cy="1568160"/>
-          </a:xfrm>
-          <a:prstGeom prst="rect">
-            <a:avLst/>
-          </a:prstGeom>
-        </p:spPr>
-        <p:txBody>
-          <a:bodyPr lIns="0" rIns="0" tIns="0" bIns="0">
-            <a:normAutofit/>
-          </a:bodyPr>
-          <a:p>
-            <a:endParaRPr b="0" lang="en-US" sz="3200" spc="-1" strike="noStrike">
-              <a:latin typeface="Arial"/>
-            </a:endParaRPr>
-          </a:p>
-        </p:txBody>
-      </p:sp>
-      <p:sp>
-        <p:nvSpPr>
-          <p:cNvPr id="40" name="PlaceHolder 7"/>
-          <p:cNvSpPr>
-            <a:spLocks noGrp="1"/>
-          </p:cNvSpPr>
-          <p:nvPr>
-            <p:ph type="body"/>
-          </p:nvPr>
-        </p:nvSpPr>
-        <p:spPr>
-          <a:xfrm>
-            <a:off x="6638040" y="3044160"/>
-            <a:ext cx="2920680" cy="1568160"/>
+            <a:ext cx="2921040" cy="1568520"/>
+          </a:xfrm>
+          <a:prstGeom prst="rect">
+            <a:avLst/>
+          </a:prstGeom>
+        </p:spPr>
+        <p:txBody>
+          <a:bodyPr lIns="0" rIns="0" tIns="0" bIns="0">
+            <a:normAutofit/>
+          </a:bodyPr>
+          <a:p>
+            <a:endParaRPr b="0" lang="en-US" sz="3200" spc="-1" strike="noStrike">
+              <a:latin typeface="Arial"/>
+            </a:endParaRPr>
+          </a:p>
+        </p:txBody>
+      </p:sp>
+      <p:sp>
+        <p:nvSpPr>
+          <p:cNvPr id="33" name="PlaceHolder 3"/>
+          <p:cNvSpPr>
+            <a:spLocks noGrp="1"/>
+          </p:cNvSpPr>
+          <p:nvPr>
+            <p:ph type="body"/>
+          </p:nvPr>
+        </p:nvSpPr>
+        <p:spPr>
+          <a:xfrm>
+            <a:off x="3571560" y="1326600"/>
+            <a:ext cx="2921040" cy="1568520"/>
+          </a:xfrm>
+          <a:prstGeom prst="rect">
+            <a:avLst/>
+          </a:prstGeom>
+        </p:spPr>
+        <p:txBody>
+          <a:bodyPr lIns="0" rIns="0" tIns="0" bIns="0">
+            <a:normAutofit/>
+          </a:bodyPr>
+          <a:p>
+            <a:endParaRPr b="0" lang="en-US" sz="3200" spc="-1" strike="noStrike">
+              <a:latin typeface="Arial"/>
+            </a:endParaRPr>
+          </a:p>
+        </p:txBody>
+      </p:sp>
+      <p:sp>
+        <p:nvSpPr>
+          <p:cNvPr id="34" name="PlaceHolder 4"/>
+          <p:cNvSpPr>
+            <a:spLocks noGrp="1"/>
+          </p:cNvSpPr>
+          <p:nvPr>
+            <p:ph type="body"/>
+          </p:nvPr>
+        </p:nvSpPr>
+        <p:spPr>
+          <a:xfrm>
+            <a:off x="6639120" y="1326600"/>
+            <a:ext cx="2921040" cy="1568520"/>
+          </a:xfrm>
+          <a:prstGeom prst="rect">
+            <a:avLst/>
+          </a:prstGeom>
+        </p:spPr>
+        <p:txBody>
+          <a:bodyPr lIns="0" rIns="0" tIns="0" bIns="0">
+            <a:normAutofit/>
+          </a:bodyPr>
+          <a:p>
+            <a:endParaRPr b="0" lang="en-US" sz="3200" spc="-1" strike="noStrike">
+              <a:latin typeface="Arial"/>
+            </a:endParaRPr>
+          </a:p>
+        </p:txBody>
+      </p:sp>
+      <p:sp>
+        <p:nvSpPr>
+          <p:cNvPr id="35" name="PlaceHolder 5"/>
+          <p:cNvSpPr>
+            <a:spLocks noGrp="1"/>
+          </p:cNvSpPr>
+          <p:nvPr>
+            <p:ph type="body"/>
+          </p:nvPr>
+        </p:nvSpPr>
+        <p:spPr>
+          <a:xfrm>
+            <a:off x="504000" y="3044520"/>
+            <a:ext cx="2921040" cy="1568520"/>
+          </a:xfrm>
+          <a:prstGeom prst="rect">
+            <a:avLst/>
+          </a:prstGeom>
+        </p:spPr>
+        <p:txBody>
+          <a:bodyPr lIns="0" rIns="0" tIns="0" bIns="0">
+            <a:normAutofit/>
+          </a:bodyPr>
+          <a:p>
+            <a:endParaRPr b="0" lang="en-US" sz="3200" spc="-1" strike="noStrike">
+              <a:latin typeface="Arial"/>
+            </a:endParaRPr>
+          </a:p>
+        </p:txBody>
+      </p:sp>
+      <p:sp>
+        <p:nvSpPr>
+          <p:cNvPr id="36" name="PlaceHolder 6"/>
+          <p:cNvSpPr>
+            <a:spLocks noGrp="1"/>
+          </p:cNvSpPr>
+          <p:nvPr>
+            <p:ph type="body"/>
+          </p:nvPr>
+        </p:nvSpPr>
+        <p:spPr>
+          <a:xfrm>
+            <a:off x="3571560" y="3044520"/>
+            <a:ext cx="2921040" cy="1568520"/>
+          </a:xfrm>
+          <a:prstGeom prst="rect">
+            <a:avLst/>
+          </a:prstGeom>
+        </p:spPr>
+        <p:txBody>
+          <a:bodyPr lIns="0" rIns="0" tIns="0" bIns="0">
+            <a:normAutofit/>
+          </a:bodyPr>
+          <a:p>
+            <a:endParaRPr b="0" lang="en-US" sz="3200" spc="-1" strike="noStrike">
+              <a:latin typeface="Arial"/>
+            </a:endParaRPr>
+          </a:p>
+        </p:txBody>
+      </p:sp>
+      <p:sp>
+        <p:nvSpPr>
+          <p:cNvPr id="37" name="PlaceHolder 7"/>
+          <p:cNvSpPr>
+            <a:spLocks noGrp="1"/>
+          </p:cNvSpPr>
+          <p:nvPr>
+            <p:ph type="body"/>
+          </p:nvPr>
+        </p:nvSpPr>
+        <p:spPr>
+          <a:xfrm>
+            <a:off x="6639120" y="3044520"/>
+            <a:ext cx="2921040" cy="1568520"/>
+          </a:xfrm>
+          <a:prstGeom prst="rect">
+            <a:avLst/>
+          </a:prstGeom>
+        </p:spPr>
+        <p:txBody>
+          <a:bodyPr lIns="0" rIns="0" tIns="0" bIns="0">
+            <a:normAutofit/>
+          </a:bodyPr>
+          <a:p>
+            <a:endParaRPr b="0" lang="en-US" sz="3200" spc="-1" strike="noStrike">
+              <a:latin typeface="Arial"/>
+            </a:endParaRPr>
+          </a:p>
+        </p:txBody>
+      </p:sp>
+    </p:spTree>
+  </p:cSld>
+</p:sldLayout>
+</file>
+
+<file path=ppt/slideLayouts/slideLayout13.xml><?xml version="1.0" encoding="utf-8"?>
+<p:sldLayout xmlns:a="http://schemas.openxmlformats.org/drawingml/2006/main" xmlns:p="http://schemas.openxmlformats.org/presentationml/2006/main" xmlns:r="http://schemas.openxmlformats.org/officeDocument/2006/relationships" xmlns:p14="http://schemas.microsoft.com/office/powerpoint/2010/main" xmlns:p15="http://schemas.microsoft.com/office/powerpoint/2012/main" xmlns:mc="http://schemas.openxmlformats.org/markup-compatibility/2006" type="blank" preserve="1">
+  <p:cSld name="Blank Slide">
+    <p:spTree>
+      <p:nvGrpSpPr>
+        <p:cNvPr id="1" name=""/>
+        <p:cNvGrpSpPr/>
+        <p:nvPr/>
+      </p:nvGrpSpPr>
+      <p:grpSpPr>
+        <a:xfrm>
+          <a:off x="0" y="0"/>
+          <a:ext cx="0" cy="0"/>
+          <a:chOff x="0" y="0"/>
+          <a:chExt cx="0" cy="0"/>
+        </a:xfrm>
+      </p:grpSpPr>
+    </p:spTree>
+  </p:cSld>
+</p:sldLayout>
+</file>
+
+<file path=ppt/slideLayouts/slideLayout14.xml><?xml version="1.0" encoding="utf-8"?>
+<p:sldLayout xmlns:a="http://schemas.openxmlformats.org/drawingml/2006/main" xmlns:p="http://schemas.openxmlformats.org/presentationml/2006/main" xmlns:r="http://schemas.openxmlformats.org/officeDocument/2006/relationships" xmlns:p14="http://schemas.microsoft.com/office/powerpoint/2010/main" xmlns:p15="http://schemas.microsoft.com/office/powerpoint/2012/main" xmlns:mc="http://schemas.openxmlformats.org/markup-compatibility/2006" type="tx" preserve="1">
+  <p:cSld name="Title Slide">
+    <p:spTree>
+      <p:nvGrpSpPr>
+        <p:cNvPr id="1" name=""/>
+        <p:cNvGrpSpPr/>
+        <p:nvPr/>
+      </p:nvGrpSpPr>
+      <p:grpSpPr>
+        <a:xfrm>
+          <a:off x="0" y="0"/>
+          <a:ext cx="0" cy="0"/>
+          <a:chOff x="0" y="0"/>
+          <a:chExt cx="0" cy="0"/>
+        </a:xfrm>
+      </p:grpSpPr>
+      <p:sp>
+        <p:nvSpPr>
+          <p:cNvPr id="40" name="PlaceHolder 1"/>
+          <p:cNvSpPr>
+            <a:spLocks noGrp="1"/>
+          </p:cNvSpPr>
+          <p:nvPr>
+            <p:ph type="title"/>
+          </p:nvPr>
+        </p:nvSpPr>
+        <p:spPr>
+          <a:xfrm>
+            <a:off x="504000" y="226080"/>
+            <a:ext cx="9072000" cy="946440"/>
+          </a:xfrm>
+          <a:prstGeom prst="rect">
+            <a:avLst/>
+          </a:prstGeom>
+        </p:spPr>
+        <p:txBody>
+          <a:bodyPr lIns="0" rIns="0" tIns="0" bIns="0" anchor="ctr">
+            <a:noAutofit/>
+          </a:bodyPr>
+          <a:p>
+            <a:pPr algn="ctr"/>
+            <a:endParaRPr b="0" lang="en-US" sz="4400" spc="-1" strike="noStrike">
+              <a:latin typeface="Arial"/>
+            </a:endParaRPr>
+          </a:p>
+        </p:txBody>
+      </p:sp>
+      <p:sp>
+        <p:nvSpPr>
+          <p:cNvPr id="41" name="PlaceHolder 2"/>
+          <p:cNvSpPr>
+            <a:spLocks noGrp="1"/>
+          </p:cNvSpPr>
+          <p:nvPr>
+            <p:ph type="subTitle"/>
+          </p:nvPr>
+        </p:nvSpPr>
+        <p:spPr>
+          <a:xfrm>
+            <a:off x="504000" y="1326600"/>
+            <a:ext cx="9072000" cy="3288600"/>
+          </a:xfrm>
+          <a:prstGeom prst="rect">
+            <a:avLst/>
+          </a:prstGeom>
+        </p:spPr>
+        <p:txBody>
+          <a:bodyPr lIns="0" rIns="0" tIns="0" bIns="0" anchor="ctr">
+            <a:noAutofit/>
+          </a:bodyPr>
+          <a:p>
+            <a:pPr algn="ctr"/>
+            <a:endParaRPr b="0" lang="en-US" sz="3200" spc="-1" strike="noStrike">
+              <a:latin typeface="Arial"/>
+            </a:endParaRPr>
+          </a:p>
+        </p:txBody>
+      </p:sp>
+    </p:spTree>
+  </p:cSld>
+</p:sldLayout>
+</file>
+
+<file path=ppt/slideLayouts/slideLayout15.xml><?xml version="1.0" encoding="utf-8"?>
+<p:sldLayout xmlns:a="http://schemas.openxmlformats.org/drawingml/2006/main" xmlns:p="http://schemas.openxmlformats.org/presentationml/2006/main" xmlns:r="http://schemas.openxmlformats.org/officeDocument/2006/relationships" xmlns:p14="http://schemas.microsoft.com/office/powerpoint/2010/main" xmlns:p15="http://schemas.microsoft.com/office/powerpoint/2012/main" xmlns:mc="http://schemas.openxmlformats.org/markup-compatibility/2006" type="obj" preserve="1">
+  <p:cSld name="Title, Content">
+    <p:spTree>
+      <p:nvGrpSpPr>
+        <p:cNvPr id="1" name=""/>
+        <p:cNvGrpSpPr/>
+        <p:nvPr/>
+      </p:nvGrpSpPr>
+      <p:grpSpPr>
+        <a:xfrm>
+          <a:off x="0" y="0"/>
+          <a:ext cx="0" cy="0"/>
+          <a:chOff x="0" y="0"/>
+          <a:chExt cx="0" cy="0"/>
+        </a:xfrm>
+      </p:grpSpPr>
+      <p:sp>
+        <p:nvSpPr>
+          <p:cNvPr id="42" name="PlaceHolder 1"/>
+          <p:cNvSpPr>
+            <a:spLocks noGrp="1"/>
+          </p:cNvSpPr>
+          <p:nvPr>
+            <p:ph type="title"/>
+          </p:nvPr>
+        </p:nvSpPr>
+        <p:spPr>
+          <a:xfrm>
+            <a:off x="504000" y="226080"/>
+            <a:ext cx="9072000" cy="946440"/>
+          </a:xfrm>
+          <a:prstGeom prst="rect">
+            <a:avLst/>
+          </a:prstGeom>
+        </p:spPr>
+        <p:txBody>
+          <a:bodyPr lIns="0" rIns="0" tIns="0" bIns="0" anchor="ctr">
+            <a:noAutofit/>
+          </a:bodyPr>
+          <a:p>
+            <a:pPr algn="ctr"/>
+            <a:endParaRPr b="0" lang="en-US" sz="4400" spc="-1" strike="noStrike">
+              <a:latin typeface="Arial"/>
+            </a:endParaRPr>
+          </a:p>
+        </p:txBody>
+      </p:sp>
+      <p:sp>
+        <p:nvSpPr>
+          <p:cNvPr id="43" name="PlaceHolder 2"/>
+          <p:cNvSpPr>
+            <a:spLocks noGrp="1"/>
+          </p:cNvSpPr>
+          <p:nvPr>
+            <p:ph type="body"/>
+          </p:nvPr>
+        </p:nvSpPr>
+        <p:spPr>
+          <a:xfrm>
+            <a:off x="504000" y="1326600"/>
+            <a:ext cx="9072000" cy="3288600"/>
+          </a:xfrm>
+          <a:prstGeom prst="rect">
+            <a:avLst/>
+          </a:prstGeom>
+        </p:spPr>
+        <p:txBody>
+          <a:bodyPr lIns="0" rIns="0" tIns="0" bIns="0">
+            <a:normAutofit/>
+          </a:bodyPr>
+          <a:p>
+            <a:endParaRPr b="0" lang="en-US" sz="3200" spc="-1" strike="noStrike">
+              <a:latin typeface="Arial"/>
+            </a:endParaRPr>
+          </a:p>
+        </p:txBody>
+      </p:sp>
+    </p:spTree>
+  </p:cSld>
+</p:sldLayout>
+</file>
+
+<file path=ppt/slideLayouts/slideLayout16.xml><?xml version="1.0" encoding="utf-8"?>
+<p:sldLayout xmlns:a="http://schemas.openxmlformats.org/drawingml/2006/main" xmlns:p="http://schemas.openxmlformats.org/presentationml/2006/main" xmlns:r="http://schemas.openxmlformats.org/officeDocument/2006/relationships" xmlns:p14="http://schemas.microsoft.com/office/powerpoint/2010/main" xmlns:p15="http://schemas.microsoft.com/office/powerpoint/2012/main" xmlns:mc="http://schemas.openxmlformats.org/markup-compatibility/2006" type="twoObj" preserve="1">
+  <p:cSld name="Title, 2 Content">
+    <p:spTree>
+      <p:nvGrpSpPr>
+        <p:cNvPr id="1" name=""/>
+        <p:cNvGrpSpPr/>
+        <p:nvPr/>
+      </p:nvGrpSpPr>
+      <p:grpSpPr>
+        <a:xfrm>
+          <a:off x="0" y="0"/>
+          <a:ext cx="0" cy="0"/>
+          <a:chOff x="0" y="0"/>
+          <a:chExt cx="0" cy="0"/>
+        </a:xfrm>
+      </p:grpSpPr>
+      <p:sp>
+        <p:nvSpPr>
+          <p:cNvPr id="44" name="PlaceHolder 1"/>
+          <p:cNvSpPr>
+            <a:spLocks noGrp="1"/>
+          </p:cNvSpPr>
+          <p:nvPr>
+            <p:ph type="title"/>
+          </p:nvPr>
+        </p:nvSpPr>
+        <p:spPr>
+          <a:xfrm>
+            <a:off x="504000" y="226080"/>
+            <a:ext cx="9072000" cy="946440"/>
+          </a:xfrm>
+          <a:prstGeom prst="rect">
+            <a:avLst/>
+          </a:prstGeom>
+        </p:spPr>
+        <p:txBody>
+          <a:bodyPr lIns="0" rIns="0" tIns="0" bIns="0" anchor="ctr">
+            <a:noAutofit/>
+          </a:bodyPr>
+          <a:p>
+            <a:pPr algn="ctr"/>
+            <a:endParaRPr b="0" lang="en-US" sz="4400" spc="-1" strike="noStrike">
+              <a:latin typeface="Arial"/>
+            </a:endParaRPr>
+          </a:p>
+        </p:txBody>
+      </p:sp>
+      <p:sp>
+        <p:nvSpPr>
+          <p:cNvPr id="45" name="PlaceHolder 2"/>
+          <p:cNvSpPr>
+            <a:spLocks noGrp="1"/>
+          </p:cNvSpPr>
+          <p:nvPr>
+            <p:ph type="body"/>
+          </p:nvPr>
+        </p:nvSpPr>
+        <p:spPr>
+          <a:xfrm>
+            <a:off x="504000" y="1326600"/>
+            <a:ext cx="4426920" cy="3288600"/>
+          </a:xfrm>
+          <a:prstGeom prst="rect">
+            <a:avLst/>
+          </a:prstGeom>
+        </p:spPr>
+        <p:txBody>
+          <a:bodyPr lIns="0" rIns="0" tIns="0" bIns="0">
+            <a:normAutofit/>
+          </a:bodyPr>
+          <a:p>
+            <a:endParaRPr b="0" lang="en-US" sz="3200" spc="-1" strike="noStrike">
+              <a:latin typeface="Arial"/>
+            </a:endParaRPr>
+          </a:p>
+        </p:txBody>
+      </p:sp>
+      <p:sp>
+        <p:nvSpPr>
+          <p:cNvPr id="46" name="PlaceHolder 3"/>
+          <p:cNvSpPr>
+            <a:spLocks noGrp="1"/>
+          </p:cNvSpPr>
+          <p:nvPr>
+            <p:ph type="body"/>
+          </p:nvPr>
+        </p:nvSpPr>
+        <p:spPr>
+          <a:xfrm>
+            <a:off x="5152680" y="1326600"/>
+            <a:ext cx="4426920" cy="3288600"/>
+          </a:xfrm>
+          <a:prstGeom prst="rect">
+            <a:avLst/>
+          </a:prstGeom>
+        </p:spPr>
+        <p:txBody>
+          <a:bodyPr lIns="0" rIns="0" tIns="0" bIns="0">
+            <a:normAutofit/>
+          </a:bodyPr>
+          <a:p>
+            <a:endParaRPr b="0" lang="en-US" sz="3200" spc="-1" strike="noStrike">
+              <a:latin typeface="Arial"/>
+            </a:endParaRPr>
+          </a:p>
+        </p:txBody>
+      </p:sp>
+    </p:spTree>
+  </p:cSld>
+</p:sldLayout>
+</file>
+
+<file path=ppt/slideLayouts/slideLayout17.xml><?xml version="1.0" encoding="utf-8"?>
+<p:sldLayout xmlns:a="http://schemas.openxmlformats.org/drawingml/2006/main" xmlns:p="http://schemas.openxmlformats.org/presentationml/2006/main" xmlns:r="http://schemas.openxmlformats.org/officeDocument/2006/relationships" xmlns:p14="http://schemas.microsoft.com/office/powerpoint/2010/main" xmlns:p15="http://schemas.microsoft.com/office/powerpoint/2012/main" xmlns:mc="http://schemas.openxmlformats.org/markup-compatibility/2006" type="titleOnly" preserve="1">
+  <p:cSld name="Title Only">
+    <p:spTree>
+      <p:nvGrpSpPr>
+        <p:cNvPr id="1" name=""/>
+        <p:cNvGrpSpPr/>
+        <p:nvPr/>
+      </p:nvGrpSpPr>
+      <p:grpSpPr>
+        <a:xfrm>
+          <a:off x="0" y="0"/>
+          <a:ext cx="0" cy="0"/>
+          <a:chOff x="0" y="0"/>
+          <a:chExt cx="0" cy="0"/>
+        </a:xfrm>
+      </p:grpSpPr>
+      <p:sp>
+        <p:nvSpPr>
+          <p:cNvPr id="47" name="PlaceHolder 1"/>
+          <p:cNvSpPr>
+            <a:spLocks noGrp="1"/>
+          </p:cNvSpPr>
+          <p:nvPr>
+            <p:ph type="title"/>
+          </p:nvPr>
+        </p:nvSpPr>
+        <p:spPr>
+          <a:xfrm>
+            <a:off x="504000" y="226080"/>
+            <a:ext cx="9072000" cy="946440"/>
+          </a:xfrm>
+          <a:prstGeom prst="rect">
+            <a:avLst/>
+          </a:prstGeom>
+        </p:spPr>
+        <p:txBody>
+          <a:bodyPr lIns="0" rIns="0" tIns="0" bIns="0" anchor="ctr">
+            <a:noAutofit/>
+          </a:bodyPr>
+          <a:p>
+            <a:pPr algn="ctr"/>
+            <a:endParaRPr b="0" lang="en-US" sz="4400" spc="-1" strike="noStrike">
+              <a:latin typeface="Arial"/>
+            </a:endParaRPr>
+          </a:p>
+        </p:txBody>
+      </p:sp>
+    </p:spTree>
+  </p:cSld>
+</p:sldLayout>
+</file>
+
+<file path=ppt/slideLayouts/slideLayout18.xml><?xml version="1.0" encoding="utf-8"?>
+<p:sldLayout xmlns:a="http://schemas.openxmlformats.org/drawingml/2006/main" xmlns:p="http://schemas.openxmlformats.org/presentationml/2006/main" xmlns:r="http://schemas.openxmlformats.org/officeDocument/2006/relationships" xmlns:p14="http://schemas.microsoft.com/office/powerpoint/2010/main" xmlns:p15="http://schemas.microsoft.com/office/powerpoint/2012/main" xmlns:mc="http://schemas.openxmlformats.org/markup-compatibility/2006" type="objOnly" preserve="1">
+  <p:cSld name="Centered Text">
+    <p:spTree>
+      <p:nvGrpSpPr>
+        <p:cNvPr id="1" name=""/>
+        <p:cNvGrpSpPr/>
+        <p:nvPr/>
+      </p:nvGrpSpPr>
+      <p:grpSpPr>
+        <a:xfrm>
+          <a:off x="0" y="0"/>
+          <a:ext cx="0" cy="0"/>
+          <a:chOff x="0" y="0"/>
+          <a:chExt cx="0" cy="0"/>
+        </a:xfrm>
+      </p:grpSpPr>
+      <p:sp>
+        <p:nvSpPr>
+          <p:cNvPr id="48" name="PlaceHolder 1"/>
+          <p:cNvSpPr>
+            <a:spLocks noGrp="1"/>
+          </p:cNvSpPr>
+          <p:nvPr>
+            <p:ph type="subTitle"/>
+          </p:nvPr>
+        </p:nvSpPr>
+        <p:spPr>
+          <a:xfrm>
+            <a:off x="504000" y="226080"/>
+            <a:ext cx="9072000" cy="4388400"/>
+          </a:xfrm>
+          <a:prstGeom prst="rect">
+            <a:avLst/>
+          </a:prstGeom>
+        </p:spPr>
+        <p:txBody>
+          <a:bodyPr lIns="0" rIns="0" tIns="0" bIns="0" anchor="ctr">
+            <a:noAutofit/>
+          </a:bodyPr>
+          <a:p>
+            <a:pPr algn="ctr"/>
+            <a:endParaRPr b="0" lang="en-US" sz="3200" spc="-1" strike="noStrike">
+              <a:latin typeface="Arial"/>
+            </a:endParaRPr>
+          </a:p>
+        </p:txBody>
+      </p:sp>
+    </p:spTree>
+  </p:cSld>
+</p:sldLayout>
+</file>
+
+<file path=ppt/slideLayouts/slideLayout19.xml><?xml version="1.0" encoding="utf-8"?>
+<p:sldLayout xmlns:a="http://schemas.openxmlformats.org/drawingml/2006/main" xmlns:p="http://schemas.openxmlformats.org/presentationml/2006/main" xmlns:r="http://schemas.openxmlformats.org/officeDocument/2006/relationships" xmlns:p14="http://schemas.microsoft.com/office/powerpoint/2010/main" xmlns:p15="http://schemas.microsoft.com/office/powerpoint/2012/main" xmlns:mc="http://schemas.openxmlformats.org/markup-compatibility/2006" type="twoObjAndObj" preserve="1">
+  <p:cSld name="Title, 2 Content and Content">
+    <p:spTree>
+      <p:nvGrpSpPr>
+        <p:cNvPr id="1" name=""/>
+        <p:cNvGrpSpPr/>
+        <p:nvPr/>
+      </p:nvGrpSpPr>
+      <p:grpSpPr>
+        <a:xfrm>
+          <a:off x="0" y="0"/>
+          <a:ext cx="0" cy="0"/>
+          <a:chOff x="0" y="0"/>
+          <a:chExt cx="0" cy="0"/>
+        </a:xfrm>
+      </p:grpSpPr>
+      <p:sp>
+        <p:nvSpPr>
+          <p:cNvPr id="49" name="PlaceHolder 1"/>
+          <p:cNvSpPr>
+            <a:spLocks noGrp="1"/>
+          </p:cNvSpPr>
+          <p:nvPr>
+            <p:ph type="title"/>
+          </p:nvPr>
+        </p:nvSpPr>
+        <p:spPr>
+          <a:xfrm>
+            <a:off x="504000" y="226080"/>
+            <a:ext cx="9072000" cy="946440"/>
+          </a:xfrm>
+          <a:prstGeom prst="rect">
+            <a:avLst/>
+          </a:prstGeom>
+        </p:spPr>
+        <p:txBody>
+          <a:bodyPr lIns="0" rIns="0" tIns="0" bIns="0" anchor="ctr">
+            <a:noAutofit/>
+          </a:bodyPr>
+          <a:p>
+            <a:pPr algn="ctr"/>
+            <a:endParaRPr b="0" lang="en-US" sz="4400" spc="-1" strike="noStrike">
+              <a:latin typeface="Arial"/>
+            </a:endParaRPr>
+          </a:p>
+        </p:txBody>
+      </p:sp>
+      <p:sp>
+        <p:nvSpPr>
+          <p:cNvPr id="50" name="PlaceHolder 2"/>
+          <p:cNvSpPr>
+            <a:spLocks noGrp="1"/>
+          </p:cNvSpPr>
+          <p:nvPr>
+            <p:ph type="body"/>
+          </p:nvPr>
+        </p:nvSpPr>
+        <p:spPr>
+          <a:xfrm>
+            <a:off x="504000" y="1326600"/>
+            <a:ext cx="4426920" cy="1568520"/>
+          </a:xfrm>
+          <a:prstGeom prst="rect">
+            <a:avLst/>
+          </a:prstGeom>
+        </p:spPr>
+        <p:txBody>
+          <a:bodyPr lIns="0" rIns="0" tIns="0" bIns="0">
+            <a:normAutofit/>
+          </a:bodyPr>
+          <a:p>
+            <a:endParaRPr b="0" lang="en-US" sz="3200" spc="-1" strike="noStrike">
+              <a:latin typeface="Arial"/>
+            </a:endParaRPr>
+          </a:p>
+        </p:txBody>
+      </p:sp>
+      <p:sp>
+        <p:nvSpPr>
+          <p:cNvPr id="51" name="PlaceHolder 3"/>
+          <p:cNvSpPr>
+            <a:spLocks noGrp="1"/>
+          </p:cNvSpPr>
+          <p:nvPr>
+            <p:ph type="body"/>
+          </p:nvPr>
+        </p:nvSpPr>
+        <p:spPr>
+          <a:xfrm>
+            <a:off x="5152680" y="1326600"/>
+            <a:ext cx="4426920" cy="3288600"/>
+          </a:xfrm>
+          <a:prstGeom prst="rect">
+            <a:avLst/>
+          </a:prstGeom>
+        </p:spPr>
+        <p:txBody>
+          <a:bodyPr lIns="0" rIns="0" tIns="0" bIns="0">
+            <a:normAutofit/>
+          </a:bodyPr>
+          <a:p>
+            <a:endParaRPr b="0" lang="en-US" sz="3200" spc="-1" strike="noStrike">
+              <a:latin typeface="Arial"/>
+            </a:endParaRPr>
+          </a:p>
+        </p:txBody>
+      </p:sp>
+      <p:sp>
+        <p:nvSpPr>
+          <p:cNvPr id="52" name="PlaceHolder 4"/>
+          <p:cNvSpPr>
+            <a:spLocks noGrp="1"/>
+          </p:cNvSpPr>
+          <p:nvPr>
+            <p:ph type="body"/>
+          </p:nvPr>
+        </p:nvSpPr>
+        <p:spPr>
+          <a:xfrm>
+            <a:off x="504000" y="3044520"/>
+            <a:ext cx="4426920" cy="1568520"/>
           </a:xfrm>
           <a:prstGeom prst="rect">
             <a:avLst/>
@@ -580,7 +1133,7 @@
       </p:grpSpPr>
       <p:sp>
         <p:nvSpPr>
-          <p:cNvPr id="5" name="PlaceHolder 1"/>
+          <p:cNvPr id="2" name="PlaceHolder 1"/>
           <p:cNvSpPr>
             <a:spLocks noGrp="1"/>
           </p:cNvSpPr>
@@ -591,7 +1144,7 @@
         <p:spPr>
           <a:xfrm>
             <a:off x="504000" y="226080"/>
-            <a:ext cx="9071640" cy="946440"/>
+            <a:ext cx="9072000" cy="946440"/>
           </a:xfrm>
           <a:prstGeom prst="rect">
             <a:avLst/>
@@ -611,7 +1164,7 @@
       </p:sp>
       <p:sp>
         <p:nvSpPr>
-          <p:cNvPr id="6" name="PlaceHolder 2"/>
+          <p:cNvPr id="3" name="PlaceHolder 2"/>
           <p:cNvSpPr>
             <a:spLocks noGrp="1"/>
           </p:cNvSpPr>
@@ -622,7 +1175,7 @@
         <p:spPr>
           <a:xfrm>
             <a:off x="504000" y="1326600"/>
-            <a:ext cx="9071640" cy="3288240"/>
+            <a:ext cx="9072000" cy="3288600"/>
           </a:xfrm>
           <a:prstGeom prst="rect">
             <a:avLst/>
@@ -635,6 +1188,1166 @@
           <a:p>
             <a:pPr algn="ctr"/>
             <a:endParaRPr b="0" lang="en-US" sz="3200" spc="-1" strike="noStrike">
+              <a:latin typeface="Arial"/>
+            </a:endParaRPr>
+          </a:p>
+        </p:txBody>
+      </p:sp>
+    </p:spTree>
+  </p:cSld>
+</p:sldLayout>
+</file>
+
+<file path=ppt/slideLayouts/slideLayout20.xml><?xml version="1.0" encoding="utf-8"?>
+<p:sldLayout xmlns:a="http://schemas.openxmlformats.org/drawingml/2006/main" xmlns:p="http://schemas.openxmlformats.org/presentationml/2006/main" xmlns:r="http://schemas.openxmlformats.org/officeDocument/2006/relationships" xmlns:p14="http://schemas.microsoft.com/office/powerpoint/2010/main" xmlns:p15="http://schemas.microsoft.com/office/powerpoint/2012/main" xmlns:mc="http://schemas.openxmlformats.org/markup-compatibility/2006" type="objAndTwoObj" preserve="1">
+  <p:cSld name="Title Content and 2 Content">
+    <p:spTree>
+      <p:nvGrpSpPr>
+        <p:cNvPr id="1" name=""/>
+        <p:cNvGrpSpPr/>
+        <p:nvPr/>
+      </p:nvGrpSpPr>
+      <p:grpSpPr>
+        <a:xfrm>
+          <a:off x="0" y="0"/>
+          <a:ext cx="0" cy="0"/>
+          <a:chOff x="0" y="0"/>
+          <a:chExt cx="0" cy="0"/>
+        </a:xfrm>
+      </p:grpSpPr>
+      <p:sp>
+        <p:nvSpPr>
+          <p:cNvPr id="53" name="PlaceHolder 1"/>
+          <p:cNvSpPr>
+            <a:spLocks noGrp="1"/>
+          </p:cNvSpPr>
+          <p:nvPr>
+            <p:ph type="title"/>
+          </p:nvPr>
+        </p:nvSpPr>
+        <p:spPr>
+          <a:xfrm>
+            <a:off x="504000" y="226080"/>
+            <a:ext cx="9072000" cy="946440"/>
+          </a:xfrm>
+          <a:prstGeom prst="rect">
+            <a:avLst/>
+          </a:prstGeom>
+        </p:spPr>
+        <p:txBody>
+          <a:bodyPr lIns="0" rIns="0" tIns="0" bIns="0" anchor="ctr">
+            <a:noAutofit/>
+          </a:bodyPr>
+          <a:p>
+            <a:pPr algn="ctr"/>
+            <a:endParaRPr b="0" lang="en-US" sz="4400" spc="-1" strike="noStrike">
+              <a:latin typeface="Arial"/>
+            </a:endParaRPr>
+          </a:p>
+        </p:txBody>
+      </p:sp>
+      <p:sp>
+        <p:nvSpPr>
+          <p:cNvPr id="54" name="PlaceHolder 2"/>
+          <p:cNvSpPr>
+            <a:spLocks noGrp="1"/>
+          </p:cNvSpPr>
+          <p:nvPr>
+            <p:ph type="body"/>
+          </p:nvPr>
+        </p:nvSpPr>
+        <p:spPr>
+          <a:xfrm>
+            <a:off x="504000" y="1326600"/>
+            <a:ext cx="4426920" cy="3288600"/>
+          </a:xfrm>
+          <a:prstGeom prst="rect">
+            <a:avLst/>
+          </a:prstGeom>
+        </p:spPr>
+        <p:txBody>
+          <a:bodyPr lIns="0" rIns="0" tIns="0" bIns="0">
+            <a:normAutofit/>
+          </a:bodyPr>
+          <a:p>
+            <a:endParaRPr b="0" lang="en-US" sz="3200" spc="-1" strike="noStrike">
+              <a:latin typeface="Arial"/>
+            </a:endParaRPr>
+          </a:p>
+        </p:txBody>
+      </p:sp>
+      <p:sp>
+        <p:nvSpPr>
+          <p:cNvPr id="55" name="PlaceHolder 3"/>
+          <p:cNvSpPr>
+            <a:spLocks noGrp="1"/>
+          </p:cNvSpPr>
+          <p:nvPr>
+            <p:ph type="body"/>
+          </p:nvPr>
+        </p:nvSpPr>
+        <p:spPr>
+          <a:xfrm>
+            <a:off x="5152680" y="1326600"/>
+            <a:ext cx="4426920" cy="1568520"/>
+          </a:xfrm>
+          <a:prstGeom prst="rect">
+            <a:avLst/>
+          </a:prstGeom>
+        </p:spPr>
+        <p:txBody>
+          <a:bodyPr lIns="0" rIns="0" tIns="0" bIns="0">
+            <a:normAutofit/>
+          </a:bodyPr>
+          <a:p>
+            <a:endParaRPr b="0" lang="en-US" sz="3200" spc="-1" strike="noStrike">
+              <a:latin typeface="Arial"/>
+            </a:endParaRPr>
+          </a:p>
+        </p:txBody>
+      </p:sp>
+      <p:sp>
+        <p:nvSpPr>
+          <p:cNvPr id="56" name="PlaceHolder 4"/>
+          <p:cNvSpPr>
+            <a:spLocks noGrp="1"/>
+          </p:cNvSpPr>
+          <p:nvPr>
+            <p:ph type="body"/>
+          </p:nvPr>
+        </p:nvSpPr>
+        <p:spPr>
+          <a:xfrm>
+            <a:off x="5152680" y="3044520"/>
+            <a:ext cx="4426920" cy="1568520"/>
+          </a:xfrm>
+          <a:prstGeom prst="rect">
+            <a:avLst/>
+          </a:prstGeom>
+        </p:spPr>
+        <p:txBody>
+          <a:bodyPr lIns="0" rIns="0" tIns="0" bIns="0">
+            <a:normAutofit/>
+          </a:bodyPr>
+          <a:p>
+            <a:endParaRPr b="0" lang="en-US" sz="3200" spc="-1" strike="noStrike">
+              <a:latin typeface="Arial"/>
+            </a:endParaRPr>
+          </a:p>
+        </p:txBody>
+      </p:sp>
+    </p:spTree>
+  </p:cSld>
+</p:sldLayout>
+</file>
+
+<file path=ppt/slideLayouts/slideLayout21.xml><?xml version="1.0" encoding="utf-8"?>
+<p:sldLayout xmlns:a="http://schemas.openxmlformats.org/drawingml/2006/main" xmlns:p="http://schemas.openxmlformats.org/presentationml/2006/main" xmlns:r="http://schemas.openxmlformats.org/officeDocument/2006/relationships" xmlns:p14="http://schemas.microsoft.com/office/powerpoint/2010/main" xmlns:p15="http://schemas.microsoft.com/office/powerpoint/2012/main" xmlns:mc="http://schemas.openxmlformats.org/markup-compatibility/2006" type="twoObjOverTx" preserve="1">
+  <p:cSld name="Title, 2 Content over Content">
+    <p:spTree>
+      <p:nvGrpSpPr>
+        <p:cNvPr id="1" name=""/>
+        <p:cNvGrpSpPr/>
+        <p:nvPr/>
+      </p:nvGrpSpPr>
+      <p:grpSpPr>
+        <a:xfrm>
+          <a:off x="0" y="0"/>
+          <a:ext cx="0" cy="0"/>
+          <a:chOff x="0" y="0"/>
+          <a:chExt cx="0" cy="0"/>
+        </a:xfrm>
+      </p:grpSpPr>
+      <p:sp>
+        <p:nvSpPr>
+          <p:cNvPr id="57" name="PlaceHolder 1"/>
+          <p:cNvSpPr>
+            <a:spLocks noGrp="1"/>
+          </p:cNvSpPr>
+          <p:nvPr>
+            <p:ph type="title"/>
+          </p:nvPr>
+        </p:nvSpPr>
+        <p:spPr>
+          <a:xfrm>
+            <a:off x="504000" y="226080"/>
+            <a:ext cx="9072000" cy="946440"/>
+          </a:xfrm>
+          <a:prstGeom prst="rect">
+            <a:avLst/>
+          </a:prstGeom>
+        </p:spPr>
+        <p:txBody>
+          <a:bodyPr lIns="0" rIns="0" tIns="0" bIns="0" anchor="ctr">
+            <a:noAutofit/>
+          </a:bodyPr>
+          <a:p>
+            <a:pPr algn="ctr"/>
+            <a:endParaRPr b="0" lang="en-US" sz="4400" spc="-1" strike="noStrike">
+              <a:latin typeface="Arial"/>
+            </a:endParaRPr>
+          </a:p>
+        </p:txBody>
+      </p:sp>
+      <p:sp>
+        <p:nvSpPr>
+          <p:cNvPr id="58" name="PlaceHolder 2"/>
+          <p:cNvSpPr>
+            <a:spLocks noGrp="1"/>
+          </p:cNvSpPr>
+          <p:nvPr>
+            <p:ph type="body"/>
+          </p:nvPr>
+        </p:nvSpPr>
+        <p:spPr>
+          <a:xfrm>
+            <a:off x="504000" y="1326600"/>
+            <a:ext cx="4426920" cy="1568520"/>
+          </a:xfrm>
+          <a:prstGeom prst="rect">
+            <a:avLst/>
+          </a:prstGeom>
+        </p:spPr>
+        <p:txBody>
+          <a:bodyPr lIns="0" rIns="0" tIns="0" bIns="0">
+            <a:normAutofit/>
+          </a:bodyPr>
+          <a:p>
+            <a:endParaRPr b="0" lang="en-US" sz="3200" spc="-1" strike="noStrike">
+              <a:latin typeface="Arial"/>
+            </a:endParaRPr>
+          </a:p>
+        </p:txBody>
+      </p:sp>
+      <p:sp>
+        <p:nvSpPr>
+          <p:cNvPr id="59" name="PlaceHolder 3"/>
+          <p:cNvSpPr>
+            <a:spLocks noGrp="1"/>
+          </p:cNvSpPr>
+          <p:nvPr>
+            <p:ph type="body"/>
+          </p:nvPr>
+        </p:nvSpPr>
+        <p:spPr>
+          <a:xfrm>
+            <a:off x="5152680" y="1326600"/>
+            <a:ext cx="4426920" cy="1568520"/>
+          </a:xfrm>
+          <a:prstGeom prst="rect">
+            <a:avLst/>
+          </a:prstGeom>
+        </p:spPr>
+        <p:txBody>
+          <a:bodyPr lIns="0" rIns="0" tIns="0" bIns="0">
+            <a:normAutofit/>
+          </a:bodyPr>
+          <a:p>
+            <a:endParaRPr b="0" lang="en-US" sz="3200" spc="-1" strike="noStrike">
+              <a:latin typeface="Arial"/>
+            </a:endParaRPr>
+          </a:p>
+        </p:txBody>
+      </p:sp>
+      <p:sp>
+        <p:nvSpPr>
+          <p:cNvPr id="60" name="PlaceHolder 4"/>
+          <p:cNvSpPr>
+            <a:spLocks noGrp="1"/>
+          </p:cNvSpPr>
+          <p:nvPr>
+            <p:ph type="body"/>
+          </p:nvPr>
+        </p:nvSpPr>
+        <p:spPr>
+          <a:xfrm>
+            <a:off x="504000" y="3044520"/>
+            <a:ext cx="9072000" cy="1568520"/>
+          </a:xfrm>
+          <a:prstGeom prst="rect">
+            <a:avLst/>
+          </a:prstGeom>
+        </p:spPr>
+        <p:txBody>
+          <a:bodyPr lIns="0" rIns="0" tIns="0" bIns="0">
+            <a:normAutofit/>
+          </a:bodyPr>
+          <a:p>
+            <a:endParaRPr b="0" lang="en-US" sz="3200" spc="-1" strike="noStrike">
+              <a:latin typeface="Arial"/>
+            </a:endParaRPr>
+          </a:p>
+        </p:txBody>
+      </p:sp>
+    </p:spTree>
+  </p:cSld>
+</p:sldLayout>
+</file>
+
+<file path=ppt/slideLayouts/slideLayout22.xml><?xml version="1.0" encoding="utf-8"?>
+<p:sldLayout xmlns:a="http://schemas.openxmlformats.org/drawingml/2006/main" xmlns:p="http://schemas.openxmlformats.org/presentationml/2006/main" xmlns:r="http://schemas.openxmlformats.org/officeDocument/2006/relationships" xmlns:p14="http://schemas.microsoft.com/office/powerpoint/2010/main" xmlns:p15="http://schemas.microsoft.com/office/powerpoint/2012/main" xmlns:mc="http://schemas.openxmlformats.org/markup-compatibility/2006" type="objOverTx" preserve="1">
+  <p:cSld name="Title, Content over Content">
+    <p:spTree>
+      <p:nvGrpSpPr>
+        <p:cNvPr id="1" name=""/>
+        <p:cNvGrpSpPr/>
+        <p:nvPr/>
+      </p:nvGrpSpPr>
+      <p:grpSpPr>
+        <a:xfrm>
+          <a:off x="0" y="0"/>
+          <a:ext cx="0" cy="0"/>
+          <a:chOff x="0" y="0"/>
+          <a:chExt cx="0" cy="0"/>
+        </a:xfrm>
+      </p:grpSpPr>
+      <p:sp>
+        <p:nvSpPr>
+          <p:cNvPr id="61" name="PlaceHolder 1"/>
+          <p:cNvSpPr>
+            <a:spLocks noGrp="1"/>
+          </p:cNvSpPr>
+          <p:nvPr>
+            <p:ph type="title"/>
+          </p:nvPr>
+        </p:nvSpPr>
+        <p:spPr>
+          <a:xfrm>
+            <a:off x="504000" y="226080"/>
+            <a:ext cx="9072000" cy="946440"/>
+          </a:xfrm>
+          <a:prstGeom prst="rect">
+            <a:avLst/>
+          </a:prstGeom>
+        </p:spPr>
+        <p:txBody>
+          <a:bodyPr lIns="0" rIns="0" tIns="0" bIns="0" anchor="ctr">
+            <a:noAutofit/>
+          </a:bodyPr>
+          <a:p>
+            <a:pPr algn="ctr"/>
+            <a:endParaRPr b="0" lang="en-US" sz="4400" spc="-1" strike="noStrike">
+              <a:latin typeface="Arial"/>
+            </a:endParaRPr>
+          </a:p>
+        </p:txBody>
+      </p:sp>
+      <p:sp>
+        <p:nvSpPr>
+          <p:cNvPr id="62" name="PlaceHolder 2"/>
+          <p:cNvSpPr>
+            <a:spLocks noGrp="1"/>
+          </p:cNvSpPr>
+          <p:nvPr>
+            <p:ph type="body"/>
+          </p:nvPr>
+        </p:nvSpPr>
+        <p:spPr>
+          <a:xfrm>
+            <a:off x="504000" y="1326600"/>
+            <a:ext cx="9072000" cy="1568520"/>
+          </a:xfrm>
+          <a:prstGeom prst="rect">
+            <a:avLst/>
+          </a:prstGeom>
+        </p:spPr>
+        <p:txBody>
+          <a:bodyPr lIns="0" rIns="0" tIns="0" bIns="0">
+            <a:normAutofit/>
+          </a:bodyPr>
+          <a:p>
+            <a:endParaRPr b="0" lang="en-US" sz="3200" spc="-1" strike="noStrike">
+              <a:latin typeface="Arial"/>
+            </a:endParaRPr>
+          </a:p>
+        </p:txBody>
+      </p:sp>
+      <p:sp>
+        <p:nvSpPr>
+          <p:cNvPr id="63" name="PlaceHolder 3"/>
+          <p:cNvSpPr>
+            <a:spLocks noGrp="1"/>
+          </p:cNvSpPr>
+          <p:nvPr>
+            <p:ph type="body"/>
+          </p:nvPr>
+        </p:nvSpPr>
+        <p:spPr>
+          <a:xfrm>
+            <a:off x="504000" y="3044520"/>
+            <a:ext cx="9072000" cy="1568520"/>
+          </a:xfrm>
+          <a:prstGeom prst="rect">
+            <a:avLst/>
+          </a:prstGeom>
+        </p:spPr>
+        <p:txBody>
+          <a:bodyPr lIns="0" rIns="0" tIns="0" bIns="0">
+            <a:normAutofit/>
+          </a:bodyPr>
+          <a:p>
+            <a:endParaRPr b="0" lang="en-US" sz="3200" spc="-1" strike="noStrike">
+              <a:latin typeface="Arial"/>
+            </a:endParaRPr>
+          </a:p>
+        </p:txBody>
+      </p:sp>
+    </p:spTree>
+  </p:cSld>
+</p:sldLayout>
+</file>
+
+<file path=ppt/slideLayouts/slideLayout23.xml><?xml version="1.0" encoding="utf-8"?>
+<p:sldLayout xmlns:a="http://schemas.openxmlformats.org/drawingml/2006/main" xmlns:p="http://schemas.openxmlformats.org/presentationml/2006/main" xmlns:r="http://schemas.openxmlformats.org/officeDocument/2006/relationships" xmlns:p14="http://schemas.microsoft.com/office/powerpoint/2010/main" xmlns:p15="http://schemas.microsoft.com/office/powerpoint/2012/main" xmlns:mc="http://schemas.openxmlformats.org/markup-compatibility/2006" type="fourObj" preserve="1">
+  <p:cSld name="Title, 4 Content">
+    <p:spTree>
+      <p:nvGrpSpPr>
+        <p:cNvPr id="1" name=""/>
+        <p:cNvGrpSpPr/>
+        <p:nvPr/>
+      </p:nvGrpSpPr>
+      <p:grpSpPr>
+        <a:xfrm>
+          <a:off x="0" y="0"/>
+          <a:ext cx="0" cy="0"/>
+          <a:chOff x="0" y="0"/>
+          <a:chExt cx="0" cy="0"/>
+        </a:xfrm>
+      </p:grpSpPr>
+      <p:sp>
+        <p:nvSpPr>
+          <p:cNvPr id="64" name="PlaceHolder 1"/>
+          <p:cNvSpPr>
+            <a:spLocks noGrp="1"/>
+          </p:cNvSpPr>
+          <p:nvPr>
+            <p:ph type="title"/>
+          </p:nvPr>
+        </p:nvSpPr>
+        <p:spPr>
+          <a:xfrm>
+            <a:off x="504000" y="226080"/>
+            <a:ext cx="9072000" cy="946440"/>
+          </a:xfrm>
+          <a:prstGeom prst="rect">
+            <a:avLst/>
+          </a:prstGeom>
+        </p:spPr>
+        <p:txBody>
+          <a:bodyPr lIns="0" rIns="0" tIns="0" bIns="0" anchor="ctr">
+            <a:noAutofit/>
+          </a:bodyPr>
+          <a:p>
+            <a:pPr algn="ctr"/>
+            <a:endParaRPr b="0" lang="en-US" sz="4400" spc="-1" strike="noStrike">
+              <a:latin typeface="Arial"/>
+            </a:endParaRPr>
+          </a:p>
+        </p:txBody>
+      </p:sp>
+      <p:sp>
+        <p:nvSpPr>
+          <p:cNvPr id="65" name="PlaceHolder 2"/>
+          <p:cNvSpPr>
+            <a:spLocks noGrp="1"/>
+          </p:cNvSpPr>
+          <p:nvPr>
+            <p:ph type="body"/>
+          </p:nvPr>
+        </p:nvSpPr>
+        <p:spPr>
+          <a:xfrm>
+            <a:off x="504000" y="1326600"/>
+            <a:ext cx="4426920" cy="1568520"/>
+          </a:xfrm>
+          <a:prstGeom prst="rect">
+            <a:avLst/>
+          </a:prstGeom>
+        </p:spPr>
+        <p:txBody>
+          <a:bodyPr lIns="0" rIns="0" tIns="0" bIns="0">
+            <a:normAutofit/>
+          </a:bodyPr>
+          <a:p>
+            <a:endParaRPr b="0" lang="en-US" sz="3200" spc="-1" strike="noStrike">
+              <a:latin typeface="Arial"/>
+            </a:endParaRPr>
+          </a:p>
+        </p:txBody>
+      </p:sp>
+      <p:sp>
+        <p:nvSpPr>
+          <p:cNvPr id="66" name="PlaceHolder 3"/>
+          <p:cNvSpPr>
+            <a:spLocks noGrp="1"/>
+          </p:cNvSpPr>
+          <p:nvPr>
+            <p:ph type="body"/>
+          </p:nvPr>
+        </p:nvSpPr>
+        <p:spPr>
+          <a:xfrm>
+            <a:off x="5152680" y="1326600"/>
+            <a:ext cx="4426920" cy="1568520"/>
+          </a:xfrm>
+          <a:prstGeom prst="rect">
+            <a:avLst/>
+          </a:prstGeom>
+        </p:spPr>
+        <p:txBody>
+          <a:bodyPr lIns="0" rIns="0" tIns="0" bIns="0">
+            <a:normAutofit/>
+          </a:bodyPr>
+          <a:p>
+            <a:endParaRPr b="0" lang="en-US" sz="3200" spc="-1" strike="noStrike">
+              <a:latin typeface="Arial"/>
+            </a:endParaRPr>
+          </a:p>
+        </p:txBody>
+      </p:sp>
+      <p:sp>
+        <p:nvSpPr>
+          <p:cNvPr id="67" name="PlaceHolder 4"/>
+          <p:cNvSpPr>
+            <a:spLocks noGrp="1"/>
+          </p:cNvSpPr>
+          <p:nvPr>
+            <p:ph type="body"/>
+          </p:nvPr>
+        </p:nvSpPr>
+        <p:spPr>
+          <a:xfrm>
+            <a:off x="504000" y="3044520"/>
+            <a:ext cx="4426920" cy="1568520"/>
+          </a:xfrm>
+          <a:prstGeom prst="rect">
+            <a:avLst/>
+          </a:prstGeom>
+        </p:spPr>
+        <p:txBody>
+          <a:bodyPr lIns="0" rIns="0" tIns="0" bIns="0">
+            <a:normAutofit/>
+          </a:bodyPr>
+          <a:p>
+            <a:endParaRPr b="0" lang="en-US" sz="3200" spc="-1" strike="noStrike">
+              <a:latin typeface="Arial"/>
+            </a:endParaRPr>
+          </a:p>
+        </p:txBody>
+      </p:sp>
+      <p:sp>
+        <p:nvSpPr>
+          <p:cNvPr id="68" name="PlaceHolder 5"/>
+          <p:cNvSpPr>
+            <a:spLocks noGrp="1"/>
+          </p:cNvSpPr>
+          <p:nvPr>
+            <p:ph type="body"/>
+          </p:nvPr>
+        </p:nvSpPr>
+        <p:spPr>
+          <a:xfrm>
+            <a:off x="5152680" y="3044520"/>
+            <a:ext cx="4426920" cy="1568520"/>
+          </a:xfrm>
+          <a:prstGeom prst="rect">
+            <a:avLst/>
+          </a:prstGeom>
+        </p:spPr>
+        <p:txBody>
+          <a:bodyPr lIns="0" rIns="0" tIns="0" bIns="0">
+            <a:normAutofit/>
+          </a:bodyPr>
+          <a:p>
+            <a:endParaRPr b="0" lang="en-US" sz="3200" spc="-1" strike="noStrike">
+              <a:latin typeface="Arial"/>
+            </a:endParaRPr>
+          </a:p>
+        </p:txBody>
+      </p:sp>
+    </p:spTree>
+  </p:cSld>
+</p:sldLayout>
+</file>
+
+<file path=ppt/slideLayouts/slideLayout24.xml><?xml version="1.0" encoding="utf-8"?>
+<p:sldLayout xmlns:a="http://schemas.openxmlformats.org/drawingml/2006/main" xmlns:p="http://schemas.openxmlformats.org/presentationml/2006/main" xmlns:r="http://schemas.openxmlformats.org/officeDocument/2006/relationships" xmlns:p14="http://schemas.microsoft.com/office/powerpoint/2010/main" xmlns:p15="http://schemas.microsoft.com/office/powerpoint/2012/main" xmlns:mc="http://schemas.openxmlformats.org/markup-compatibility/2006" type="blank" preserve="1">
+  <p:cSld name="Title, 6 Content">
+    <p:spTree>
+      <p:nvGrpSpPr>
+        <p:cNvPr id="1" name=""/>
+        <p:cNvGrpSpPr/>
+        <p:nvPr/>
+      </p:nvGrpSpPr>
+      <p:grpSpPr>
+        <a:xfrm>
+          <a:off x="0" y="0"/>
+          <a:ext cx="0" cy="0"/>
+          <a:chOff x="0" y="0"/>
+          <a:chExt cx="0" cy="0"/>
+        </a:xfrm>
+      </p:grpSpPr>
+      <p:sp>
+        <p:nvSpPr>
+          <p:cNvPr id="69" name="PlaceHolder 1"/>
+          <p:cNvSpPr>
+            <a:spLocks noGrp="1"/>
+          </p:cNvSpPr>
+          <p:nvPr>
+            <p:ph type="title"/>
+          </p:nvPr>
+        </p:nvSpPr>
+        <p:spPr>
+          <a:xfrm>
+            <a:off x="504000" y="226080"/>
+            <a:ext cx="9072000" cy="946440"/>
+          </a:xfrm>
+          <a:prstGeom prst="rect">
+            <a:avLst/>
+          </a:prstGeom>
+        </p:spPr>
+        <p:txBody>
+          <a:bodyPr lIns="0" rIns="0" tIns="0" bIns="0" anchor="ctr">
+            <a:noAutofit/>
+          </a:bodyPr>
+          <a:p>
+            <a:pPr algn="ctr"/>
+            <a:endParaRPr b="0" lang="en-US" sz="4400" spc="-1" strike="noStrike">
+              <a:latin typeface="Arial"/>
+            </a:endParaRPr>
+          </a:p>
+        </p:txBody>
+      </p:sp>
+      <p:sp>
+        <p:nvSpPr>
+          <p:cNvPr id="70" name="PlaceHolder 2"/>
+          <p:cNvSpPr>
+            <a:spLocks noGrp="1"/>
+          </p:cNvSpPr>
+          <p:nvPr>
+            <p:ph type="body"/>
+          </p:nvPr>
+        </p:nvSpPr>
+        <p:spPr>
+          <a:xfrm>
+            <a:off x="504000" y="1326600"/>
+            <a:ext cx="2921040" cy="1568520"/>
+          </a:xfrm>
+          <a:prstGeom prst="rect">
+            <a:avLst/>
+          </a:prstGeom>
+        </p:spPr>
+        <p:txBody>
+          <a:bodyPr lIns="0" rIns="0" tIns="0" bIns="0">
+            <a:normAutofit/>
+          </a:bodyPr>
+          <a:p>
+            <a:endParaRPr b="0" lang="en-US" sz="3200" spc="-1" strike="noStrike">
+              <a:latin typeface="Arial"/>
+            </a:endParaRPr>
+          </a:p>
+        </p:txBody>
+      </p:sp>
+      <p:sp>
+        <p:nvSpPr>
+          <p:cNvPr id="71" name="PlaceHolder 3"/>
+          <p:cNvSpPr>
+            <a:spLocks noGrp="1"/>
+          </p:cNvSpPr>
+          <p:nvPr>
+            <p:ph type="body"/>
+          </p:nvPr>
+        </p:nvSpPr>
+        <p:spPr>
+          <a:xfrm>
+            <a:off x="3571560" y="1326600"/>
+            <a:ext cx="2921040" cy="1568520"/>
+          </a:xfrm>
+          <a:prstGeom prst="rect">
+            <a:avLst/>
+          </a:prstGeom>
+        </p:spPr>
+        <p:txBody>
+          <a:bodyPr lIns="0" rIns="0" tIns="0" bIns="0">
+            <a:normAutofit/>
+          </a:bodyPr>
+          <a:p>
+            <a:endParaRPr b="0" lang="en-US" sz="3200" spc="-1" strike="noStrike">
+              <a:latin typeface="Arial"/>
+            </a:endParaRPr>
+          </a:p>
+        </p:txBody>
+      </p:sp>
+      <p:sp>
+        <p:nvSpPr>
+          <p:cNvPr id="72" name="PlaceHolder 4"/>
+          <p:cNvSpPr>
+            <a:spLocks noGrp="1"/>
+          </p:cNvSpPr>
+          <p:nvPr>
+            <p:ph type="body"/>
+          </p:nvPr>
+        </p:nvSpPr>
+        <p:spPr>
+          <a:xfrm>
+            <a:off x="6639120" y="1326600"/>
+            <a:ext cx="2921040" cy="1568520"/>
+          </a:xfrm>
+          <a:prstGeom prst="rect">
+            <a:avLst/>
+          </a:prstGeom>
+        </p:spPr>
+        <p:txBody>
+          <a:bodyPr lIns="0" rIns="0" tIns="0" bIns="0">
+            <a:normAutofit/>
+          </a:bodyPr>
+          <a:p>
+            <a:endParaRPr b="0" lang="en-US" sz="3200" spc="-1" strike="noStrike">
+              <a:latin typeface="Arial"/>
+            </a:endParaRPr>
+          </a:p>
+        </p:txBody>
+      </p:sp>
+      <p:sp>
+        <p:nvSpPr>
+          <p:cNvPr id="73" name="PlaceHolder 5"/>
+          <p:cNvSpPr>
+            <a:spLocks noGrp="1"/>
+          </p:cNvSpPr>
+          <p:nvPr>
+            <p:ph type="body"/>
+          </p:nvPr>
+        </p:nvSpPr>
+        <p:spPr>
+          <a:xfrm>
+            <a:off x="504000" y="3044520"/>
+            <a:ext cx="2921040" cy="1568520"/>
+          </a:xfrm>
+          <a:prstGeom prst="rect">
+            <a:avLst/>
+          </a:prstGeom>
+        </p:spPr>
+        <p:txBody>
+          <a:bodyPr lIns="0" rIns="0" tIns="0" bIns="0">
+            <a:normAutofit/>
+          </a:bodyPr>
+          <a:p>
+            <a:endParaRPr b="0" lang="en-US" sz="3200" spc="-1" strike="noStrike">
+              <a:latin typeface="Arial"/>
+            </a:endParaRPr>
+          </a:p>
+        </p:txBody>
+      </p:sp>
+      <p:sp>
+        <p:nvSpPr>
+          <p:cNvPr id="74" name="PlaceHolder 6"/>
+          <p:cNvSpPr>
+            <a:spLocks noGrp="1"/>
+          </p:cNvSpPr>
+          <p:nvPr>
+            <p:ph type="body"/>
+          </p:nvPr>
+        </p:nvSpPr>
+        <p:spPr>
+          <a:xfrm>
+            <a:off x="3571560" y="3044520"/>
+            <a:ext cx="2921040" cy="1568520"/>
+          </a:xfrm>
+          <a:prstGeom prst="rect">
+            <a:avLst/>
+          </a:prstGeom>
+        </p:spPr>
+        <p:txBody>
+          <a:bodyPr lIns="0" rIns="0" tIns="0" bIns="0">
+            <a:normAutofit/>
+          </a:bodyPr>
+          <a:p>
+            <a:endParaRPr b="0" lang="en-US" sz="3200" spc="-1" strike="noStrike">
+              <a:latin typeface="Arial"/>
+            </a:endParaRPr>
+          </a:p>
+        </p:txBody>
+      </p:sp>
+      <p:sp>
+        <p:nvSpPr>
+          <p:cNvPr id="75" name="PlaceHolder 7"/>
+          <p:cNvSpPr>
+            <a:spLocks noGrp="1"/>
+          </p:cNvSpPr>
+          <p:nvPr>
+            <p:ph type="body"/>
+          </p:nvPr>
+        </p:nvSpPr>
+        <p:spPr>
+          <a:xfrm>
+            <a:off x="6639120" y="3044520"/>
+            <a:ext cx="2921040" cy="1568520"/>
+          </a:xfrm>
+          <a:prstGeom prst="rect">
+            <a:avLst/>
+          </a:prstGeom>
+        </p:spPr>
+        <p:txBody>
+          <a:bodyPr lIns="0" rIns="0" tIns="0" bIns="0">
+            <a:normAutofit/>
+          </a:bodyPr>
+          <a:p>
+            <a:endParaRPr b="0" lang="en-US" sz="3200" spc="-1" strike="noStrike">
+              <a:latin typeface="Arial"/>
+            </a:endParaRPr>
+          </a:p>
+        </p:txBody>
+      </p:sp>
+    </p:spTree>
+  </p:cSld>
+</p:sldLayout>
+</file>
+
+<file path=ppt/slideLayouts/slideLayout25.xml><?xml version="1.0" encoding="utf-8"?>
+<p:sldLayout xmlns:a="http://schemas.openxmlformats.org/drawingml/2006/main" xmlns:p="http://schemas.openxmlformats.org/presentationml/2006/main" xmlns:r="http://schemas.openxmlformats.org/officeDocument/2006/relationships" xmlns:p14="http://schemas.microsoft.com/office/powerpoint/2010/main" xmlns:p15="http://schemas.microsoft.com/office/powerpoint/2012/main" xmlns:mc="http://schemas.openxmlformats.org/markup-compatibility/2006" type="blank" preserve="1">
+  <p:cSld name="Blank Slide">
+    <p:spTree>
+      <p:nvGrpSpPr>
+        <p:cNvPr id="1" name=""/>
+        <p:cNvGrpSpPr/>
+        <p:nvPr/>
+      </p:nvGrpSpPr>
+      <p:grpSpPr>
+        <a:xfrm>
+          <a:off x="0" y="0"/>
+          <a:ext cx="0" cy="0"/>
+          <a:chOff x="0" y="0"/>
+          <a:chExt cx="0" cy="0"/>
+        </a:xfrm>
+      </p:grpSpPr>
+    </p:spTree>
+  </p:cSld>
+</p:sldLayout>
+</file>
+
+<file path=ppt/slideLayouts/slideLayout26.xml><?xml version="1.0" encoding="utf-8"?>
+<p:sldLayout xmlns:a="http://schemas.openxmlformats.org/drawingml/2006/main" xmlns:p="http://schemas.openxmlformats.org/presentationml/2006/main" xmlns:r="http://schemas.openxmlformats.org/officeDocument/2006/relationships" xmlns:p14="http://schemas.microsoft.com/office/powerpoint/2010/main" xmlns:p15="http://schemas.microsoft.com/office/powerpoint/2012/main" xmlns:mc="http://schemas.openxmlformats.org/markup-compatibility/2006" type="tx" preserve="1">
+  <p:cSld name="Title Slide">
+    <p:spTree>
+      <p:nvGrpSpPr>
+        <p:cNvPr id="1" name=""/>
+        <p:cNvGrpSpPr/>
+        <p:nvPr/>
+      </p:nvGrpSpPr>
+      <p:grpSpPr>
+        <a:xfrm>
+          <a:off x="0" y="0"/>
+          <a:ext cx="0" cy="0"/>
+          <a:chOff x="0" y="0"/>
+          <a:chExt cx="0" cy="0"/>
+        </a:xfrm>
+      </p:grpSpPr>
+      <p:sp>
+        <p:nvSpPr>
+          <p:cNvPr id="78" name="PlaceHolder 1"/>
+          <p:cNvSpPr>
+            <a:spLocks noGrp="1"/>
+          </p:cNvSpPr>
+          <p:nvPr>
+            <p:ph type="title"/>
+          </p:nvPr>
+        </p:nvSpPr>
+        <p:spPr>
+          <a:xfrm>
+            <a:off x="504000" y="226080"/>
+            <a:ext cx="9072000" cy="946440"/>
+          </a:xfrm>
+          <a:prstGeom prst="rect">
+            <a:avLst/>
+          </a:prstGeom>
+        </p:spPr>
+        <p:txBody>
+          <a:bodyPr lIns="0" rIns="0" tIns="0" bIns="0" anchor="ctr">
+            <a:noAutofit/>
+          </a:bodyPr>
+          <a:p>
+            <a:pPr algn="ctr"/>
+            <a:endParaRPr b="0" lang="en-US" sz="4400" spc="-1" strike="noStrike">
+              <a:latin typeface="Arial"/>
+            </a:endParaRPr>
+          </a:p>
+        </p:txBody>
+      </p:sp>
+      <p:sp>
+        <p:nvSpPr>
+          <p:cNvPr id="79" name="PlaceHolder 2"/>
+          <p:cNvSpPr>
+            <a:spLocks noGrp="1"/>
+          </p:cNvSpPr>
+          <p:nvPr>
+            <p:ph type="subTitle"/>
+          </p:nvPr>
+        </p:nvSpPr>
+        <p:spPr>
+          <a:xfrm>
+            <a:off x="504000" y="1326600"/>
+            <a:ext cx="9072000" cy="3288600"/>
+          </a:xfrm>
+          <a:prstGeom prst="rect">
+            <a:avLst/>
+          </a:prstGeom>
+        </p:spPr>
+        <p:txBody>
+          <a:bodyPr lIns="0" rIns="0" tIns="0" bIns="0" anchor="ctr">
+            <a:noAutofit/>
+          </a:bodyPr>
+          <a:p>
+            <a:pPr algn="ctr"/>
+            <a:endParaRPr b="0" lang="en-US" sz="3200" spc="-1" strike="noStrike">
+              <a:latin typeface="Arial"/>
+            </a:endParaRPr>
+          </a:p>
+        </p:txBody>
+      </p:sp>
+    </p:spTree>
+  </p:cSld>
+</p:sldLayout>
+</file>
+
+<file path=ppt/slideLayouts/slideLayout27.xml><?xml version="1.0" encoding="utf-8"?>
+<p:sldLayout xmlns:a="http://schemas.openxmlformats.org/drawingml/2006/main" xmlns:p="http://schemas.openxmlformats.org/presentationml/2006/main" xmlns:r="http://schemas.openxmlformats.org/officeDocument/2006/relationships" xmlns:p14="http://schemas.microsoft.com/office/powerpoint/2010/main" xmlns:p15="http://schemas.microsoft.com/office/powerpoint/2012/main" xmlns:mc="http://schemas.openxmlformats.org/markup-compatibility/2006" type="obj" preserve="1">
+  <p:cSld name="Title, Content">
+    <p:spTree>
+      <p:nvGrpSpPr>
+        <p:cNvPr id="1" name=""/>
+        <p:cNvGrpSpPr/>
+        <p:nvPr/>
+      </p:nvGrpSpPr>
+      <p:grpSpPr>
+        <a:xfrm>
+          <a:off x="0" y="0"/>
+          <a:ext cx="0" cy="0"/>
+          <a:chOff x="0" y="0"/>
+          <a:chExt cx="0" cy="0"/>
+        </a:xfrm>
+      </p:grpSpPr>
+      <p:sp>
+        <p:nvSpPr>
+          <p:cNvPr id="80" name="PlaceHolder 1"/>
+          <p:cNvSpPr>
+            <a:spLocks noGrp="1"/>
+          </p:cNvSpPr>
+          <p:nvPr>
+            <p:ph type="title"/>
+          </p:nvPr>
+        </p:nvSpPr>
+        <p:spPr>
+          <a:xfrm>
+            <a:off x="504000" y="226080"/>
+            <a:ext cx="9072000" cy="946440"/>
+          </a:xfrm>
+          <a:prstGeom prst="rect">
+            <a:avLst/>
+          </a:prstGeom>
+        </p:spPr>
+        <p:txBody>
+          <a:bodyPr lIns="0" rIns="0" tIns="0" bIns="0" anchor="ctr">
+            <a:noAutofit/>
+          </a:bodyPr>
+          <a:p>
+            <a:pPr algn="ctr"/>
+            <a:endParaRPr b="0" lang="en-US" sz="4400" spc="-1" strike="noStrike">
+              <a:latin typeface="Arial"/>
+            </a:endParaRPr>
+          </a:p>
+        </p:txBody>
+      </p:sp>
+      <p:sp>
+        <p:nvSpPr>
+          <p:cNvPr id="81" name="PlaceHolder 2"/>
+          <p:cNvSpPr>
+            <a:spLocks noGrp="1"/>
+          </p:cNvSpPr>
+          <p:nvPr>
+            <p:ph type="body"/>
+          </p:nvPr>
+        </p:nvSpPr>
+        <p:spPr>
+          <a:xfrm>
+            <a:off x="504000" y="1326600"/>
+            <a:ext cx="9072000" cy="3288600"/>
+          </a:xfrm>
+          <a:prstGeom prst="rect">
+            <a:avLst/>
+          </a:prstGeom>
+        </p:spPr>
+        <p:txBody>
+          <a:bodyPr lIns="0" rIns="0" tIns="0" bIns="0">
+            <a:normAutofit/>
+          </a:bodyPr>
+          <a:p>
+            <a:endParaRPr b="0" lang="en-US" sz="3200" spc="-1" strike="noStrike">
+              <a:latin typeface="Arial"/>
+            </a:endParaRPr>
+          </a:p>
+        </p:txBody>
+      </p:sp>
+    </p:spTree>
+  </p:cSld>
+</p:sldLayout>
+</file>
+
+<file path=ppt/slideLayouts/slideLayout28.xml><?xml version="1.0" encoding="utf-8"?>
+<p:sldLayout xmlns:a="http://schemas.openxmlformats.org/drawingml/2006/main" xmlns:p="http://schemas.openxmlformats.org/presentationml/2006/main" xmlns:r="http://schemas.openxmlformats.org/officeDocument/2006/relationships" xmlns:p14="http://schemas.microsoft.com/office/powerpoint/2010/main" xmlns:p15="http://schemas.microsoft.com/office/powerpoint/2012/main" xmlns:mc="http://schemas.openxmlformats.org/markup-compatibility/2006" type="twoObj" preserve="1">
+  <p:cSld name="Title, 2 Content">
+    <p:spTree>
+      <p:nvGrpSpPr>
+        <p:cNvPr id="1" name=""/>
+        <p:cNvGrpSpPr/>
+        <p:nvPr/>
+      </p:nvGrpSpPr>
+      <p:grpSpPr>
+        <a:xfrm>
+          <a:off x="0" y="0"/>
+          <a:ext cx="0" cy="0"/>
+          <a:chOff x="0" y="0"/>
+          <a:chExt cx="0" cy="0"/>
+        </a:xfrm>
+      </p:grpSpPr>
+      <p:sp>
+        <p:nvSpPr>
+          <p:cNvPr id="82" name="PlaceHolder 1"/>
+          <p:cNvSpPr>
+            <a:spLocks noGrp="1"/>
+          </p:cNvSpPr>
+          <p:nvPr>
+            <p:ph type="title"/>
+          </p:nvPr>
+        </p:nvSpPr>
+        <p:spPr>
+          <a:xfrm>
+            <a:off x="504000" y="226080"/>
+            <a:ext cx="9072000" cy="946440"/>
+          </a:xfrm>
+          <a:prstGeom prst="rect">
+            <a:avLst/>
+          </a:prstGeom>
+        </p:spPr>
+        <p:txBody>
+          <a:bodyPr lIns="0" rIns="0" tIns="0" bIns="0" anchor="ctr">
+            <a:noAutofit/>
+          </a:bodyPr>
+          <a:p>
+            <a:pPr algn="ctr"/>
+            <a:endParaRPr b="0" lang="en-US" sz="4400" spc="-1" strike="noStrike">
+              <a:latin typeface="Arial"/>
+            </a:endParaRPr>
+          </a:p>
+        </p:txBody>
+      </p:sp>
+      <p:sp>
+        <p:nvSpPr>
+          <p:cNvPr id="83" name="PlaceHolder 2"/>
+          <p:cNvSpPr>
+            <a:spLocks noGrp="1"/>
+          </p:cNvSpPr>
+          <p:nvPr>
+            <p:ph type="body"/>
+          </p:nvPr>
+        </p:nvSpPr>
+        <p:spPr>
+          <a:xfrm>
+            <a:off x="504000" y="1326600"/>
+            <a:ext cx="4426920" cy="3288600"/>
+          </a:xfrm>
+          <a:prstGeom prst="rect">
+            <a:avLst/>
+          </a:prstGeom>
+        </p:spPr>
+        <p:txBody>
+          <a:bodyPr lIns="0" rIns="0" tIns="0" bIns="0">
+            <a:normAutofit/>
+          </a:bodyPr>
+          <a:p>
+            <a:endParaRPr b="0" lang="en-US" sz="3200" spc="-1" strike="noStrike">
+              <a:latin typeface="Arial"/>
+            </a:endParaRPr>
+          </a:p>
+        </p:txBody>
+      </p:sp>
+      <p:sp>
+        <p:nvSpPr>
+          <p:cNvPr id="84" name="PlaceHolder 3"/>
+          <p:cNvSpPr>
+            <a:spLocks noGrp="1"/>
+          </p:cNvSpPr>
+          <p:nvPr>
+            <p:ph type="body"/>
+          </p:nvPr>
+        </p:nvSpPr>
+        <p:spPr>
+          <a:xfrm>
+            <a:off x="5152680" y="1326600"/>
+            <a:ext cx="4426920" cy="3288600"/>
+          </a:xfrm>
+          <a:prstGeom prst="rect">
+            <a:avLst/>
+          </a:prstGeom>
+        </p:spPr>
+        <p:txBody>
+          <a:bodyPr lIns="0" rIns="0" tIns="0" bIns="0">
+            <a:normAutofit/>
+          </a:bodyPr>
+          <a:p>
+            <a:endParaRPr b="0" lang="en-US" sz="3200" spc="-1" strike="noStrike">
+              <a:latin typeface="Arial"/>
+            </a:endParaRPr>
+          </a:p>
+        </p:txBody>
+      </p:sp>
+    </p:spTree>
+  </p:cSld>
+</p:sldLayout>
+</file>
+
+<file path=ppt/slideLayouts/slideLayout29.xml><?xml version="1.0" encoding="utf-8"?>
+<p:sldLayout xmlns:a="http://schemas.openxmlformats.org/drawingml/2006/main" xmlns:p="http://schemas.openxmlformats.org/presentationml/2006/main" xmlns:r="http://schemas.openxmlformats.org/officeDocument/2006/relationships" xmlns:p14="http://schemas.microsoft.com/office/powerpoint/2010/main" xmlns:p15="http://schemas.microsoft.com/office/powerpoint/2012/main" xmlns:mc="http://schemas.openxmlformats.org/markup-compatibility/2006" type="titleOnly" preserve="1">
+  <p:cSld name="Title Only">
+    <p:spTree>
+      <p:nvGrpSpPr>
+        <p:cNvPr id="1" name=""/>
+        <p:cNvGrpSpPr/>
+        <p:nvPr/>
+      </p:nvGrpSpPr>
+      <p:grpSpPr>
+        <a:xfrm>
+          <a:off x="0" y="0"/>
+          <a:ext cx="0" cy="0"/>
+          <a:chOff x="0" y="0"/>
+          <a:chExt cx="0" cy="0"/>
+        </a:xfrm>
+      </p:grpSpPr>
+      <p:sp>
+        <p:nvSpPr>
+          <p:cNvPr id="85" name="PlaceHolder 1"/>
+          <p:cNvSpPr>
+            <a:spLocks noGrp="1"/>
+          </p:cNvSpPr>
+          <p:nvPr>
+            <p:ph type="title"/>
+          </p:nvPr>
+        </p:nvSpPr>
+        <p:spPr>
+          <a:xfrm>
+            <a:off x="504000" y="226080"/>
+            <a:ext cx="9072000" cy="946440"/>
+          </a:xfrm>
+          <a:prstGeom prst="rect">
+            <a:avLst/>
+          </a:prstGeom>
+        </p:spPr>
+        <p:txBody>
+          <a:bodyPr lIns="0" rIns="0" tIns="0" bIns="0" anchor="ctr">
+            <a:noAutofit/>
+          </a:bodyPr>
+          <a:p>
+            <a:pPr algn="ctr"/>
+            <a:endParaRPr b="0" lang="en-US" sz="4400" spc="-1" strike="noStrike">
               <a:latin typeface="Arial"/>
             </a:endParaRPr>
           </a:p>
@@ -664,7 +2377,7 @@
       </p:grpSpPr>
       <p:sp>
         <p:nvSpPr>
-          <p:cNvPr id="7" name="PlaceHolder 1"/>
+          <p:cNvPr id="4" name="PlaceHolder 1"/>
           <p:cNvSpPr>
             <a:spLocks noGrp="1"/>
           </p:cNvSpPr>
@@ -675,7 +2388,7 @@
         <p:spPr>
           <a:xfrm>
             <a:off x="504000" y="226080"/>
-            <a:ext cx="9071640" cy="946440"/>
+            <a:ext cx="9072000" cy="946440"/>
           </a:xfrm>
           <a:prstGeom prst="rect">
             <a:avLst/>
@@ -695,7 +2408,7 @@
       </p:sp>
       <p:sp>
         <p:nvSpPr>
-          <p:cNvPr id="8" name="PlaceHolder 2"/>
+          <p:cNvPr id="5" name="PlaceHolder 2"/>
           <p:cNvSpPr>
             <a:spLocks noGrp="1"/>
           </p:cNvSpPr>
@@ -706,7 +2419,1008 @@
         <p:spPr>
           <a:xfrm>
             <a:off x="504000" y="1326600"/>
-            <a:ext cx="9071640" cy="3288240"/>
+            <a:ext cx="9072000" cy="3288600"/>
+          </a:xfrm>
+          <a:prstGeom prst="rect">
+            <a:avLst/>
+          </a:prstGeom>
+        </p:spPr>
+        <p:txBody>
+          <a:bodyPr lIns="0" rIns="0" tIns="0" bIns="0">
+            <a:normAutofit/>
+          </a:bodyPr>
+          <a:p>
+            <a:endParaRPr b="0" lang="en-US" sz="3200" spc="-1" strike="noStrike">
+              <a:latin typeface="Arial"/>
+            </a:endParaRPr>
+          </a:p>
+        </p:txBody>
+      </p:sp>
+    </p:spTree>
+  </p:cSld>
+</p:sldLayout>
+</file>
+
+<file path=ppt/slideLayouts/slideLayout30.xml><?xml version="1.0" encoding="utf-8"?>
+<p:sldLayout xmlns:a="http://schemas.openxmlformats.org/drawingml/2006/main" xmlns:p="http://schemas.openxmlformats.org/presentationml/2006/main" xmlns:r="http://schemas.openxmlformats.org/officeDocument/2006/relationships" xmlns:p14="http://schemas.microsoft.com/office/powerpoint/2010/main" xmlns:p15="http://schemas.microsoft.com/office/powerpoint/2012/main" xmlns:mc="http://schemas.openxmlformats.org/markup-compatibility/2006" type="objOnly" preserve="1">
+  <p:cSld name="Centered Text">
+    <p:spTree>
+      <p:nvGrpSpPr>
+        <p:cNvPr id="1" name=""/>
+        <p:cNvGrpSpPr/>
+        <p:nvPr/>
+      </p:nvGrpSpPr>
+      <p:grpSpPr>
+        <a:xfrm>
+          <a:off x="0" y="0"/>
+          <a:ext cx="0" cy="0"/>
+          <a:chOff x="0" y="0"/>
+          <a:chExt cx="0" cy="0"/>
+        </a:xfrm>
+      </p:grpSpPr>
+      <p:sp>
+        <p:nvSpPr>
+          <p:cNvPr id="86" name="PlaceHolder 1"/>
+          <p:cNvSpPr>
+            <a:spLocks noGrp="1"/>
+          </p:cNvSpPr>
+          <p:nvPr>
+            <p:ph type="subTitle"/>
+          </p:nvPr>
+        </p:nvSpPr>
+        <p:spPr>
+          <a:xfrm>
+            <a:off x="504000" y="226080"/>
+            <a:ext cx="9072000" cy="4388400"/>
+          </a:xfrm>
+          <a:prstGeom prst="rect">
+            <a:avLst/>
+          </a:prstGeom>
+        </p:spPr>
+        <p:txBody>
+          <a:bodyPr lIns="0" rIns="0" tIns="0" bIns="0" anchor="ctr">
+            <a:noAutofit/>
+          </a:bodyPr>
+          <a:p>
+            <a:pPr algn="ctr"/>
+            <a:endParaRPr b="0" lang="en-US" sz="3200" spc="-1" strike="noStrike">
+              <a:latin typeface="Arial"/>
+            </a:endParaRPr>
+          </a:p>
+        </p:txBody>
+      </p:sp>
+    </p:spTree>
+  </p:cSld>
+</p:sldLayout>
+</file>
+
+<file path=ppt/slideLayouts/slideLayout31.xml><?xml version="1.0" encoding="utf-8"?>
+<p:sldLayout xmlns:a="http://schemas.openxmlformats.org/drawingml/2006/main" xmlns:p="http://schemas.openxmlformats.org/presentationml/2006/main" xmlns:r="http://schemas.openxmlformats.org/officeDocument/2006/relationships" xmlns:p14="http://schemas.microsoft.com/office/powerpoint/2010/main" xmlns:p15="http://schemas.microsoft.com/office/powerpoint/2012/main" xmlns:mc="http://schemas.openxmlformats.org/markup-compatibility/2006" type="twoObjAndObj" preserve="1">
+  <p:cSld name="Title, 2 Content and Content">
+    <p:spTree>
+      <p:nvGrpSpPr>
+        <p:cNvPr id="1" name=""/>
+        <p:cNvGrpSpPr/>
+        <p:nvPr/>
+      </p:nvGrpSpPr>
+      <p:grpSpPr>
+        <a:xfrm>
+          <a:off x="0" y="0"/>
+          <a:ext cx="0" cy="0"/>
+          <a:chOff x="0" y="0"/>
+          <a:chExt cx="0" cy="0"/>
+        </a:xfrm>
+      </p:grpSpPr>
+      <p:sp>
+        <p:nvSpPr>
+          <p:cNvPr id="87" name="PlaceHolder 1"/>
+          <p:cNvSpPr>
+            <a:spLocks noGrp="1"/>
+          </p:cNvSpPr>
+          <p:nvPr>
+            <p:ph type="title"/>
+          </p:nvPr>
+        </p:nvSpPr>
+        <p:spPr>
+          <a:xfrm>
+            <a:off x="504000" y="226080"/>
+            <a:ext cx="9072000" cy="946440"/>
+          </a:xfrm>
+          <a:prstGeom prst="rect">
+            <a:avLst/>
+          </a:prstGeom>
+        </p:spPr>
+        <p:txBody>
+          <a:bodyPr lIns="0" rIns="0" tIns="0" bIns="0" anchor="ctr">
+            <a:noAutofit/>
+          </a:bodyPr>
+          <a:p>
+            <a:pPr algn="ctr"/>
+            <a:endParaRPr b="0" lang="en-US" sz="4400" spc="-1" strike="noStrike">
+              <a:latin typeface="Arial"/>
+            </a:endParaRPr>
+          </a:p>
+        </p:txBody>
+      </p:sp>
+      <p:sp>
+        <p:nvSpPr>
+          <p:cNvPr id="88" name="PlaceHolder 2"/>
+          <p:cNvSpPr>
+            <a:spLocks noGrp="1"/>
+          </p:cNvSpPr>
+          <p:nvPr>
+            <p:ph type="body"/>
+          </p:nvPr>
+        </p:nvSpPr>
+        <p:spPr>
+          <a:xfrm>
+            <a:off x="504000" y="1326600"/>
+            <a:ext cx="4426920" cy="1568520"/>
+          </a:xfrm>
+          <a:prstGeom prst="rect">
+            <a:avLst/>
+          </a:prstGeom>
+        </p:spPr>
+        <p:txBody>
+          <a:bodyPr lIns="0" rIns="0" tIns="0" bIns="0">
+            <a:normAutofit/>
+          </a:bodyPr>
+          <a:p>
+            <a:endParaRPr b="0" lang="en-US" sz="3200" spc="-1" strike="noStrike">
+              <a:latin typeface="Arial"/>
+            </a:endParaRPr>
+          </a:p>
+        </p:txBody>
+      </p:sp>
+      <p:sp>
+        <p:nvSpPr>
+          <p:cNvPr id="89" name="PlaceHolder 3"/>
+          <p:cNvSpPr>
+            <a:spLocks noGrp="1"/>
+          </p:cNvSpPr>
+          <p:nvPr>
+            <p:ph type="body"/>
+          </p:nvPr>
+        </p:nvSpPr>
+        <p:spPr>
+          <a:xfrm>
+            <a:off x="5152680" y="1326600"/>
+            <a:ext cx="4426920" cy="3288600"/>
+          </a:xfrm>
+          <a:prstGeom prst="rect">
+            <a:avLst/>
+          </a:prstGeom>
+        </p:spPr>
+        <p:txBody>
+          <a:bodyPr lIns="0" rIns="0" tIns="0" bIns="0">
+            <a:normAutofit/>
+          </a:bodyPr>
+          <a:p>
+            <a:endParaRPr b="0" lang="en-US" sz="3200" spc="-1" strike="noStrike">
+              <a:latin typeface="Arial"/>
+            </a:endParaRPr>
+          </a:p>
+        </p:txBody>
+      </p:sp>
+      <p:sp>
+        <p:nvSpPr>
+          <p:cNvPr id="90" name="PlaceHolder 4"/>
+          <p:cNvSpPr>
+            <a:spLocks noGrp="1"/>
+          </p:cNvSpPr>
+          <p:nvPr>
+            <p:ph type="body"/>
+          </p:nvPr>
+        </p:nvSpPr>
+        <p:spPr>
+          <a:xfrm>
+            <a:off x="504000" y="3044520"/>
+            <a:ext cx="4426920" cy="1568520"/>
+          </a:xfrm>
+          <a:prstGeom prst="rect">
+            <a:avLst/>
+          </a:prstGeom>
+        </p:spPr>
+        <p:txBody>
+          <a:bodyPr lIns="0" rIns="0" tIns="0" bIns="0">
+            <a:normAutofit/>
+          </a:bodyPr>
+          <a:p>
+            <a:endParaRPr b="0" lang="en-US" sz="3200" spc="-1" strike="noStrike">
+              <a:latin typeface="Arial"/>
+            </a:endParaRPr>
+          </a:p>
+        </p:txBody>
+      </p:sp>
+    </p:spTree>
+  </p:cSld>
+</p:sldLayout>
+</file>
+
+<file path=ppt/slideLayouts/slideLayout32.xml><?xml version="1.0" encoding="utf-8"?>
+<p:sldLayout xmlns:a="http://schemas.openxmlformats.org/drawingml/2006/main" xmlns:p="http://schemas.openxmlformats.org/presentationml/2006/main" xmlns:r="http://schemas.openxmlformats.org/officeDocument/2006/relationships" xmlns:p14="http://schemas.microsoft.com/office/powerpoint/2010/main" xmlns:p15="http://schemas.microsoft.com/office/powerpoint/2012/main" xmlns:mc="http://schemas.openxmlformats.org/markup-compatibility/2006" type="objAndTwoObj" preserve="1">
+  <p:cSld name="Title Content and 2 Content">
+    <p:spTree>
+      <p:nvGrpSpPr>
+        <p:cNvPr id="1" name=""/>
+        <p:cNvGrpSpPr/>
+        <p:nvPr/>
+      </p:nvGrpSpPr>
+      <p:grpSpPr>
+        <a:xfrm>
+          <a:off x="0" y="0"/>
+          <a:ext cx="0" cy="0"/>
+          <a:chOff x="0" y="0"/>
+          <a:chExt cx="0" cy="0"/>
+        </a:xfrm>
+      </p:grpSpPr>
+      <p:sp>
+        <p:nvSpPr>
+          <p:cNvPr id="91" name="PlaceHolder 1"/>
+          <p:cNvSpPr>
+            <a:spLocks noGrp="1"/>
+          </p:cNvSpPr>
+          <p:nvPr>
+            <p:ph type="title"/>
+          </p:nvPr>
+        </p:nvSpPr>
+        <p:spPr>
+          <a:xfrm>
+            <a:off x="504000" y="226080"/>
+            <a:ext cx="9072000" cy="946440"/>
+          </a:xfrm>
+          <a:prstGeom prst="rect">
+            <a:avLst/>
+          </a:prstGeom>
+        </p:spPr>
+        <p:txBody>
+          <a:bodyPr lIns="0" rIns="0" tIns="0" bIns="0" anchor="ctr">
+            <a:noAutofit/>
+          </a:bodyPr>
+          <a:p>
+            <a:pPr algn="ctr"/>
+            <a:endParaRPr b="0" lang="en-US" sz="4400" spc="-1" strike="noStrike">
+              <a:latin typeface="Arial"/>
+            </a:endParaRPr>
+          </a:p>
+        </p:txBody>
+      </p:sp>
+      <p:sp>
+        <p:nvSpPr>
+          <p:cNvPr id="92" name="PlaceHolder 2"/>
+          <p:cNvSpPr>
+            <a:spLocks noGrp="1"/>
+          </p:cNvSpPr>
+          <p:nvPr>
+            <p:ph type="body"/>
+          </p:nvPr>
+        </p:nvSpPr>
+        <p:spPr>
+          <a:xfrm>
+            <a:off x="504000" y="1326600"/>
+            <a:ext cx="4426920" cy="3288600"/>
+          </a:xfrm>
+          <a:prstGeom prst="rect">
+            <a:avLst/>
+          </a:prstGeom>
+        </p:spPr>
+        <p:txBody>
+          <a:bodyPr lIns="0" rIns="0" tIns="0" bIns="0">
+            <a:normAutofit/>
+          </a:bodyPr>
+          <a:p>
+            <a:endParaRPr b="0" lang="en-US" sz="3200" spc="-1" strike="noStrike">
+              <a:latin typeface="Arial"/>
+            </a:endParaRPr>
+          </a:p>
+        </p:txBody>
+      </p:sp>
+      <p:sp>
+        <p:nvSpPr>
+          <p:cNvPr id="93" name="PlaceHolder 3"/>
+          <p:cNvSpPr>
+            <a:spLocks noGrp="1"/>
+          </p:cNvSpPr>
+          <p:nvPr>
+            <p:ph type="body"/>
+          </p:nvPr>
+        </p:nvSpPr>
+        <p:spPr>
+          <a:xfrm>
+            <a:off x="5152680" y="1326600"/>
+            <a:ext cx="4426920" cy="1568520"/>
+          </a:xfrm>
+          <a:prstGeom prst="rect">
+            <a:avLst/>
+          </a:prstGeom>
+        </p:spPr>
+        <p:txBody>
+          <a:bodyPr lIns="0" rIns="0" tIns="0" bIns="0">
+            <a:normAutofit/>
+          </a:bodyPr>
+          <a:p>
+            <a:endParaRPr b="0" lang="en-US" sz="3200" spc="-1" strike="noStrike">
+              <a:latin typeface="Arial"/>
+            </a:endParaRPr>
+          </a:p>
+        </p:txBody>
+      </p:sp>
+      <p:sp>
+        <p:nvSpPr>
+          <p:cNvPr id="94" name="PlaceHolder 4"/>
+          <p:cNvSpPr>
+            <a:spLocks noGrp="1"/>
+          </p:cNvSpPr>
+          <p:nvPr>
+            <p:ph type="body"/>
+          </p:nvPr>
+        </p:nvSpPr>
+        <p:spPr>
+          <a:xfrm>
+            <a:off x="5152680" y="3044520"/>
+            <a:ext cx="4426920" cy="1568520"/>
+          </a:xfrm>
+          <a:prstGeom prst="rect">
+            <a:avLst/>
+          </a:prstGeom>
+        </p:spPr>
+        <p:txBody>
+          <a:bodyPr lIns="0" rIns="0" tIns="0" bIns="0">
+            <a:normAutofit/>
+          </a:bodyPr>
+          <a:p>
+            <a:endParaRPr b="0" lang="en-US" sz="3200" spc="-1" strike="noStrike">
+              <a:latin typeface="Arial"/>
+            </a:endParaRPr>
+          </a:p>
+        </p:txBody>
+      </p:sp>
+    </p:spTree>
+  </p:cSld>
+</p:sldLayout>
+</file>
+
+<file path=ppt/slideLayouts/slideLayout33.xml><?xml version="1.0" encoding="utf-8"?>
+<p:sldLayout xmlns:a="http://schemas.openxmlformats.org/drawingml/2006/main" xmlns:p="http://schemas.openxmlformats.org/presentationml/2006/main" xmlns:r="http://schemas.openxmlformats.org/officeDocument/2006/relationships" xmlns:p14="http://schemas.microsoft.com/office/powerpoint/2010/main" xmlns:p15="http://schemas.microsoft.com/office/powerpoint/2012/main" xmlns:mc="http://schemas.openxmlformats.org/markup-compatibility/2006" type="twoObjOverTx" preserve="1">
+  <p:cSld name="Title, 2 Content over Content">
+    <p:spTree>
+      <p:nvGrpSpPr>
+        <p:cNvPr id="1" name=""/>
+        <p:cNvGrpSpPr/>
+        <p:nvPr/>
+      </p:nvGrpSpPr>
+      <p:grpSpPr>
+        <a:xfrm>
+          <a:off x="0" y="0"/>
+          <a:ext cx="0" cy="0"/>
+          <a:chOff x="0" y="0"/>
+          <a:chExt cx="0" cy="0"/>
+        </a:xfrm>
+      </p:grpSpPr>
+      <p:sp>
+        <p:nvSpPr>
+          <p:cNvPr id="95" name="PlaceHolder 1"/>
+          <p:cNvSpPr>
+            <a:spLocks noGrp="1"/>
+          </p:cNvSpPr>
+          <p:nvPr>
+            <p:ph type="title"/>
+          </p:nvPr>
+        </p:nvSpPr>
+        <p:spPr>
+          <a:xfrm>
+            <a:off x="504000" y="226080"/>
+            <a:ext cx="9072000" cy="946440"/>
+          </a:xfrm>
+          <a:prstGeom prst="rect">
+            <a:avLst/>
+          </a:prstGeom>
+        </p:spPr>
+        <p:txBody>
+          <a:bodyPr lIns="0" rIns="0" tIns="0" bIns="0" anchor="ctr">
+            <a:noAutofit/>
+          </a:bodyPr>
+          <a:p>
+            <a:pPr algn="ctr"/>
+            <a:endParaRPr b="0" lang="en-US" sz="4400" spc="-1" strike="noStrike">
+              <a:latin typeface="Arial"/>
+            </a:endParaRPr>
+          </a:p>
+        </p:txBody>
+      </p:sp>
+      <p:sp>
+        <p:nvSpPr>
+          <p:cNvPr id="96" name="PlaceHolder 2"/>
+          <p:cNvSpPr>
+            <a:spLocks noGrp="1"/>
+          </p:cNvSpPr>
+          <p:nvPr>
+            <p:ph type="body"/>
+          </p:nvPr>
+        </p:nvSpPr>
+        <p:spPr>
+          <a:xfrm>
+            <a:off x="504000" y="1326600"/>
+            <a:ext cx="4426920" cy="1568520"/>
+          </a:xfrm>
+          <a:prstGeom prst="rect">
+            <a:avLst/>
+          </a:prstGeom>
+        </p:spPr>
+        <p:txBody>
+          <a:bodyPr lIns="0" rIns="0" tIns="0" bIns="0">
+            <a:normAutofit/>
+          </a:bodyPr>
+          <a:p>
+            <a:endParaRPr b="0" lang="en-US" sz="3200" spc="-1" strike="noStrike">
+              <a:latin typeface="Arial"/>
+            </a:endParaRPr>
+          </a:p>
+        </p:txBody>
+      </p:sp>
+      <p:sp>
+        <p:nvSpPr>
+          <p:cNvPr id="97" name="PlaceHolder 3"/>
+          <p:cNvSpPr>
+            <a:spLocks noGrp="1"/>
+          </p:cNvSpPr>
+          <p:nvPr>
+            <p:ph type="body"/>
+          </p:nvPr>
+        </p:nvSpPr>
+        <p:spPr>
+          <a:xfrm>
+            <a:off x="5152680" y="1326600"/>
+            <a:ext cx="4426920" cy="1568520"/>
+          </a:xfrm>
+          <a:prstGeom prst="rect">
+            <a:avLst/>
+          </a:prstGeom>
+        </p:spPr>
+        <p:txBody>
+          <a:bodyPr lIns="0" rIns="0" tIns="0" bIns="0">
+            <a:normAutofit/>
+          </a:bodyPr>
+          <a:p>
+            <a:endParaRPr b="0" lang="en-US" sz="3200" spc="-1" strike="noStrike">
+              <a:latin typeface="Arial"/>
+            </a:endParaRPr>
+          </a:p>
+        </p:txBody>
+      </p:sp>
+      <p:sp>
+        <p:nvSpPr>
+          <p:cNvPr id="98" name="PlaceHolder 4"/>
+          <p:cNvSpPr>
+            <a:spLocks noGrp="1"/>
+          </p:cNvSpPr>
+          <p:nvPr>
+            <p:ph type="body"/>
+          </p:nvPr>
+        </p:nvSpPr>
+        <p:spPr>
+          <a:xfrm>
+            <a:off x="504000" y="3044520"/>
+            <a:ext cx="9072000" cy="1568520"/>
+          </a:xfrm>
+          <a:prstGeom prst="rect">
+            <a:avLst/>
+          </a:prstGeom>
+        </p:spPr>
+        <p:txBody>
+          <a:bodyPr lIns="0" rIns="0" tIns="0" bIns="0">
+            <a:normAutofit/>
+          </a:bodyPr>
+          <a:p>
+            <a:endParaRPr b="0" lang="en-US" sz="3200" spc="-1" strike="noStrike">
+              <a:latin typeface="Arial"/>
+            </a:endParaRPr>
+          </a:p>
+        </p:txBody>
+      </p:sp>
+    </p:spTree>
+  </p:cSld>
+</p:sldLayout>
+</file>
+
+<file path=ppt/slideLayouts/slideLayout34.xml><?xml version="1.0" encoding="utf-8"?>
+<p:sldLayout xmlns:a="http://schemas.openxmlformats.org/drawingml/2006/main" xmlns:p="http://schemas.openxmlformats.org/presentationml/2006/main" xmlns:r="http://schemas.openxmlformats.org/officeDocument/2006/relationships" xmlns:p14="http://schemas.microsoft.com/office/powerpoint/2010/main" xmlns:p15="http://schemas.microsoft.com/office/powerpoint/2012/main" xmlns:mc="http://schemas.openxmlformats.org/markup-compatibility/2006" type="objOverTx" preserve="1">
+  <p:cSld name="Title, Content over Content">
+    <p:spTree>
+      <p:nvGrpSpPr>
+        <p:cNvPr id="1" name=""/>
+        <p:cNvGrpSpPr/>
+        <p:nvPr/>
+      </p:nvGrpSpPr>
+      <p:grpSpPr>
+        <a:xfrm>
+          <a:off x="0" y="0"/>
+          <a:ext cx="0" cy="0"/>
+          <a:chOff x="0" y="0"/>
+          <a:chExt cx="0" cy="0"/>
+        </a:xfrm>
+      </p:grpSpPr>
+      <p:sp>
+        <p:nvSpPr>
+          <p:cNvPr id="99" name="PlaceHolder 1"/>
+          <p:cNvSpPr>
+            <a:spLocks noGrp="1"/>
+          </p:cNvSpPr>
+          <p:nvPr>
+            <p:ph type="title"/>
+          </p:nvPr>
+        </p:nvSpPr>
+        <p:spPr>
+          <a:xfrm>
+            <a:off x="504000" y="226080"/>
+            <a:ext cx="9072000" cy="946440"/>
+          </a:xfrm>
+          <a:prstGeom prst="rect">
+            <a:avLst/>
+          </a:prstGeom>
+        </p:spPr>
+        <p:txBody>
+          <a:bodyPr lIns="0" rIns="0" tIns="0" bIns="0" anchor="ctr">
+            <a:noAutofit/>
+          </a:bodyPr>
+          <a:p>
+            <a:pPr algn="ctr"/>
+            <a:endParaRPr b="0" lang="en-US" sz="4400" spc="-1" strike="noStrike">
+              <a:latin typeface="Arial"/>
+            </a:endParaRPr>
+          </a:p>
+        </p:txBody>
+      </p:sp>
+      <p:sp>
+        <p:nvSpPr>
+          <p:cNvPr id="100" name="PlaceHolder 2"/>
+          <p:cNvSpPr>
+            <a:spLocks noGrp="1"/>
+          </p:cNvSpPr>
+          <p:nvPr>
+            <p:ph type="body"/>
+          </p:nvPr>
+        </p:nvSpPr>
+        <p:spPr>
+          <a:xfrm>
+            <a:off x="504000" y="1326600"/>
+            <a:ext cx="9072000" cy="1568520"/>
+          </a:xfrm>
+          <a:prstGeom prst="rect">
+            <a:avLst/>
+          </a:prstGeom>
+        </p:spPr>
+        <p:txBody>
+          <a:bodyPr lIns="0" rIns="0" tIns="0" bIns="0">
+            <a:normAutofit/>
+          </a:bodyPr>
+          <a:p>
+            <a:endParaRPr b="0" lang="en-US" sz="3200" spc="-1" strike="noStrike">
+              <a:latin typeface="Arial"/>
+            </a:endParaRPr>
+          </a:p>
+        </p:txBody>
+      </p:sp>
+      <p:sp>
+        <p:nvSpPr>
+          <p:cNvPr id="101" name="PlaceHolder 3"/>
+          <p:cNvSpPr>
+            <a:spLocks noGrp="1"/>
+          </p:cNvSpPr>
+          <p:nvPr>
+            <p:ph type="body"/>
+          </p:nvPr>
+        </p:nvSpPr>
+        <p:spPr>
+          <a:xfrm>
+            <a:off x="504000" y="3044520"/>
+            <a:ext cx="9072000" cy="1568520"/>
+          </a:xfrm>
+          <a:prstGeom prst="rect">
+            <a:avLst/>
+          </a:prstGeom>
+        </p:spPr>
+        <p:txBody>
+          <a:bodyPr lIns="0" rIns="0" tIns="0" bIns="0">
+            <a:normAutofit/>
+          </a:bodyPr>
+          <a:p>
+            <a:endParaRPr b="0" lang="en-US" sz="3200" spc="-1" strike="noStrike">
+              <a:latin typeface="Arial"/>
+            </a:endParaRPr>
+          </a:p>
+        </p:txBody>
+      </p:sp>
+    </p:spTree>
+  </p:cSld>
+</p:sldLayout>
+</file>
+
+<file path=ppt/slideLayouts/slideLayout35.xml><?xml version="1.0" encoding="utf-8"?>
+<p:sldLayout xmlns:a="http://schemas.openxmlformats.org/drawingml/2006/main" xmlns:p="http://schemas.openxmlformats.org/presentationml/2006/main" xmlns:r="http://schemas.openxmlformats.org/officeDocument/2006/relationships" xmlns:p14="http://schemas.microsoft.com/office/powerpoint/2010/main" xmlns:p15="http://schemas.microsoft.com/office/powerpoint/2012/main" xmlns:mc="http://schemas.openxmlformats.org/markup-compatibility/2006" type="fourObj" preserve="1">
+  <p:cSld name="Title, 4 Content">
+    <p:spTree>
+      <p:nvGrpSpPr>
+        <p:cNvPr id="1" name=""/>
+        <p:cNvGrpSpPr/>
+        <p:nvPr/>
+      </p:nvGrpSpPr>
+      <p:grpSpPr>
+        <a:xfrm>
+          <a:off x="0" y="0"/>
+          <a:ext cx="0" cy="0"/>
+          <a:chOff x="0" y="0"/>
+          <a:chExt cx="0" cy="0"/>
+        </a:xfrm>
+      </p:grpSpPr>
+      <p:sp>
+        <p:nvSpPr>
+          <p:cNvPr id="102" name="PlaceHolder 1"/>
+          <p:cNvSpPr>
+            <a:spLocks noGrp="1"/>
+          </p:cNvSpPr>
+          <p:nvPr>
+            <p:ph type="title"/>
+          </p:nvPr>
+        </p:nvSpPr>
+        <p:spPr>
+          <a:xfrm>
+            <a:off x="504000" y="226080"/>
+            <a:ext cx="9072000" cy="946440"/>
+          </a:xfrm>
+          <a:prstGeom prst="rect">
+            <a:avLst/>
+          </a:prstGeom>
+        </p:spPr>
+        <p:txBody>
+          <a:bodyPr lIns="0" rIns="0" tIns="0" bIns="0" anchor="ctr">
+            <a:noAutofit/>
+          </a:bodyPr>
+          <a:p>
+            <a:pPr algn="ctr"/>
+            <a:endParaRPr b="0" lang="en-US" sz="4400" spc="-1" strike="noStrike">
+              <a:latin typeface="Arial"/>
+            </a:endParaRPr>
+          </a:p>
+        </p:txBody>
+      </p:sp>
+      <p:sp>
+        <p:nvSpPr>
+          <p:cNvPr id="103" name="PlaceHolder 2"/>
+          <p:cNvSpPr>
+            <a:spLocks noGrp="1"/>
+          </p:cNvSpPr>
+          <p:nvPr>
+            <p:ph type="body"/>
+          </p:nvPr>
+        </p:nvSpPr>
+        <p:spPr>
+          <a:xfrm>
+            <a:off x="504000" y="1326600"/>
+            <a:ext cx="4426920" cy="1568520"/>
+          </a:xfrm>
+          <a:prstGeom prst="rect">
+            <a:avLst/>
+          </a:prstGeom>
+        </p:spPr>
+        <p:txBody>
+          <a:bodyPr lIns="0" rIns="0" tIns="0" bIns="0">
+            <a:normAutofit/>
+          </a:bodyPr>
+          <a:p>
+            <a:endParaRPr b="0" lang="en-US" sz="3200" spc="-1" strike="noStrike">
+              <a:latin typeface="Arial"/>
+            </a:endParaRPr>
+          </a:p>
+        </p:txBody>
+      </p:sp>
+      <p:sp>
+        <p:nvSpPr>
+          <p:cNvPr id="104" name="PlaceHolder 3"/>
+          <p:cNvSpPr>
+            <a:spLocks noGrp="1"/>
+          </p:cNvSpPr>
+          <p:nvPr>
+            <p:ph type="body"/>
+          </p:nvPr>
+        </p:nvSpPr>
+        <p:spPr>
+          <a:xfrm>
+            <a:off x="5152680" y="1326600"/>
+            <a:ext cx="4426920" cy="1568520"/>
+          </a:xfrm>
+          <a:prstGeom prst="rect">
+            <a:avLst/>
+          </a:prstGeom>
+        </p:spPr>
+        <p:txBody>
+          <a:bodyPr lIns="0" rIns="0" tIns="0" bIns="0">
+            <a:normAutofit/>
+          </a:bodyPr>
+          <a:p>
+            <a:endParaRPr b="0" lang="en-US" sz="3200" spc="-1" strike="noStrike">
+              <a:latin typeface="Arial"/>
+            </a:endParaRPr>
+          </a:p>
+        </p:txBody>
+      </p:sp>
+      <p:sp>
+        <p:nvSpPr>
+          <p:cNvPr id="105" name="PlaceHolder 4"/>
+          <p:cNvSpPr>
+            <a:spLocks noGrp="1"/>
+          </p:cNvSpPr>
+          <p:nvPr>
+            <p:ph type="body"/>
+          </p:nvPr>
+        </p:nvSpPr>
+        <p:spPr>
+          <a:xfrm>
+            <a:off x="504000" y="3044520"/>
+            <a:ext cx="4426920" cy="1568520"/>
+          </a:xfrm>
+          <a:prstGeom prst="rect">
+            <a:avLst/>
+          </a:prstGeom>
+        </p:spPr>
+        <p:txBody>
+          <a:bodyPr lIns="0" rIns="0" tIns="0" bIns="0">
+            <a:normAutofit/>
+          </a:bodyPr>
+          <a:p>
+            <a:endParaRPr b="0" lang="en-US" sz="3200" spc="-1" strike="noStrike">
+              <a:latin typeface="Arial"/>
+            </a:endParaRPr>
+          </a:p>
+        </p:txBody>
+      </p:sp>
+      <p:sp>
+        <p:nvSpPr>
+          <p:cNvPr id="106" name="PlaceHolder 5"/>
+          <p:cNvSpPr>
+            <a:spLocks noGrp="1"/>
+          </p:cNvSpPr>
+          <p:nvPr>
+            <p:ph type="body"/>
+          </p:nvPr>
+        </p:nvSpPr>
+        <p:spPr>
+          <a:xfrm>
+            <a:off x="5152680" y="3044520"/>
+            <a:ext cx="4426920" cy="1568520"/>
+          </a:xfrm>
+          <a:prstGeom prst="rect">
+            <a:avLst/>
+          </a:prstGeom>
+        </p:spPr>
+        <p:txBody>
+          <a:bodyPr lIns="0" rIns="0" tIns="0" bIns="0">
+            <a:normAutofit/>
+          </a:bodyPr>
+          <a:p>
+            <a:endParaRPr b="0" lang="en-US" sz="3200" spc="-1" strike="noStrike">
+              <a:latin typeface="Arial"/>
+            </a:endParaRPr>
+          </a:p>
+        </p:txBody>
+      </p:sp>
+    </p:spTree>
+  </p:cSld>
+</p:sldLayout>
+</file>
+
+<file path=ppt/slideLayouts/slideLayout36.xml><?xml version="1.0" encoding="utf-8"?>
+<p:sldLayout xmlns:a="http://schemas.openxmlformats.org/drawingml/2006/main" xmlns:p="http://schemas.openxmlformats.org/presentationml/2006/main" xmlns:r="http://schemas.openxmlformats.org/officeDocument/2006/relationships" xmlns:p14="http://schemas.microsoft.com/office/powerpoint/2010/main" xmlns:p15="http://schemas.microsoft.com/office/powerpoint/2012/main" xmlns:mc="http://schemas.openxmlformats.org/markup-compatibility/2006" type="blank" preserve="1">
+  <p:cSld name="Title, 6 Content">
+    <p:spTree>
+      <p:nvGrpSpPr>
+        <p:cNvPr id="1" name=""/>
+        <p:cNvGrpSpPr/>
+        <p:nvPr/>
+      </p:nvGrpSpPr>
+      <p:grpSpPr>
+        <a:xfrm>
+          <a:off x="0" y="0"/>
+          <a:ext cx="0" cy="0"/>
+          <a:chOff x="0" y="0"/>
+          <a:chExt cx="0" cy="0"/>
+        </a:xfrm>
+      </p:grpSpPr>
+      <p:sp>
+        <p:nvSpPr>
+          <p:cNvPr id="107" name="PlaceHolder 1"/>
+          <p:cNvSpPr>
+            <a:spLocks noGrp="1"/>
+          </p:cNvSpPr>
+          <p:nvPr>
+            <p:ph type="title"/>
+          </p:nvPr>
+        </p:nvSpPr>
+        <p:spPr>
+          <a:xfrm>
+            <a:off x="504000" y="226080"/>
+            <a:ext cx="9072000" cy="946440"/>
+          </a:xfrm>
+          <a:prstGeom prst="rect">
+            <a:avLst/>
+          </a:prstGeom>
+        </p:spPr>
+        <p:txBody>
+          <a:bodyPr lIns="0" rIns="0" tIns="0" bIns="0" anchor="ctr">
+            <a:noAutofit/>
+          </a:bodyPr>
+          <a:p>
+            <a:pPr algn="ctr"/>
+            <a:endParaRPr b="0" lang="en-US" sz="4400" spc="-1" strike="noStrike">
+              <a:latin typeface="Arial"/>
+            </a:endParaRPr>
+          </a:p>
+        </p:txBody>
+      </p:sp>
+      <p:sp>
+        <p:nvSpPr>
+          <p:cNvPr id="108" name="PlaceHolder 2"/>
+          <p:cNvSpPr>
+            <a:spLocks noGrp="1"/>
+          </p:cNvSpPr>
+          <p:nvPr>
+            <p:ph type="body"/>
+          </p:nvPr>
+        </p:nvSpPr>
+        <p:spPr>
+          <a:xfrm>
+            <a:off x="504000" y="1326600"/>
+            <a:ext cx="2921040" cy="1568520"/>
+          </a:xfrm>
+          <a:prstGeom prst="rect">
+            <a:avLst/>
+          </a:prstGeom>
+        </p:spPr>
+        <p:txBody>
+          <a:bodyPr lIns="0" rIns="0" tIns="0" bIns="0">
+            <a:normAutofit/>
+          </a:bodyPr>
+          <a:p>
+            <a:endParaRPr b="0" lang="en-US" sz="3200" spc="-1" strike="noStrike">
+              <a:latin typeface="Arial"/>
+            </a:endParaRPr>
+          </a:p>
+        </p:txBody>
+      </p:sp>
+      <p:sp>
+        <p:nvSpPr>
+          <p:cNvPr id="109" name="PlaceHolder 3"/>
+          <p:cNvSpPr>
+            <a:spLocks noGrp="1"/>
+          </p:cNvSpPr>
+          <p:nvPr>
+            <p:ph type="body"/>
+          </p:nvPr>
+        </p:nvSpPr>
+        <p:spPr>
+          <a:xfrm>
+            <a:off x="3571560" y="1326600"/>
+            <a:ext cx="2921040" cy="1568520"/>
+          </a:xfrm>
+          <a:prstGeom prst="rect">
+            <a:avLst/>
+          </a:prstGeom>
+        </p:spPr>
+        <p:txBody>
+          <a:bodyPr lIns="0" rIns="0" tIns="0" bIns="0">
+            <a:normAutofit/>
+          </a:bodyPr>
+          <a:p>
+            <a:endParaRPr b="0" lang="en-US" sz="3200" spc="-1" strike="noStrike">
+              <a:latin typeface="Arial"/>
+            </a:endParaRPr>
+          </a:p>
+        </p:txBody>
+      </p:sp>
+      <p:sp>
+        <p:nvSpPr>
+          <p:cNvPr id="110" name="PlaceHolder 4"/>
+          <p:cNvSpPr>
+            <a:spLocks noGrp="1"/>
+          </p:cNvSpPr>
+          <p:nvPr>
+            <p:ph type="body"/>
+          </p:nvPr>
+        </p:nvSpPr>
+        <p:spPr>
+          <a:xfrm>
+            <a:off x="6639120" y="1326600"/>
+            <a:ext cx="2921040" cy="1568520"/>
+          </a:xfrm>
+          <a:prstGeom prst="rect">
+            <a:avLst/>
+          </a:prstGeom>
+        </p:spPr>
+        <p:txBody>
+          <a:bodyPr lIns="0" rIns="0" tIns="0" bIns="0">
+            <a:normAutofit/>
+          </a:bodyPr>
+          <a:p>
+            <a:endParaRPr b="0" lang="en-US" sz="3200" spc="-1" strike="noStrike">
+              <a:latin typeface="Arial"/>
+            </a:endParaRPr>
+          </a:p>
+        </p:txBody>
+      </p:sp>
+      <p:sp>
+        <p:nvSpPr>
+          <p:cNvPr id="111" name="PlaceHolder 5"/>
+          <p:cNvSpPr>
+            <a:spLocks noGrp="1"/>
+          </p:cNvSpPr>
+          <p:nvPr>
+            <p:ph type="body"/>
+          </p:nvPr>
+        </p:nvSpPr>
+        <p:spPr>
+          <a:xfrm>
+            <a:off x="504000" y="3044520"/>
+            <a:ext cx="2921040" cy="1568520"/>
+          </a:xfrm>
+          <a:prstGeom prst="rect">
+            <a:avLst/>
+          </a:prstGeom>
+        </p:spPr>
+        <p:txBody>
+          <a:bodyPr lIns="0" rIns="0" tIns="0" bIns="0">
+            <a:normAutofit/>
+          </a:bodyPr>
+          <a:p>
+            <a:endParaRPr b="0" lang="en-US" sz="3200" spc="-1" strike="noStrike">
+              <a:latin typeface="Arial"/>
+            </a:endParaRPr>
+          </a:p>
+        </p:txBody>
+      </p:sp>
+      <p:sp>
+        <p:nvSpPr>
+          <p:cNvPr id="112" name="PlaceHolder 6"/>
+          <p:cNvSpPr>
+            <a:spLocks noGrp="1"/>
+          </p:cNvSpPr>
+          <p:nvPr>
+            <p:ph type="body"/>
+          </p:nvPr>
+        </p:nvSpPr>
+        <p:spPr>
+          <a:xfrm>
+            <a:off x="3571560" y="3044520"/>
+            <a:ext cx="2921040" cy="1568520"/>
+          </a:xfrm>
+          <a:prstGeom prst="rect">
+            <a:avLst/>
+          </a:prstGeom>
+        </p:spPr>
+        <p:txBody>
+          <a:bodyPr lIns="0" rIns="0" tIns="0" bIns="0">
+            <a:normAutofit/>
+          </a:bodyPr>
+          <a:p>
+            <a:endParaRPr b="0" lang="en-US" sz="3200" spc="-1" strike="noStrike">
+              <a:latin typeface="Arial"/>
+            </a:endParaRPr>
+          </a:p>
+        </p:txBody>
+      </p:sp>
+      <p:sp>
+        <p:nvSpPr>
+          <p:cNvPr id="113" name="PlaceHolder 7"/>
+          <p:cNvSpPr>
+            <a:spLocks noGrp="1"/>
+          </p:cNvSpPr>
+          <p:nvPr>
+            <p:ph type="body"/>
+          </p:nvPr>
+        </p:nvSpPr>
+        <p:spPr>
+          <a:xfrm>
+            <a:off x="6639120" y="3044520"/>
+            <a:ext cx="2921040" cy="1568520"/>
           </a:xfrm>
           <a:prstGeom prst="rect">
             <a:avLst/>
@@ -747,7 +3461,7 @@
       </p:grpSpPr>
       <p:sp>
         <p:nvSpPr>
-          <p:cNvPr id="9" name="PlaceHolder 1"/>
+          <p:cNvPr id="6" name="PlaceHolder 1"/>
           <p:cNvSpPr>
             <a:spLocks noGrp="1"/>
           </p:cNvSpPr>
@@ -758,7 +3472,7 @@
         <p:spPr>
           <a:xfrm>
             <a:off x="504000" y="226080"/>
-            <a:ext cx="9071640" cy="946440"/>
+            <a:ext cx="9072000" cy="946440"/>
           </a:xfrm>
           <a:prstGeom prst="rect">
             <a:avLst/>
@@ -778,7 +3492,7 @@
       </p:sp>
       <p:sp>
         <p:nvSpPr>
-          <p:cNvPr id="10" name="PlaceHolder 2"/>
+          <p:cNvPr id="7" name="PlaceHolder 2"/>
           <p:cNvSpPr>
             <a:spLocks noGrp="1"/>
           </p:cNvSpPr>
@@ -789,26 +3503,26 @@
         <p:spPr>
           <a:xfrm>
             <a:off x="504000" y="1326600"/>
-            <a:ext cx="4426920" cy="3288240"/>
-          </a:xfrm>
-          <a:prstGeom prst="rect">
-            <a:avLst/>
-          </a:prstGeom>
-        </p:spPr>
-        <p:txBody>
-          <a:bodyPr lIns="0" rIns="0" tIns="0" bIns="0">
-            <a:normAutofit/>
-          </a:bodyPr>
-          <a:p>
-            <a:endParaRPr b="0" lang="en-US" sz="3200" spc="-1" strike="noStrike">
-              <a:latin typeface="Arial"/>
-            </a:endParaRPr>
-          </a:p>
-        </p:txBody>
-      </p:sp>
-      <p:sp>
-        <p:nvSpPr>
-          <p:cNvPr id="11" name="PlaceHolder 3"/>
+            <a:ext cx="4426920" cy="3288600"/>
+          </a:xfrm>
+          <a:prstGeom prst="rect">
+            <a:avLst/>
+          </a:prstGeom>
+        </p:spPr>
+        <p:txBody>
+          <a:bodyPr lIns="0" rIns="0" tIns="0" bIns="0">
+            <a:normAutofit/>
+          </a:bodyPr>
+          <a:p>
+            <a:endParaRPr b="0" lang="en-US" sz="3200" spc="-1" strike="noStrike">
+              <a:latin typeface="Arial"/>
+            </a:endParaRPr>
+          </a:p>
+        </p:txBody>
+      </p:sp>
+      <p:sp>
+        <p:nvSpPr>
+          <p:cNvPr id="8" name="PlaceHolder 3"/>
           <p:cNvSpPr>
             <a:spLocks noGrp="1"/>
           </p:cNvSpPr>
@@ -819,7 +3533,7 @@
         <p:spPr>
           <a:xfrm>
             <a:off x="5152680" y="1326600"/>
-            <a:ext cx="4426920" cy="3288240"/>
+            <a:ext cx="4426920" cy="3288600"/>
           </a:xfrm>
           <a:prstGeom prst="rect">
             <a:avLst/>
@@ -860,7 +3574,7 @@
       </p:grpSpPr>
       <p:sp>
         <p:nvSpPr>
-          <p:cNvPr id="12" name="PlaceHolder 1"/>
+          <p:cNvPr id="9" name="PlaceHolder 1"/>
           <p:cNvSpPr>
             <a:spLocks noGrp="1"/>
           </p:cNvSpPr>
@@ -871,7 +3585,7 @@
         <p:spPr>
           <a:xfrm>
             <a:off x="504000" y="226080"/>
-            <a:ext cx="9071640" cy="946440"/>
+            <a:ext cx="9072000" cy="946440"/>
           </a:xfrm>
           <a:prstGeom prst="rect">
             <a:avLst/>
@@ -913,7 +3627,7 @@
       </p:grpSpPr>
       <p:sp>
         <p:nvSpPr>
-          <p:cNvPr id="13" name="PlaceHolder 1"/>
+          <p:cNvPr id="10" name="PlaceHolder 1"/>
           <p:cNvSpPr>
             <a:spLocks noGrp="1"/>
           </p:cNvSpPr>
@@ -924,7 +3638,7 @@
         <p:spPr>
           <a:xfrm>
             <a:off x="504000" y="226080"/>
-            <a:ext cx="9071640" cy="4388400"/>
+            <a:ext cx="9072000" cy="4388400"/>
           </a:xfrm>
           <a:prstGeom prst="rect">
             <a:avLst/>
@@ -966,7 +3680,7 @@
       </p:grpSpPr>
       <p:sp>
         <p:nvSpPr>
-          <p:cNvPr id="14" name="PlaceHolder 1"/>
+          <p:cNvPr id="11" name="PlaceHolder 1"/>
           <p:cNvSpPr>
             <a:spLocks noGrp="1"/>
           </p:cNvSpPr>
@@ -977,7 +3691,7 @@
         <p:spPr>
           <a:xfrm>
             <a:off x="504000" y="226080"/>
-            <a:ext cx="9071640" cy="946440"/>
+            <a:ext cx="9072000" cy="946440"/>
           </a:xfrm>
           <a:prstGeom prst="rect">
             <a:avLst/>
@@ -997,7 +3711,7 @@
       </p:sp>
       <p:sp>
         <p:nvSpPr>
-          <p:cNvPr id="15" name="PlaceHolder 2"/>
+          <p:cNvPr id="12" name="PlaceHolder 2"/>
           <p:cNvSpPr>
             <a:spLocks noGrp="1"/>
           </p:cNvSpPr>
@@ -1008,26 +3722,26 @@
         <p:spPr>
           <a:xfrm>
             <a:off x="504000" y="1326600"/>
-            <a:ext cx="4426920" cy="1568160"/>
-          </a:xfrm>
-          <a:prstGeom prst="rect">
-            <a:avLst/>
-          </a:prstGeom>
-        </p:spPr>
-        <p:txBody>
-          <a:bodyPr lIns="0" rIns="0" tIns="0" bIns="0">
-            <a:normAutofit/>
-          </a:bodyPr>
-          <a:p>
-            <a:endParaRPr b="0" lang="en-US" sz="3200" spc="-1" strike="noStrike">
-              <a:latin typeface="Arial"/>
-            </a:endParaRPr>
-          </a:p>
-        </p:txBody>
-      </p:sp>
-      <p:sp>
-        <p:nvSpPr>
-          <p:cNvPr id="16" name="PlaceHolder 3"/>
+            <a:ext cx="4426920" cy="1568520"/>
+          </a:xfrm>
+          <a:prstGeom prst="rect">
+            <a:avLst/>
+          </a:prstGeom>
+        </p:spPr>
+        <p:txBody>
+          <a:bodyPr lIns="0" rIns="0" tIns="0" bIns="0">
+            <a:normAutofit/>
+          </a:bodyPr>
+          <a:p>
+            <a:endParaRPr b="0" lang="en-US" sz="3200" spc="-1" strike="noStrike">
+              <a:latin typeface="Arial"/>
+            </a:endParaRPr>
+          </a:p>
+        </p:txBody>
+      </p:sp>
+      <p:sp>
+        <p:nvSpPr>
+          <p:cNvPr id="13" name="PlaceHolder 3"/>
           <p:cNvSpPr>
             <a:spLocks noGrp="1"/>
           </p:cNvSpPr>
@@ -1038,37 +3752,37 @@
         <p:spPr>
           <a:xfrm>
             <a:off x="5152680" y="1326600"/>
-            <a:ext cx="4426920" cy="3288240"/>
-          </a:xfrm>
-          <a:prstGeom prst="rect">
-            <a:avLst/>
-          </a:prstGeom>
-        </p:spPr>
-        <p:txBody>
-          <a:bodyPr lIns="0" rIns="0" tIns="0" bIns="0">
-            <a:normAutofit/>
-          </a:bodyPr>
-          <a:p>
-            <a:endParaRPr b="0" lang="en-US" sz="3200" spc="-1" strike="noStrike">
-              <a:latin typeface="Arial"/>
-            </a:endParaRPr>
-          </a:p>
-        </p:txBody>
-      </p:sp>
-      <p:sp>
-        <p:nvSpPr>
-          <p:cNvPr id="17" name="PlaceHolder 4"/>
-          <p:cNvSpPr>
-            <a:spLocks noGrp="1"/>
-          </p:cNvSpPr>
-          <p:nvPr>
-            <p:ph type="body"/>
-          </p:nvPr>
-        </p:nvSpPr>
-        <p:spPr>
-          <a:xfrm>
-            <a:off x="504000" y="3044160"/>
-            <a:ext cx="4426920" cy="1568160"/>
+            <a:ext cx="4426920" cy="3288600"/>
+          </a:xfrm>
+          <a:prstGeom prst="rect">
+            <a:avLst/>
+          </a:prstGeom>
+        </p:spPr>
+        <p:txBody>
+          <a:bodyPr lIns="0" rIns="0" tIns="0" bIns="0">
+            <a:normAutofit/>
+          </a:bodyPr>
+          <a:p>
+            <a:endParaRPr b="0" lang="en-US" sz="3200" spc="-1" strike="noStrike">
+              <a:latin typeface="Arial"/>
+            </a:endParaRPr>
+          </a:p>
+        </p:txBody>
+      </p:sp>
+      <p:sp>
+        <p:nvSpPr>
+          <p:cNvPr id="14" name="PlaceHolder 4"/>
+          <p:cNvSpPr>
+            <a:spLocks noGrp="1"/>
+          </p:cNvSpPr>
+          <p:nvPr>
+            <p:ph type="body"/>
+          </p:nvPr>
+        </p:nvSpPr>
+        <p:spPr>
+          <a:xfrm>
+            <a:off x="504000" y="3044520"/>
+            <a:ext cx="4426920" cy="1568520"/>
           </a:xfrm>
           <a:prstGeom prst="rect">
             <a:avLst/>
@@ -1109,7 +3823,7 @@
       </p:grpSpPr>
       <p:sp>
         <p:nvSpPr>
-          <p:cNvPr id="18" name="PlaceHolder 1"/>
+          <p:cNvPr id="15" name="PlaceHolder 1"/>
           <p:cNvSpPr>
             <a:spLocks noGrp="1"/>
           </p:cNvSpPr>
@@ -1120,7 +3834,7 @@
         <p:spPr>
           <a:xfrm>
             <a:off x="504000" y="226080"/>
-            <a:ext cx="9071640" cy="946440"/>
+            <a:ext cx="9072000" cy="946440"/>
           </a:xfrm>
           <a:prstGeom prst="rect">
             <a:avLst/>
@@ -1140,7 +3854,7 @@
       </p:sp>
       <p:sp>
         <p:nvSpPr>
-          <p:cNvPr id="19" name="PlaceHolder 2"/>
+          <p:cNvPr id="16" name="PlaceHolder 2"/>
           <p:cNvSpPr>
             <a:spLocks noGrp="1"/>
           </p:cNvSpPr>
@@ -1151,26 +3865,26 @@
         <p:spPr>
           <a:xfrm>
             <a:off x="504000" y="1326600"/>
-            <a:ext cx="4426920" cy="3288240"/>
-          </a:xfrm>
-          <a:prstGeom prst="rect">
-            <a:avLst/>
-          </a:prstGeom>
-        </p:spPr>
-        <p:txBody>
-          <a:bodyPr lIns="0" rIns="0" tIns="0" bIns="0">
-            <a:normAutofit/>
-          </a:bodyPr>
-          <a:p>
-            <a:endParaRPr b="0" lang="en-US" sz="3200" spc="-1" strike="noStrike">
-              <a:latin typeface="Arial"/>
-            </a:endParaRPr>
-          </a:p>
-        </p:txBody>
-      </p:sp>
-      <p:sp>
-        <p:nvSpPr>
-          <p:cNvPr id="20" name="PlaceHolder 3"/>
+            <a:ext cx="4426920" cy="3288600"/>
+          </a:xfrm>
+          <a:prstGeom prst="rect">
+            <a:avLst/>
+          </a:prstGeom>
+        </p:spPr>
+        <p:txBody>
+          <a:bodyPr lIns="0" rIns="0" tIns="0" bIns="0">
+            <a:normAutofit/>
+          </a:bodyPr>
+          <a:p>
+            <a:endParaRPr b="0" lang="en-US" sz="3200" spc="-1" strike="noStrike">
+              <a:latin typeface="Arial"/>
+            </a:endParaRPr>
+          </a:p>
+        </p:txBody>
+      </p:sp>
+      <p:sp>
+        <p:nvSpPr>
+          <p:cNvPr id="17" name="PlaceHolder 3"/>
           <p:cNvSpPr>
             <a:spLocks noGrp="1"/>
           </p:cNvSpPr>
@@ -1181,37 +3895,37 @@
         <p:spPr>
           <a:xfrm>
             <a:off x="5152680" y="1326600"/>
-            <a:ext cx="4426920" cy="1568160"/>
-          </a:xfrm>
-          <a:prstGeom prst="rect">
-            <a:avLst/>
-          </a:prstGeom>
-        </p:spPr>
-        <p:txBody>
-          <a:bodyPr lIns="0" rIns="0" tIns="0" bIns="0">
-            <a:normAutofit/>
-          </a:bodyPr>
-          <a:p>
-            <a:endParaRPr b="0" lang="en-US" sz="3200" spc="-1" strike="noStrike">
-              <a:latin typeface="Arial"/>
-            </a:endParaRPr>
-          </a:p>
-        </p:txBody>
-      </p:sp>
-      <p:sp>
-        <p:nvSpPr>
-          <p:cNvPr id="21" name="PlaceHolder 4"/>
-          <p:cNvSpPr>
-            <a:spLocks noGrp="1"/>
-          </p:cNvSpPr>
-          <p:nvPr>
-            <p:ph type="body"/>
-          </p:nvPr>
-        </p:nvSpPr>
-        <p:spPr>
-          <a:xfrm>
-            <a:off x="5152680" y="3044160"/>
-            <a:ext cx="4426920" cy="1568160"/>
+            <a:ext cx="4426920" cy="1568520"/>
+          </a:xfrm>
+          <a:prstGeom prst="rect">
+            <a:avLst/>
+          </a:prstGeom>
+        </p:spPr>
+        <p:txBody>
+          <a:bodyPr lIns="0" rIns="0" tIns="0" bIns="0">
+            <a:normAutofit/>
+          </a:bodyPr>
+          <a:p>
+            <a:endParaRPr b="0" lang="en-US" sz="3200" spc="-1" strike="noStrike">
+              <a:latin typeface="Arial"/>
+            </a:endParaRPr>
+          </a:p>
+        </p:txBody>
+      </p:sp>
+      <p:sp>
+        <p:nvSpPr>
+          <p:cNvPr id="18" name="PlaceHolder 4"/>
+          <p:cNvSpPr>
+            <a:spLocks noGrp="1"/>
+          </p:cNvSpPr>
+          <p:nvPr>
+            <p:ph type="body"/>
+          </p:nvPr>
+        </p:nvSpPr>
+        <p:spPr>
+          <a:xfrm>
+            <a:off x="5152680" y="3044520"/>
+            <a:ext cx="4426920" cy="1568520"/>
           </a:xfrm>
           <a:prstGeom prst="rect">
             <a:avLst/>
@@ -1252,7 +3966,7 @@
       </p:grpSpPr>
       <p:sp>
         <p:nvSpPr>
-          <p:cNvPr id="22" name="PlaceHolder 1"/>
+          <p:cNvPr id="19" name="PlaceHolder 1"/>
           <p:cNvSpPr>
             <a:spLocks noGrp="1"/>
           </p:cNvSpPr>
@@ -1263,7 +3977,7 @@
         <p:spPr>
           <a:xfrm>
             <a:off x="504000" y="226080"/>
-            <a:ext cx="9071640" cy="946440"/>
+            <a:ext cx="9072000" cy="946440"/>
           </a:xfrm>
           <a:prstGeom prst="rect">
             <a:avLst/>
@@ -1283,7 +3997,7 @@
       </p:sp>
       <p:sp>
         <p:nvSpPr>
-          <p:cNvPr id="23" name="PlaceHolder 2"/>
+          <p:cNvPr id="20" name="PlaceHolder 2"/>
           <p:cNvSpPr>
             <a:spLocks noGrp="1"/>
           </p:cNvSpPr>
@@ -1294,26 +4008,26 @@
         <p:spPr>
           <a:xfrm>
             <a:off x="504000" y="1326600"/>
-            <a:ext cx="4426920" cy="1568160"/>
-          </a:xfrm>
-          <a:prstGeom prst="rect">
-            <a:avLst/>
-          </a:prstGeom>
-        </p:spPr>
-        <p:txBody>
-          <a:bodyPr lIns="0" rIns="0" tIns="0" bIns="0">
-            <a:normAutofit/>
-          </a:bodyPr>
-          <a:p>
-            <a:endParaRPr b="0" lang="en-US" sz="3200" spc="-1" strike="noStrike">
-              <a:latin typeface="Arial"/>
-            </a:endParaRPr>
-          </a:p>
-        </p:txBody>
-      </p:sp>
-      <p:sp>
-        <p:nvSpPr>
-          <p:cNvPr id="24" name="PlaceHolder 3"/>
+            <a:ext cx="4426920" cy="1568520"/>
+          </a:xfrm>
+          <a:prstGeom prst="rect">
+            <a:avLst/>
+          </a:prstGeom>
+        </p:spPr>
+        <p:txBody>
+          <a:bodyPr lIns="0" rIns="0" tIns="0" bIns="0">
+            <a:normAutofit/>
+          </a:bodyPr>
+          <a:p>
+            <a:endParaRPr b="0" lang="en-US" sz="3200" spc="-1" strike="noStrike">
+              <a:latin typeface="Arial"/>
+            </a:endParaRPr>
+          </a:p>
+        </p:txBody>
+      </p:sp>
+      <p:sp>
+        <p:nvSpPr>
+          <p:cNvPr id="21" name="PlaceHolder 3"/>
           <p:cNvSpPr>
             <a:spLocks noGrp="1"/>
           </p:cNvSpPr>
@@ -1324,37 +4038,37 @@
         <p:spPr>
           <a:xfrm>
             <a:off x="5152680" y="1326600"/>
-            <a:ext cx="4426920" cy="1568160"/>
-          </a:xfrm>
-          <a:prstGeom prst="rect">
-            <a:avLst/>
-          </a:prstGeom>
-        </p:spPr>
-        <p:txBody>
-          <a:bodyPr lIns="0" rIns="0" tIns="0" bIns="0">
-            <a:normAutofit/>
-          </a:bodyPr>
-          <a:p>
-            <a:endParaRPr b="0" lang="en-US" sz="3200" spc="-1" strike="noStrike">
-              <a:latin typeface="Arial"/>
-            </a:endParaRPr>
-          </a:p>
-        </p:txBody>
-      </p:sp>
-      <p:sp>
-        <p:nvSpPr>
-          <p:cNvPr id="25" name="PlaceHolder 4"/>
-          <p:cNvSpPr>
-            <a:spLocks noGrp="1"/>
-          </p:cNvSpPr>
-          <p:nvPr>
-            <p:ph type="body"/>
-          </p:nvPr>
-        </p:nvSpPr>
-        <p:spPr>
-          <a:xfrm>
-            <a:off x="504000" y="3044160"/>
-            <a:ext cx="9071640" cy="1568160"/>
+            <a:ext cx="4426920" cy="1568520"/>
+          </a:xfrm>
+          <a:prstGeom prst="rect">
+            <a:avLst/>
+          </a:prstGeom>
+        </p:spPr>
+        <p:txBody>
+          <a:bodyPr lIns="0" rIns="0" tIns="0" bIns="0">
+            <a:normAutofit/>
+          </a:bodyPr>
+          <a:p>
+            <a:endParaRPr b="0" lang="en-US" sz="3200" spc="-1" strike="noStrike">
+              <a:latin typeface="Arial"/>
+            </a:endParaRPr>
+          </a:p>
+        </p:txBody>
+      </p:sp>
+      <p:sp>
+        <p:nvSpPr>
+          <p:cNvPr id="22" name="PlaceHolder 4"/>
+          <p:cNvSpPr>
+            <a:spLocks noGrp="1"/>
+          </p:cNvSpPr>
+          <p:nvPr>
+            <p:ph type="body"/>
+          </p:nvPr>
+        </p:nvSpPr>
+        <p:spPr>
+          <a:xfrm>
+            <a:off x="504000" y="3044520"/>
+            <a:ext cx="9072000" cy="1568520"/>
           </a:xfrm>
           <a:prstGeom prst="rect">
             <a:avLst/>
@@ -1379,6 +4093,21 @@
 <file path=ppt/slideMasters/slideMaster1.xml><?xml version="1.0" encoding="utf-8"?>
 <p:sldMaster xmlns:a="http://schemas.openxmlformats.org/drawingml/2006/main" xmlns:p="http://schemas.openxmlformats.org/presentationml/2006/main" xmlns:r="http://schemas.openxmlformats.org/officeDocument/2006/relationships" xmlns:p14="http://schemas.microsoft.com/office/powerpoint/2010/main" xmlns:p15="http://schemas.microsoft.com/office/powerpoint/2012/main" xmlns:mc="http://schemas.openxmlformats.org/markup-compatibility/2006">
   <p:cSld>
+    <p:bg>
+      <p:bgPr>
+        <a:gradFill rotWithShape="0">
+          <a:gsLst>
+            <a:gs pos="0">
+              <a:srgbClr val="ffffb9"/>
+            </a:gs>
+            <a:gs pos="100000">
+              <a:srgbClr val="ffc0d1"/>
+            </a:gs>
+          </a:gsLst>
+          <a:lin ang="3600000"/>
+        </a:gradFill>
+      </p:bgPr>
+    </p:bg>
     <p:spTree>
       <p:nvGrpSpPr>
         <p:cNvPr id="1" name=""/>
@@ -1406,7 +4135,7 @@
         <p:spPr>
           <a:xfrm>
             <a:off x="504000" y="226080"/>
-            <a:ext cx="9071640" cy="946440"/>
+            <a:ext cx="9072000" cy="946440"/>
           </a:xfrm>
           <a:prstGeom prst="rect">
             <a:avLst/>
@@ -1443,7 +4172,7 @@
         <p:spPr>
           <a:xfrm>
             <a:off x="504000" y="1326600"/>
-            <a:ext cx="9071640" cy="3288240"/>
+            <a:ext cx="9072000" cy="3288600"/>
           </a:xfrm>
           <a:prstGeom prst="rect">
             <a:avLst/>
@@ -1609,116 +4338,6 @@
           </a:p>
         </p:txBody>
       </p:sp>
-      <p:sp>
-        <p:nvSpPr>
-          <p:cNvPr id="2" name="PlaceHolder 3"/>
-          <p:cNvSpPr>
-            <a:spLocks noGrp="1"/>
-          </p:cNvSpPr>
-          <p:nvPr>
-            <p:ph type="dt"/>
-          </p:nvPr>
-        </p:nvSpPr>
-        <p:spPr>
-          <a:xfrm>
-            <a:off x="504000" y="5165280"/>
-            <a:ext cx="2348280" cy="390600"/>
-          </a:xfrm>
-          <a:prstGeom prst="rect">
-            <a:avLst/>
-          </a:prstGeom>
-        </p:spPr>
-        <p:txBody>
-          <a:bodyPr lIns="0" rIns="0" tIns="0" bIns="0">
-            <a:noAutofit/>
-          </a:bodyPr>
-          <a:p>
-            <a:r>
-              <a:rPr b="0" lang="en-US" sz="1400" spc="-1" strike="noStrike">
-                <a:latin typeface="Times New Roman"/>
-              </a:rPr>
-              <a:t>&lt;date/time&gt;</a:t>
-            </a:r>
-            <a:endParaRPr b="0" lang="en-US" sz="1400" spc="-1" strike="noStrike">
-              <a:latin typeface="Times New Roman"/>
-            </a:endParaRPr>
-          </a:p>
-        </p:txBody>
-      </p:sp>
-      <p:sp>
-        <p:nvSpPr>
-          <p:cNvPr id="3" name="PlaceHolder 4"/>
-          <p:cNvSpPr>
-            <a:spLocks noGrp="1"/>
-          </p:cNvSpPr>
-          <p:nvPr>
-            <p:ph type="ftr"/>
-          </p:nvPr>
-        </p:nvSpPr>
-        <p:spPr>
-          <a:xfrm>
-            <a:off x="3447360" y="5165280"/>
-            <a:ext cx="3195000" cy="390600"/>
-          </a:xfrm>
-          <a:prstGeom prst="rect">
-            <a:avLst/>
-          </a:prstGeom>
-        </p:spPr>
-        <p:txBody>
-          <a:bodyPr lIns="0" rIns="0" tIns="0" bIns="0">
-            <a:noAutofit/>
-          </a:bodyPr>
-          <a:p>
-            <a:pPr algn="ctr"/>
-            <a:r>
-              <a:rPr b="0" lang="en-US" sz="1400" spc="-1" strike="noStrike">
-                <a:latin typeface="Times New Roman"/>
-              </a:rPr>
-              <a:t>&lt;footer&gt;</a:t>
-            </a:r>
-            <a:endParaRPr b="0" lang="en-US" sz="1400" spc="-1" strike="noStrike">
-              <a:latin typeface="Times New Roman"/>
-            </a:endParaRPr>
-          </a:p>
-        </p:txBody>
-      </p:sp>
-      <p:sp>
-        <p:nvSpPr>
-          <p:cNvPr id="4" name="PlaceHolder 5"/>
-          <p:cNvSpPr>
-            <a:spLocks noGrp="1"/>
-          </p:cNvSpPr>
-          <p:nvPr>
-            <p:ph type="sldNum"/>
-          </p:nvPr>
-        </p:nvSpPr>
-        <p:spPr>
-          <a:xfrm>
-            <a:off x="7227360" y="5165280"/>
-            <a:ext cx="2348280" cy="390600"/>
-          </a:xfrm>
-          <a:prstGeom prst="rect">
-            <a:avLst/>
-          </a:prstGeom>
-        </p:spPr>
-        <p:txBody>
-          <a:bodyPr lIns="0" rIns="0" tIns="0" bIns="0">
-            <a:noAutofit/>
-          </a:bodyPr>
-          <a:p>
-            <a:pPr algn="r"/>
-            <a:fld id="{031B054C-8A9B-46FC-8798-9E9B574A50AE}" type="slidenum">
-              <a:rPr b="0" lang="en-US" sz="1400" spc="-1" strike="noStrike">
-                <a:latin typeface="Times New Roman"/>
-              </a:rPr>
-              <a:t>&lt;number&gt;</a:t>
-            </a:fld>
-            <a:endParaRPr b="0" lang="en-US" sz="1400" spc="-1" strike="noStrike">
-              <a:latin typeface="Times New Roman"/>
-            </a:endParaRPr>
-          </a:p>
-        </p:txBody>
-      </p:sp>
     </p:spTree>
   </p:cSld>
   <p:clrMap bg1="lt1" bg2="lt2" tx1="dk1" tx2="dk2" accent1="accent1" accent2="accent2" accent3="accent3" accent4="accent4" accent5="accent5" accent6="accent6" hlink="hlink" folHlink="folHlink"/>
@@ -1735,6 +4354,540 @@
     <p:sldLayoutId id="2147483658" r:id="rId11"/>
     <p:sldLayoutId id="2147483659" r:id="rId12"/>
     <p:sldLayoutId id="2147483660" r:id="rId13"/>
+  </p:sldLayoutIdLst>
+</p:sldMaster>
+</file>
+
+<file path=ppt/slideMasters/slideMaster2.xml><?xml version="1.0" encoding="utf-8"?>
+<p:sldMaster xmlns:a="http://schemas.openxmlformats.org/drawingml/2006/main" xmlns:p="http://schemas.openxmlformats.org/presentationml/2006/main" xmlns:r="http://schemas.openxmlformats.org/officeDocument/2006/relationships" xmlns:p14="http://schemas.microsoft.com/office/powerpoint/2010/main" xmlns:p15="http://schemas.microsoft.com/office/powerpoint/2012/main" xmlns:mc="http://schemas.openxmlformats.org/markup-compatibility/2006">
+  <p:cSld>
+    <p:bg>
+      <p:bgPr>
+        <a:gradFill rotWithShape="0">
+          <a:gsLst>
+            <a:gs pos="0">
+              <a:srgbClr val="ffffb9"/>
+            </a:gs>
+            <a:gs pos="100000">
+              <a:srgbClr val="ffc0d1"/>
+            </a:gs>
+          </a:gsLst>
+          <a:lin ang="3600000"/>
+        </a:gradFill>
+      </p:bgPr>
+    </p:bg>
+    <p:spTree>
+      <p:nvGrpSpPr>
+        <p:cNvPr id="1" name=""/>
+        <p:cNvGrpSpPr/>
+        <p:nvPr/>
+      </p:nvGrpSpPr>
+      <p:grpSpPr>
+        <a:xfrm>
+          <a:off x="0" y="0"/>
+          <a:ext cx="0" cy="0"/>
+          <a:chOff x="0" y="0"/>
+          <a:chExt cx="0" cy="0"/>
+        </a:xfrm>
+      </p:grpSpPr>
+      <p:sp>
+        <p:nvSpPr>
+          <p:cNvPr id="38" name="PlaceHolder 1"/>
+          <p:cNvSpPr>
+            <a:spLocks noGrp="1"/>
+          </p:cNvSpPr>
+          <p:nvPr>
+            <p:ph type="title"/>
+          </p:nvPr>
+        </p:nvSpPr>
+        <p:spPr>
+          <a:xfrm>
+            <a:off x="504000" y="226080"/>
+            <a:ext cx="9072000" cy="946080"/>
+          </a:xfrm>
+          <a:prstGeom prst="rect">
+            <a:avLst/>
+          </a:prstGeom>
+        </p:spPr>
+        <p:txBody>
+          <a:bodyPr lIns="0" rIns="0" tIns="0" bIns="0" anchor="ctr">
+            <a:noAutofit/>
+          </a:bodyPr>
+          <a:p>
+            <a:r>
+              <a:rPr b="0" lang="en-US" sz="1800" spc="-1" strike="noStrike">
+                <a:latin typeface="Arial"/>
+              </a:rPr>
+              <a:t>Click to edit the title text format</a:t>
+            </a:r>
+            <a:endParaRPr b="0" lang="en-US" sz="1800" spc="-1" strike="noStrike">
+              <a:latin typeface="Arial"/>
+            </a:endParaRPr>
+          </a:p>
+        </p:txBody>
+      </p:sp>
+      <p:sp>
+        <p:nvSpPr>
+          <p:cNvPr id="39" name="PlaceHolder 2"/>
+          <p:cNvSpPr>
+            <a:spLocks noGrp="1"/>
+          </p:cNvSpPr>
+          <p:nvPr>
+            <p:ph type="body"/>
+          </p:nvPr>
+        </p:nvSpPr>
+        <p:spPr>
+          <a:xfrm>
+            <a:off x="504000" y="1326600"/>
+            <a:ext cx="9072000" cy="3288600"/>
+          </a:xfrm>
+          <a:prstGeom prst="rect">
+            <a:avLst/>
+          </a:prstGeom>
+        </p:spPr>
+        <p:txBody>
+          <a:bodyPr lIns="0" rIns="0" tIns="0" bIns="0">
+            <a:normAutofit/>
+          </a:bodyPr>
+          <a:p>
+            <a:pPr marL="432000" indent="-324000">
+              <a:spcBef>
+                <a:spcPts val="1417"/>
+              </a:spcBef>
+              <a:buClr>
+                <a:srgbClr val="000000"/>
+              </a:buClr>
+              <a:buSzPct val="45000"/>
+              <a:buFont typeface="Wingdings" charset="2"/>
+              <a:buChar char=""/>
+            </a:pPr>
+            <a:r>
+              <a:rPr b="0" lang="en-US" sz="3200" spc="-1" strike="noStrike">
+                <a:latin typeface="Arial"/>
+              </a:rPr>
+              <a:t>Click to edit the outline text format</a:t>
+            </a:r>
+            <a:endParaRPr b="0" lang="en-US" sz="3200" spc="-1" strike="noStrike">
+              <a:latin typeface="Arial"/>
+            </a:endParaRPr>
+          </a:p>
+          <a:p>
+            <a:pPr lvl="1" marL="864000" indent="-324000">
+              <a:spcBef>
+                <a:spcPts val="1134"/>
+              </a:spcBef>
+              <a:buClr>
+                <a:srgbClr val="000000"/>
+              </a:buClr>
+              <a:buSzPct val="75000"/>
+              <a:buFont typeface="Symbol" charset="2"/>
+              <a:buChar char=""/>
+            </a:pPr>
+            <a:r>
+              <a:rPr b="0" lang="en-US" sz="2800" spc="-1" strike="noStrike">
+                <a:latin typeface="Arial"/>
+              </a:rPr>
+              <a:t>Second Outline Level</a:t>
+            </a:r>
+            <a:endParaRPr b="0" lang="en-US" sz="2800" spc="-1" strike="noStrike">
+              <a:latin typeface="Arial"/>
+            </a:endParaRPr>
+          </a:p>
+          <a:p>
+            <a:pPr lvl="2" marL="1296000" indent="-288000">
+              <a:spcBef>
+                <a:spcPts val="850"/>
+              </a:spcBef>
+              <a:buClr>
+                <a:srgbClr val="000000"/>
+              </a:buClr>
+              <a:buSzPct val="45000"/>
+              <a:buFont typeface="Wingdings" charset="2"/>
+              <a:buChar char=""/>
+            </a:pPr>
+            <a:r>
+              <a:rPr b="0" lang="en-US" sz="2400" spc="-1" strike="noStrike">
+                <a:latin typeface="Arial"/>
+              </a:rPr>
+              <a:t>Third Outline Level</a:t>
+            </a:r>
+            <a:endParaRPr b="0" lang="en-US" sz="2400" spc="-1" strike="noStrike">
+              <a:latin typeface="Arial"/>
+            </a:endParaRPr>
+          </a:p>
+          <a:p>
+            <a:pPr lvl="3" marL="1728000" indent="-216000">
+              <a:spcBef>
+                <a:spcPts val="567"/>
+              </a:spcBef>
+              <a:buClr>
+                <a:srgbClr val="000000"/>
+              </a:buClr>
+              <a:buSzPct val="75000"/>
+              <a:buFont typeface="Symbol" charset="2"/>
+              <a:buChar char=""/>
+            </a:pPr>
+            <a:r>
+              <a:rPr b="0" lang="en-US" sz="2000" spc="-1" strike="noStrike">
+                <a:latin typeface="Arial"/>
+              </a:rPr>
+              <a:t>Fourth Outline Level</a:t>
+            </a:r>
+            <a:endParaRPr b="0" lang="en-US" sz="2000" spc="-1" strike="noStrike">
+              <a:latin typeface="Arial"/>
+            </a:endParaRPr>
+          </a:p>
+          <a:p>
+            <a:pPr lvl="4" marL="2160000" indent="-216000">
+              <a:spcBef>
+                <a:spcPts val="283"/>
+              </a:spcBef>
+              <a:buClr>
+                <a:srgbClr val="000000"/>
+              </a:buClr>
+              <a:buSzPct val="45000"/>
+              <a:buFont typeface="Wingdings" charset="2"/>
+              <a:buChar char=""/>
+            </a:pPr>
+            <a:r>
+              <a:rPr b="0" lang="en-US" sz="2000" spc="-1" strike="noStrike">
+                <a:latin typeface="Arial"/>
+              </a:rPr>
+              <a:t>Fifth Outline Level</a:t>
+            </a:r>
+            <a:endParaRPr b="0" lang="en-US" sz="2000" spc="-1" strike="noStrike">
+              <a:latin typeface="Arial"/>
+            </a:endParaRPr>
+          </a:p>
+          <a:p>
+            <a:pPr lvl="5" marL="2592000" indent="-216000">
+              <a:spcBef>
+                <a:spcPts val="283"/>
+              </a:spcBef>
+              <a:buClr>
+                <a:srgbClr val="000000"/>
+              </a:buClr>
+              <a:buSzPct val="45000"/>
+              <a:buFont typeface="Wingdings" charset="2"/>
+              <a:buChar char=""/>
+            </a:pPr>
+            <a:r>
+              <a:rPr b="0" lang="en-US" sz="2000" spc="-1" strike="noStrike">
+                <a:latin typeface="Arial"/>
+              </a:rPr>
+              <a:t>Sixth Outline Level</a:t>
+            </a:r>
+            <a:endParaRPr b="0" lang="en-US" sz="2000" spc="-1" strike="noStrike">
+              <a:latin typeface="Arial"/>
+            </a:endParaRPr>
+          </a:p>
+          <a:p>
+            <a:pPr lvl="6" marL="3024000" indent="-216000">
+              <a:spcBef>
+                <a:spcPts val="283"/>
+              </a:spcBef>
+              <a:buClr>
+                <a:srgbClr val="000000"/>
+              </a:buClr>
+              <a:buSzPct val="45000"/>
+              <a:buFont typeface="Wingdings" charset="2"/>
+              <a:buChar char=""/>
+            </a:pPr>
+            <a:r>
+              <a:rPr b="0" lang="en-US" sz="2000" spc="-1" strike="noStrike">
+                <a:latin typeface="Arial"/>
+              </a:rPr>
+              <a:t>Seventh Outline Level</a:t>
+            </a:r>
+            <a:endParaRPr b="0" lang="en-US" sz="2000" spc="-1" strike="noStrike">
+              <a:latin typeface="Arial"/>
+            </a:endParaRPr>
+          </a:p>
+        </p:txBody>
+      </p:sp>
+    </p:spTree>
+  </p:cSld>
+  <p:clrMap bg1="lt1" bg2="lt2" tx1="dk1" tx2="dk2" accent1="accent1" accent2="accent2" accent3="accent3" accent4="accent4" accent5="accent5" accent6="accent6" hlink="hlink" folHlink="folHlink"/>
+  <p:sldLayoutIdLst>
+    <p:sldLayoutId id="2147483662" r:id="rId2"/>
+    <p:sldLayoutId id="2147483663" r:id="rId3"/>
+    <p:sldLayoutId id="2147483664" r:id="rId4"/>
+    <p:sldLayoutId id="2147483665" r:id="rId5"/>
+    <p:sldLayoutId id="2147483666" r:id="rId6"/>
+    <p:sldLayoutId id="2147483667" r:id="rId7"/>
+    <p:sldLayoutId id="2147483668" r:id="rId8"/>
+    <p:sldLayoutId id="2147483669" r:id="rId9"/>
+    <p:sldLayoutId id="2147483670" r:id="rId10"/>
+    <p:sldLayoutId id="2147483671" r:id="rId11"/>
+    <p:sldLayoutId id="2147483672" r:id="rId12"/>
+    <p:sldLayoutId id="2147483673" r:id="rId13"/>
+  </p:sldLayoutIdLst>
+</p:sldMaster>
+</file>
+
+<file path=ppt/slideMasters/slideMaster3.xml><?xml version="1.0" encoding="utf-8"?>
+<p:sldMaster xmlns:a="http://schemas.openxmlformats.org/drawingml/2006/main" xmlns:p="http://schemas.openxmlformats.org/presentationml/2006/main" xmlns:r="http://schemas.openxmlformats.org/officeDocument/2006/relationships" xmlns:p14="http://schemas.microsoft.com/office/powerpoint/2010/main" xmlns:p15="http://schemas.microsoft.com/office/powerpoint/2012/main" xmlns:mc="http://schemas.openxmlformats.org/markup-compatibility/2006">
+  <p:cSld>
+    <p:bg>
+      <p:bgPr>
+        <a:gradFill rotWithShape="0">
+          <a:gsLst>
+            <a:gs pos="0">
+              <a:srgbClr val="ffffb9"/>
+            </a:gs>
+            <a:gs pos="100000">
+              <a:srgbClr val="ffc0d1"/>
+            </a:gs>
+          </a:gsLst>
+          <a:lin ang="3600000"/>
+        </a:gradFill>
+      </p:bgPr>
+    </p:bg>
+    <p:spTree>
+      <p:nvGrpSpPr>
+        <p:cNvPr id="1" name=""/>
+        <p:cNvGrpSpPr/>
+        <p:nvPr/>
+      </p:nvGrpSpPr>
+      <p:grpSpPr>
+        <a:xfrm>
+          <a:off x="0" y="0"/>
+          <a:ext cx="0" cy="0"/>
+          <a:chOff x="0" y="0"/>
+          <a:chExt cx="0" cy="0"/>
+        </a:xfrm>
+      </p:grpSpPr>
+      <p:sp>
+        <p:nvSpPr>
+          <p:cNvPr id="76" name="PlaceHolder 1"/>
+          <p:cNvSpPr>
+            <a:spLocks noGrp="1"/>
+          </p:cNvSpPr>
+          <p:nvPr>
+            <p:ph type="title"/>
+          </p:nvPr>
+        </p:nvSpPr>
+        <p:spPr>
+          <a:xfrm>
+            <a:off x="504000" y="226080"/>
+            <a:ext cx="9072000" cy="946080"/>
+          </a:xfrm>
+          <a:prstGeom prst="rect">
+            <a:avLst/>
+          </a:prstGeom>
+        </p:spPr>
+        <p:txBody>
+          <a:bodyPr lIns="0" rIns="0" tIns="0" bIns="0" anchor="ctr">
+            <a:noAutofit/>
+          </a:bodyPr>
+          <a:p>
+            <a:r>
+              <a:rPr b="0" lang="en-US" sz="1800" spc="-1" strike="noStrike">
+                <a:latin typeface="Arial"/>
+              </a:rPr>
+              <a:t>Click to edit the title text format</a:t>
+            </a:r>
+            <a:endParaRPr b="0" lang="en-US" sz="1800" spc="-1" strike="noStrike">
+              <a:latin typeface="Arial"/>
+            </a:endParaRPr>
+          </a:p>
+        </p:txBody>
+      </p:sp>
+      <p:sp>
+        <p:nvSpPr>
+          <p:cNvPr id="77" name="PlaceHolder 2"/>
+          <p:cNvSpPr>
+            <a:spLocks noGrp="1"/>
+          </p:cNvSpPr>
+          <p:nvPr>
+            <p:ph type="body"/>
+          </p:nvPr>
+        </p:nvSpPr>
+        <p:spPr>
+          <a:xfrm>
+            <a:off x="504000" y="1326600"/>
+            <a:ext cx="9072000" cy="3288240"/>
+          </a:xfrm>
+          <a:prstGeom prst="rect">
+            <a:avLst/>
+          </a:prstGeom>
+        </p:spPr>
+        <p:txBody>
+          <a:bodyPr lIns="0" rIns="0" tIns="0" bIns="0">
+            <a:normAutofit/>
+          </a:bodyPr>
+          <a:p>
+            <a:pPr marL="432000" indent="-324000">
+              <a:spcBef>
+                <a:spcPts val="1417"/>
+              </a:spcBef>
+              <a:buClr>
+                <a:srgbClr val="000000"/>
+              </a:buClr>
+              <a:buSzPct val="45000"/>
+              <a:buFont typeface="Wingdings" charset="2"/>
+              <a:buChar char=""/>
+            </a:pPr>
+            <a:r>
+              <a:rPr b="0" lang="en-US" sz="1800" spc="-1" strike="noStrike">
+                <a:latin typeface="Arial"/>
+              </a:rPr>
+              <a:t>Click to edit the outline text format</a:t>
+            </a:r>
+            <a:endParaRPr b="0" lang="en-US" sz="1800" spc="-1" strike="noStrike">
+              <a:latin typeface="Arial"/>
+            </a:endParaRPr>
+          </a:p>
+          <a:p>
+            <a:pPr lvl="1" marL="864000" indent="-324000">
+              <a:spcBef>
+                <a:spcPts val="1134"/>
+              </a:spcBef>
+              <a:buClr>
+                <a:srgbClr val="000000"/>
+              </a:buClr>
+              <a:buSzPct val="75000"/>
+              <a:buFont typeface="Symbol" charset="2"/>
+              <a:buChar char=""/>
+            </a:pPr>
+            <a:r>
+              <a:rPr b="0" lang="en-US" sz="1800" spc="-1" strike="noStrike">
+                <a:latin typeface="Arial"/>
+              </a:rPr>
+              <a:t>Second Outline Level</a:t>
+            </a:r>
+            <a:endParaRPr b="0" lang="en-US" sz="1800" spc="-1" strike="noStrike">
+              <a:latin typeface="Arial"/>
+            </a:endParaRPr>
+          </a:p>
+          <a:p>
+            <a:pPr lvl="2" marL="1296000" indent="-288000">
+              <a:spcBef>
+                <a:spcPts val="850"/>
+              </a:spcBef>
+              <a:buClr>
+                <a:srgbClr val="000000"/>
+              </a:buClr>
+              <a:buSzPct val="45000"/>
+              <a:buFont typeface="Wingdings" charset="2"/>
+              <a:buChar char=""/>
+            </a:pPr>
+            <a:r>
+              <a:rPr b="0" lang="en-US" sz="1800" spc="-1" strike="noStrike">
+                <a:latin typeface="Arial"/>
+              </a:rPr>
+              <a:t>Third Outline Level</a:t>
+            </a:r>
+            <a:endParaRPr b="0" lang="en-US" sz="1800" spc="-1" strike="noStrike">
+              <a:latin typeface="Arial"/>
+            </a:endParaRPr>
+          </a:p>
+          <a:p>
+            <a:pPr lvl="3" marL="1728000" indent="-216000">
+              <a:spcBef>
+                <a:spcPts val="567"/>
+              </a:spcBef>
+              <a:buClr>
+                <a:srgbClr val="000000"/>
+              </a:buClr>
+              <a:buSzPct val="75000"/>
+              <a:buFont typeface="Symbol" charset="2"/>
+              <a:buChar char=""/>
+            </a:pPr>
+            <a:r>
+              <a:rPr b="0" lang="en-US" sz="1800" spc="-1" strike="noStrike">
+                <a:latin typeface="Arial"/>
+              </a:rPr>
+              <a:t>Fourth Outline Level</a:t>
+            </a:r>
+            <a:endParaRPr b="0" lang="en-US" sz="1800" spc="-1" strike="noStrike">
+              <a:latin typeface="Arial"/>
+            </a:endParaRPr>
+          </a:p>
+          <a:p>
+            <a:pPr lvl="4" marL="2160000" indent="-216000">
+              <a:spcBef>
+                <a:spcPts val="283"/>
+              </a:spcBef>
+              <a:buClr>
+                <a:srgbClr val="000000"/>
+              </a:buClr>
+              <a:buSzPct val="45000"/>
+              <a:buFont typeface="Wingdings" charset="2"/>
+              <a:buChar char=""/>
+            </a:pPr>
+            <a:r>
+              <a:rPr b="0" lang="en-US" sz="1800" spc="-1" strike="noStrike">
+                <a:latin typeface="Arial"/>
+              </a:rPr>
+              <a:t>Fifth Outline Level</a:t>
+            </a:r>
+            <a:endParaRPr b="0" lang="en-US" sz="1800" spc="-1" strike="noStrike">
+              <a:latin typeface="Arial"/>
+            </a:endParaRPr>
+          </a:p>
+          <a:p>
+            <a:pPr lvl="5" marL="2592000" indent="-216000">
+              <a:spcBef>
+                <a:spcPts val="283"/>
+              </a:spcBef>
+              <a:buClr>
+                <a:srgbClr val="000000"/>
+              </a:buClr>
+              <a:buSzPct val="45000"/>
+              <a:buFont typeface="Wingdings" charset="2"/>
+              <a:buChar char=""/>
+            </a:pPr>
+            <a:r>
+              <a:rPr b="0" lang="en-US" sz="1800" spc="-1" strike="noStrike">
+                <a:latin typeface="Arial"/>
+              </a:rPr>
+              <a:t>Sixth Outline Level</a:t>
+            </a:r>
+            <a:endParaRPr b="0" lang="en-US" sz="1800" spc="-1" strike="noStrike">
+              <a:latin typeface="Arial"/>
+            </a:endParaRPr>
+          </a:p>
+          <a:p>
+            <a:pPr lvl="6" marL="3024000" indent="-216000">
+              <a:spcBef>
+                <a:spcPts val="283"/>
+              </a:spcBef>
+              <a:buClr>
+                <a:srgbClr val="000000"/>
+              </a:buClr>
+              <a:buSzPct val="45000"/>
+              <a:buFont typeface="Wingdings" charset="2"/>
+              <a:buChar char=""/>
+            </a:pPr>
+            <a:r>
+              <a:rPr b="0" lang="en-US" sz="1800" spc="-1" strike="noStrike">
+                <a:latin typeface="Arial"/>
+              </a:rPr>
+              <a:t>Seventh Outline Level</a:t>
+            </a:r>
+            <a:endParaRPr b="0" lang="en-US" sz="1800" spc="-1" strike="noStrike">
+              <a:latin typeface="Arial"/>
+            </a:endParaRPr>
+          </a:p>
+        </p:txBody>
+      </p:sp>
+    </p:spTree>
+  </p:cSld>
+  <p:clrMap bg1="lt1" bg2="lt2" tx1="dk1" tx2="dk2" accent1="accent1" accent2="accent2" accent3="accent3" accent4="accent4" accent5="accent5" accent6="accent6" hlink="hlink" folHlink="folHlink"/>
+  <p:sldLayoutIdLst>
+    <p:sldLayoutId id="2147483675" r:id="rId2"/>
+    <p:sldLayoutId id="2147483676" r:id="rId3"/>
+    <p:sldLayoutId id="2147483677" r:id="rId4"/>
+    <p:sldLayoutId id="2147483678" r:id="rId5"/>
+    <p:sldLayoutId id="2147483679" r:id="rId6"/>
+    <p:sldLayoutId id="2147483680" r:id="rId7"/>
+    <p:sldLayoutId id="2147483681" r:id="rId8"/>
+    <p:sldLayoutId id="2147483682" r:id="rId9"/>
+    <p:sldLayoutId id="2147483683" r:id="rId10"/>
+    <p:sldLayoutId id="2147483684" r:id="rId11"/>
+    <p:sldLayoutId id="2147483685" r:id="rId12"/>
+    <p:sldLayoutId id="2147483686" r:id="rId13"/>
   </p:sldLayoutIdLst>
 </p:sldMaster>
 </file>
@@ -1758,14 +4911,14 @@
       </p:grpSpPr>
       <p:sp>
         <p:nvSpPr>
-          <p:cNvPr id="41" name=""/>
-          <p:cNvSpPr txBox="1"/>
+          <p:cNvPr id="114" name=""/>
+          <p:cNvSpPr/>
           <p:nvPr/>
         </p:nvSpPr>
         <p:spPr>
           <a:xfrm>
             <a:off x="504000" y="226080"/>
-            <a:ext cx="9071640" cy="4388400"/>
+            <a:ext cx="9070920" cy="4387680"/>
           </a:xfrm>
           <a:prstGeom prst="rect">
             <a:avLst/>
@@ -1775,43 +4928,82 @@
             <a:noFill/>
           </a:ln>
         </p:spPr>
+        <p:style>
+          <a:lnRef idx="0"/>
+          <a:fillRef idx="0"/>
+          <a:effectRef idx="0"/>
+          <a:fontRef idx="minor"/>
+        </p:style>
         <p:txBody>
           <a:bodyPr lIns="0" rIns="0" tIns="0" bIns="0" anchor="ctr">
             <a:noAutofit/>
           </a:bodyPr>
           <a:p>
-            <a:pPr algn="ctr"/>
+            <a:pPr algn="ctr">
+              <a:lnSpc>
+                <a:spcPct val="100000"/>
+              </a:lnSpc>
+            </a:pPr>
             <a:r>
-              <a:rPr b="0" lang="en-US" sz="3200" spc="-1" strike="noStrike">
+              <a:rPr b="0" lang="en-US" sz="4800" spc="-1" strike="noStrike">
+                <a:solidFill>
+                  <a:srgbClr val="3d0c33"/>
+                </a:solidFill>
                 <a:latin typeface="Arial"/>
+                <a:ea typeface="DejaVu Sans"/>
               </a:rPr>
               <a:t>Interneta veikala datu uzskaites automatizēta sistēma</a:t>
             </a:r>
-            <a:endParaRPr b="0" lang="en-US" sz="3200" spc="-1" strike="noStrike">
-              <a:latin typeface="Arial"/>
-            </a:endParaRPr>
-          </a:p>
-          <a:p>
-            <a:pPr algn="ctr"/>
+            <a:endParaRPr b="0" lang="en-US" sz="4800" spc="-1" strike="noStrike">
+              <a:solidFill>
+                <a:srgbClr val="3d0c33"/>
+              </a:solidFill>
+              <a:latin typeface="Arial"/>
+            </a:endParaRPr>
+          </a:p>
+          <a:p>
+            <a:pPr algn="ctr">
+              <a:lnSpc>
+                <a:spcPct val="100000"/>
+              </a:lnSpc>
+            </a:pPr>
             <a:r>
               <a:rPr b="0" lang="en-US" sz="3200" spc="-1" strike="noStrike">
+                <a:solidFill>
+                  <a:srgbClr val="3d0c33"/>
+                </a:solidFill>
                 <a:latin typeface="Arial"/>
+                <a:ea typeface="DejaVu Sans"/>
               </a:rPr>
               <a:t>Deniss Štrombergs</a:t>
             </a:r>
             <a:endParaRPr b="0" lang="en-US" sz="3200" spc="-1" strike="noStrike">
-              <a:latin typeface="Arial"/>
-            </a:endParaRPr>
-          </a:p>
-          <a:p>
-            <a:pPr algn="ctr"/>
+              <a:solidFill>
+                <a:srgbClr val="3d0c33"/>
+              </a:solidFill>
+              <a:latin typeface="Arial"/>
+            </a:endParaRPr>
+          </a:p>
+          <a:p>
+            <a:pPr algn="ctr">
+              <a:lnSpc>
+                <a:spcPct val="100000"/>
+              </a:lnSpc>
+            </a:pPr>
             <a:r>
               <a:rPr b="0" lang="en-US" sz="3200" spc="-1" strike="noStrike">
+                <a:solidFill>
+                  <a:srgbClr val="3d0c33"/>
+                </a:solidFill>
                 <a:latin typeface="Arial"/>
+                <a:ea typeface="DejaVu Sans"/>
               </a:rPr>
               <a:t>2021</a:t>
             </a:r>
             <a:endParaRPr b="0" lang="en-US" sz="3200" spc="-1" strike="noStrike">
+              <a:solidFill>
+                <a:srgbClr val="3d0c33"/>
+              </a:solidFill>
               <a:latin typeface="Arial"/>
             </a:endParaRPr>
           </a:p>
@@ -1849,14 +5041,14 @@
       </p:grpSpPr>
       <p:sp>
         <p:nvSpPr>
-          <p:cNvPr id="42" name=""/>
-          <p:cNvSpPr txBox="1"/>
+          <p:cNvPr id="115" name=""/>
+          <p:cNvSpPr/>
           <p:nvPr/>
         </p:nvSpPr>
         <p:spPr>
           <a:xfrm>
             <a:off x="504000" y="226080"/>
-            <a:ext cx="9071640" cy="946440"/>
+            <a:ext cx="9070920" cy="945720"/>
           </a:xfrm>
           <a:prstGeom prst="rect">
             <a:avLst/>
@@ -1866,34 +5058,51 @@
             <a:noFill/>
           </a:ln>
         </p:spPr>
+        <p:style>
+          <a:lnRef idx="0"/>
+          <a:fillRef idx="0"/>
+          <a:effectRef idx="0"/>
+          <a:fontRef idx="minor"/>
+        </p:style>
         <p:txBody>
           <a:bodyPr lIns="0" rIns="0" tIns="0" bIns="0" anchor="ctr">
             <a:noAutofit/>
           </a:bodyPr>
           <a:p>
-            <a:pPr algn="ctr"/>
+            <a:pPr algn="ctr">
+              <a:lnSpc>
+                <a:spcPct val="100000"/>
+              </a:lnSpc>
+            </a:pPr>
             <a:r>
               <a:rPr b="0" lang="en-US" sz="4400" spc="-1" strike="noStrike">
+                <a:solidFill>
+                  <a:srgbClr val="3d0c33"/>
+                </a:solidFill>
                 <a:latin typeface="Arial"/>
+                <a:ea typeface="DejaVu Sans"/>
               </a:rPr>
               <a:t>Uzdevuma nostādne</a:t>
             </a:r>
             <a:endParaRPr b="0" lang="en-US" sz="4400" spc="-1" strike="noStrike">
-              <a:latin typeface="Arial"/>
-            </a:endParaRPr>
-          </a:p>
-        </p:txBody>
-      </p:sp>
-      <p:sp>
-        <p:nvSpPr>
-          <p:cNvPr id="43" name=""/>
-          <p:cNvSpPr txBox="1"/>
+              <a:solidFill>
+                <a:srgbClr val="3d0c33"/>
+              </a:solidFill>
+              <a:latin typeface="Arial"/>
+            </a:endParaRPr>
+          </a:p>
+        </p:txBody>
+      </p:sp>
+      <p:sp>
+        <p:nvSpPr>
+          <p:cNvPr id="116" name=""/>
+          <p:cNvSpPr/>
           <p:nvPr/>
         </p:nvSpPr>
         <p:spPr>
           <a:xfrm>
             <a:off x="504000" y="1326600"/>
-            <a:ext cx="9071640" cy="3288240"/>
+            <a:ext cx="9070920" cy="3287520"/>
           </a:xfrm>
           <a:prstGeom prst="rect">
             <a:avLst/>
@@ -1903,12 +5112,21 @@
             <a:noFill/>
           </a:ln>
         </p:spPr>
-        <p:txBody>
-          <a:bodyPr lIns="0" rIns="0" tIns="0" bIns="0">
-            <a:normAutofit/>
-          </a:bodyPr>
-          <a:p>
-            <a:pPr marL="432000" indent="-324000">
+        <p:style>
+          <a:lnRef idx="0"/>
+          <a:fillRef idx="0"/>
+          <a:effectRef idx="0"/>
+          <a:fontRef idx="minor"/>
+        </p:style>
+        <p:txBody>
+          <a:bodyPr lIns="0" rIns="0" tIns="0" bIns="0">
+            <a:normAutofit/>
+          </a:bodyPr>
+          <a:p>
+            <a:pPr marL="432000" indent="-323280">
+              <a:lnSpc>
+                <a:spcPct val="100000"/>
+              </a:lnSpc>
               <a:spcBef>
                 <a:spcPts val="1417"/>
               </a:spcBef>
@@ -1921,16 +5139,26 @@
             </a:pPr>
             <a:r>
               <a:rPr b="0" lang="en-US" sz="3200" spc="-1" strike="noStrike">
+                <a:solidFill>
+                  <a:srgbClr val="3d0c33"/>
+                </a:solidFill>
                 <a:latin typeface="Arial"/>
+                <a:ea typeface="DejaVu Sans"/>
               </a:rPr>
               <a:t>Izveidot interneta veikala sistēmu</a:t>
             </a:r>
             <a:endParaRPr b="0" lang="en-US" sz="3200" spc="-1" strike="noStrike">
-              <a:latin typeface="Arial"/>
-            </a:endParaRPr>
-          </a:p>
-          <a:p>
-            <a:pPr marL="432000" indent="-324000">
+              <a:solidFill>
+                <a:srgbClr val="3d0c33"/>
+              </a:solidFill>
+              <a:latin typeface="Arial"/>
+            </a:endParaRPr>
+          </a:p>
+          <a:p>
+            <a:pPr marL="432000" indent="-323280">
+              <a:lnSpc>
+                <a:spcPct val="100000"/>
+              </a:lnSpc>
               <a:spcBef>
                 <a:spcPts val="1417"/>
               </a:spcBef>
@@ -1943,16 +5171,26 @@
             </a:pPr>
             <a:r>
               <a:rPr b="0" lang="en-US" sz="3200" spc="-1" strike="noStrike">
+                <a:solidFill>
+                  <a:srgbClr val="3d0c33"/>
+                </a:solidFill>
                 <a:latin typeface="Arial"/>
+                <a:ea typeface="DejaVu Sans"/>
               </a:rPr>
               <a:t>Viesis</a:t>
             </a:r>
             <a:endParaRPr b="0" lang="en-US" sz="3200" spc="-1" strike="noStrike">
-              <a:latin typeface="Arial"/>
-            </a:endParaRPr>
-          </a:p>
-          <a:p>
-            <a:pPr marL="432000" indent="-324000">
+              <a:solidFill>
+                <a:srgbClr val="3d0c33"/>
+              </a:solidFill>
+              <a:latin typeface="Arial"/>
+            </a:endParaRPr>
+          </a:p>
+          <a:p>
+            <a:pPr marL="432000" indent="-323280">
+              <a:lnSpc>
+                <a:spcPct val="100000"/>
+              </a:lnSpc>
               <a:spcBef>
                 <a:spcPts val="1417"/>
               </a:spcBef>
@@ -1965,16 +5203,26 @@
             </a:pPr>
             <a:r>
               <a:rPr b="0" lang="en-US" sz="3200" spc="-1" strike="noStrike">
+                <a:solidFill>
+                  <a:srgbClr val="3d0c33"/>
+                </a:solidFill>
                 <a:latin typeface="Arial"/>
+                <a:ea typeface="DejaVu Sans"/>
               </a:rPr>
               <a:t>Administrātors</a:t>
             </a:r>
             <a:endParaRPr b="0" lang="en-US" sz="3200" spc="-1" strike="noStrike">
-              <a:latin typeface="Arial"/>
-            </a:endParaRPr>
-          </a:p>
-          <a:p>
-            <a:pPr marL="432000" indent="-324000">
+              <a:solidFill>
+                <a:srgbClr val="3d0c33"/>
+              </a:solidFill>
+              <a:latin typeface="Arial"/>
+            </a:endParaRPr>
+          </a:p>
+          <a:p>
+            <a:pPr marL="432000" indent="-323280">
+              <a:lnSpc>
+                <a:spcPct val="100000"/>
+              </a:lnSpc>
               <a:spcBef>
                 <a:spcPts val="1417"/>
               </a:spcBef>
@@ -1987,11 +5235,18 @@
             </a:pPr>
             <a:r>
               <a:rPr b="0" lang="en-US" sz="3200" spc="-1" strike="noStrike">
+                <a:solidFill>
+                  <a:srgbClr val="3d0c33"/>
+                </a:solidFill>
                 <a:latin typeface="Arial"/>
+                <a:ea typeface="DejaVu Sans"/>
               </a:rPr>
               <a:t>Klients</a:t>
             </a:r>
             <a:endParaRPr b="0" lang="en-US" sz="3200" spc="-1" strike="noStrike">
+              <a:solidFill>
+                <a:srgbClr val="3d0c33"/>
+              </a:solidFill>
               <a:latin typeface="Arial"/>
             </a:endParaRPr>
           </a:p>
@@ -2029,14 +5284,14 @@
       </p:grpSpPr>
       <p:sp>
         <p:nvSpPr>
-          <p:cNvPr id="44" name=""/>
-          <p:cNvSpPr txBox="1"/>
+          <p:cNvPr id="117" name=""/>
+          <p:cNvSpPr/>
           <p:nvPr/>
         </p:nvSpPr>
         <p:spPr>
           <a:xfrm>
             <a:off x="504000" y="226080"/>
-            <a:ext cx="9071640" cy="946440"/>
+            <a:ext cx="9070920" cy="945720"/>
           </a:xfrm>
           <a:prstGeom prst="rect">
             <a:avLst/>
@@ -2046,34 +5301,51 @@
             <a:noFill/>
           </a:ln>
         </p:spPr>
+        <p:style>
+          <a:lnRef idx="0"/>
+          <a:fillRef idx="0"/>
+          <a:effectRef idx="0"/>
+          <a:fontRef idx="minor"/>
+        </p:style>
         <p:txBody>
           <a:bodyPr lIns="0" rIns="0" tIns="0" bIns="0" anchor="ctr">
             <a:noAutofit/>
           </a:bodyPr>
           <a:p>
-            <a:pPr algn="ctr"/>
+            <a:pPr algn="ctr">
+              <a:lnSpc>
+                <a:spcPct val="100000"/>
+              </a:lnSpc>
+            </a:pPr>
             <a:r>
               <a:rPr b="0" lang="en-US" sz="4400" spc="-1" strike="noStrike">
+                <a:solidFill>
+                  <a:srgbClr val="3d0c33"/>
+                </a:solidFill>
                 <a:latin typeface="Arial"/>
+                <a:ea typeface="DejaVu Sans"/>
               </a:rPr>
               <a:t>Izmantotās izstrādes tehnoloģijas</a:t>
             </a:r>
             <a:endParaRPr b="0" lang="en-US" sz="4400" spc="-1" strike="noStrike">
-              <a:latin typeface="Arial"/>
-            </a:endParaRPr>
-          </a:p>
-        </p:txBody>
-      </p:sp>
-      <p:sp>
-        <p:nvSpPr>
-          <p:cNvPr id="45" name=""/>
-          <p:cNvSpPr txBox="1"/>
+              <a:solidFill>
+                <a:srgbClr val="3d0c33"/>
+              </a:solidFill>
+              <a:latin typeface="Arial"/>
+            </a:endParaRPr>
+          </a:p>
+        </p:txBody>
+      </p:sp>
+      <p:sp>
+        <p:nvSpPr>
+          <p:cNvPr id="118" name=""/>
+          <p:cNvSpPr/>
           <p:nvPr/>
         </p:nvSpPr>
         <p:spPr>
           <a:xfrm>
             <a:off x="504000" y="1326600"/>
-            <a:ext cx="9071640" cy="3288240"/>
+            <a:ext cx="9070920" cy="3287520"/>
           </a:xfrm>
           <a:prstGeom prst="rect">
             <a:avLst/>
@@ -2083,12 +5355,21 @@
             <a:noFill/>
           </a:ln>
         </p:spPr>
-        <p:txBody>
-          <a:bodyPr lIns="0" rIns="0" tIns="0" bIns="0">
-            <a:normAutofit fontScale="55000"/>
-          </a:bodyPr>
-          <a:p>
-            <a:pPr marL="432000" indent="-324000">
+        <p:style>
+          <a:lnRef idx="0"/>
+          <a:fillRef idx="0"/>
+          <a:effectRef idx="0"/>
+          <a:fontRef idx="minor"/>
+        </p:style>
+        <p:txBody>
+          <a:bodyPr lIns="0" rIns="0" tIns="0" bIns="0">
+            <a:normAutofit fontScale="54000"/>
+          </a:bodyPr>
+          <a:p>
+            <a:pPr marL="432000" indent="-323280">
+              <a:lnSpc>
+                <a:spcPct val="100000"/>
+              </a:lnSpc>
               <a:spcBef>
                 <a:spcPts val="1417"/>
               </a:spcBef>
@@ -2101,16 +5382,26 @@
             </a:pPr>
             <a:r>
               <a:rPr b="0" lang="en-US" sz="3200" spc="-1" strike="noStrike">
+                <a:solidFill>
+                  <a:srgbClr val="3d0c33"/>
+                </a:solidFill>
                 <a:latin typeface="Arial"/>
+                <a:ea typeface="DejaVu Sans"/>
               </a:rPr>
               <a:t>JavaScript</a:t>
             </a:r>
             <a:endParaRPr b="0" lang="en-US" sz="3200" spc="-1" strike="noStrike">
-              <a:latin typeface="Arial"/>
-            </a:endParaRPr>
-          </a:p>
-          <a:p>
-            <a:pPr marL="432000" indent="-324000">
+              <a:solidFill>
+                <a:srgbClr val="3d0c33"/>
+              </a:solidFill>
+              <a:latin typeface="Arial"/>
+            </a:endParaRPr>
+          </a:p>
+          <a:p>
+            <a:pPr marL="432000" indent="-323280">
+              <a:lnSpc>
+                <a:spcPct val="100000"/>
+              </a:lnSpc>
               <a:spcBef>
                 <a:spcPts val="1417"/>
               </a:spcBef>
@@ -2123,16 +5414,26 @@
             </a:pPr>
             <a:r>
               <a:rPr b="0" lang="en-US" sz="3200" spc="-1" strike="noStrike">
+                <a:solidFill>
+                  <a:srgbClr val="3d0c33"/>
+                </a:solidFill>
                 <a:latin typeface="Arial"/>
+                <a:ea typeface="DejaVu Sans"/>
               </a:rPr>
               <a:t>React</a:t>
             </a:r>
             <a:endParaRPr b="0" lang="en-US" sz="3200" spc="-1" strike="noStrike">
-              <a:latin typeface="Arial"/>
-            </a:endParaRPr>
-          </a:p>
-          <a:p>
-            <a:pPr marL="432000" indent="-324000">
+              <a:solidFill>
+                <a:srgbClr val="3d0c33"/>
+              </a:solidFill>
+              <a:latin typeface="Arial"/>
+            </a:endParaRPr>
+          </a:p>
+          <a:p>
+            <a:pPr marL="432000" indent="-323280">
+              <a:lnSpc>
+                <a:spcPct val="100000"/>
+              </a:lnSpc>
               <a:spcBef>
                 <a:spcPts val="1417"/>
               </a:spcBef>
@@ -2145,16 +5446,26 @@
             </a:pPr>
             <a:r>
               <a:rPr b="0" lang="en-US" sz="3200" spc="-1" strike="noStrike">
+                <a:solidFill>
+                  <a:srgbClr val="3d0c33"/>
+                </a:solidFill>
                 <a:latin typeface="Arial"/>
+                <a:ea typeface="DejaVu Sans"/>
               </a:rPr>
               <a:t>Material UI</a:t>
             </a:r>
             <a:endParaRPr b="0" lang="en-US" sz="3200" spc="-1" strike="noStrike">
-              <a:latin typeface="Arial"/>
-            </a:endParaRPr>
-          </a:p>
-          <a:p>
-            <a:pPr marL="432000" indent="-324000">
+              <a:solidFill>
+                <a:srgbClr val="3d0c33"/>
+              </a:solidFill>
+              <a:latin typeface="Arial"/>
+            </a:endParaRPr>
+          </a:p>
+          <a:p>
+            <a:pPr marL="432000" indent="-323280">
+              <a:lnSpc>
+                <a:spcPct val="100000"/>
+              </a:lnSpc>
               <a:spcBef>
                 <a:spcPts val="1417"/>
               </a:spcBef>
@@ -2167,16 +5478,26 @@
             </a:pPr>
             <a:r>
               <a:rPr b="0" lang="en-US" sz="3200" spc="-1" strike="noStrike">
+                <a:solidFill>
+                  <a:srgbClr val="3d0c33"/>
+                </a:solidFill>
                 <a:latin typeface="Arial"/>
+                <a:ea typeface="DejaVu Sans"/>
               </a:rPr>
               <a:t>React Admin</a:t>
             </a:r>
             <a:endParaRPr b="0" lang="en-US" sz="3200" spc="-1" strike="noStrike">
-              <a:latin typeface="Arial"/>
-            </a:endParaRPr>
-          </a:p>
-          <a:p>
-            <a:pPr marL="432000" indent="-324000">
+              <a:solidFill>
+                <a:srgbClr val="3d0c33"/>
+              </a:solidFill>
+              <a:latin typeface="Arial"/>
+            </a:endParaRPr>
+          </a:p>
+          <a:p>
+            <a:pPr marL="432000" indent="-323280">
+              <a:lnSpc>
+                <a:spcPct val="100000"/>
+              </a:lnSpc>
               <a:spcBef>
                 <a:spcPts val="1417"/>
               </a:spcBef>
@@ -2189,16 +5510,26 @@
             </a:pPr>
             <a:r>
               <a:rPr b="0" lang="en-US" sz="3200" spc="-1" strike="noStrike">
+                <a:solidFill>
+                  <a:srgbClr val="3d0c33"/>
+                </a:solidFill>
                 <a:latin typeface="Arial"/>
+                <a:ea typeface="DejaVu Sans"/>
               </a:rPr>
               <a:t>Node</a:t>
             </a:r>
             <a:endParaRPr b="0" lang="en-US" sz="3200" spc="-1" strike="noStrike">
-              <a:latin typeface="Arial"/>
-            </a:endParaRPr>
-          </a:p>
-          <a:p>
-            <a:pPr marL="432000" indent="-324000">
+              <a:solidFill>
+                <a:srgbClr val="3d0c33"/>
+              </a:solidFill>
+              <a:latin typeface="Arial"/>
+            </a:endParaRPr>
+          </a:p>
+          <a:p>
+            <a:pPr marL="432000" indent="-323280">
+              <a:lnSpc>
+                <a:spcPct val="100000"/>
+              </a:lnSpc>
               <a:spcBef>
                 <a:spcPts val="1417"/>
               </a:spcBef>
@@ -2211,16 +5542,26 @@
             </a:pPr>
             <a:r>
               <a:rPr b="0" lang="en-US" sz="3200" spc="-1" strike="noStrike">
+                <a:solidFill>
+                  <a:srgbClr val="3d0c33"/>
+                </a:solidFill>
                 <a:latin typeface="Arial"/>
+                <a:ea typeface="DejaVu Sans"/>
               </a:rPr>
               <a:t>Express</a:t>
             </a:r>
             <a:endParaRPr b="0" lang="en-US" sz="3200" spc="-1" strike="noStrike">
-              <a:latin typeface="Arial"/>
-            </a:endParaRPr>
-          </a:p>
-          <a:p>
-            <a:pPr marL="432000" indent="-324000">
+              <a:solidFill>
+                <a:srgbClr val="3d0c33"/>
+              </a:solidFill>
+              <a:latin typeface="Arial"/>
+            </a:endParaRPr>
+          </a:p>
+          <a:p>
+            <a:pPr marL="432000" indent="-323280">
+              <a:lnSpc>
+                <a:spcPct val="100000"/>
+              </a:lnSpc>
               <a:spcBef>
                 <a:spcPts val="1417"/>
               </a:spcBef>
@@ -2233,16 +5574,26 @@
             </a:pPr>
             <a:r>
               <a:rPr b="0" lang="en-US" sz="3200" spc="-1" strike="noStrike">
+                <a:solidFill>
+                  <a:srgbClr val="3d0c33"/>
+                </a:solidFill>
                 <a:latin typeface="Arial"/>
+                <a:ea typeface="DejaVu Sans"/>
               </a:rPr>
               <a:t>GraphQL</a:t>
             </a:r>
             <a:endParaRPr b="0" lang="en-US" sz="3200" spc="-1" strike="noStrike">
-              <a:latin typeface="Arial"/>
-            </a:endParaRPr>
-          </a:p>
-          <a:p>
-            <a:pPr marL="432000" indent="-324000">
+              <a:solidFill>
+                <a:srgbClr val="3d0c33"/>
+              </a:solidFill>
+              <a:latin typeface="Arial"/>
+            </a:endParaRPr>
+          </a:p>
+          <a:p>
+            <a:pPr marL="432000" indent="-323280">
+              <a:lnSpc>
+                <a:spcPct val="100000"/>
+              </a:lnSpc>
               <a:spcBef>
                 <a:spcPts val="1417"/>
               </a:spcBef>
@@ -2255,11 +5606,18 @@
             </a:pPr>
             <a:r>
               <a:rPr b="0" lang="en-US" sz="3200" spc="-1" strike="noStrike">
+                <a:solidFill>
+                  <a:srgbClr val="3d0c33"/>
+                </a:solidFill>
                 <a:latin typeface="Arial"/>
+                <a:ea typeface="DejaVu Sans"/>
               </a:rPr>
               <a:t>PostgreSQL</a:t>
             </a:r>
             <a:endParaRPr b="0" lang="en-US" sz="3200" spc="-1" strike="noStrike">
+              <a:solidFill>
+                <a:srgbClr val="3d0c33"/>
+              </a:solidFill>
               <a:latin typeface="Arial"/>
             </a:endParaRPr>
           </a:p>
@@ -2297,7 +5655,7 @@
       </p:grpSpPr>
       <p:pic>
         <p:nvPicPr>
-          <p:cNvPr id="46" name="" descr=""/>
+          <p:cNvPr id="119" name="" descr=""/>
           <p:cNvPicPr/>
           <p:nvPr/>
         </p:nvPicPr>
@@ -2307,8 +5665,8 @@
         </p:blipFill>
         <p:spPr>
           <a:xfrm>
-            <a:off x="1593000" y="193320"/>
-            <a:ext cx="7020720" cy="5176800"/>
+            <a:off x="1216800" y="14760"/>
+            <a:ext cx="7691040" cy="5670360"/>
           </a:xfrm>
           <a:prstGeom prst="rect">
             <a:avLst/>
@@ -2350,7 +5708,7 @@
       </p:grpSpPr>
       <p:pic>
         <p:nvPicPr>
-          <p:cNvPr id="47" name="" descr=""/>
+          <p:cNvPr id="120" name="" descr=""/>
           <p:cNvPicPr/>
           <p:nvPr/>
         </p:nvPicPr>
@@ -2360,8 +5718,8 @@
         </p:blipFill>
         <p:spPr>
           <a:xfrm>
-            <a:off x="1371600" y="57960"/>
-            <a:ext cx="7240320" cy="5612040"/>
+            <a:off x="1404720" y="14760"/>
+            <a:ext cx="7315200" cy="5670360"/>
           </a:xfrm>
           <a:prstGeom prst="rect">
             <a:avLst/>
@@ -2401,6 +5759,29 @@
           <a:chExt cx="0" cy="0"/>
         </a:xfrm>
       </p:grpSpPr>
+      <p:pic>
+        <p:nvPicPr>
+          <p:cNvPr id="121" name="" descr=""/>
+          <p:cNvPicPr/>
+          <p:nvPr/>
+        </p:nvPicPr>
+        <p:blipFill>
+          <a:blip r:embed="rId1"/>
+          <a:stretch/>
+        </p:blipFill>
+        <p:spPr>
+          <a:xfrm>
+            <a:off x="1415880" y="14760"/>
+            <a:ext cx="7292880" cy="5670360"/>
+          </a:xfrm>
+          <a:prstGeom prst="rect">
+            <a:avLst/>
+          </a:prstGeom>
+          <a:ln w="0">
+            <a:noFill/>
+          </a:ln>
+        </p:spPr>
+      </p:pic>
     </p:spTree>
   </p:cSld>
   <mc:AlternateContent>
@@ -2433,7 +5814,7 @@
       </p:grpSpPr>
       <p:pic>
         <p:nvPicPr>
-          <p:cNvPr id="48" name="" descr=""/>
+          <p:cNvPr id="122" name="" descr=""/>
           <p:cNvPicPr/>
           <p:nvPr/>
         </p:nvPicPr>
@@ -2444,7 +5825,7 @@
         <p:spPr>
           <a:xfrm>
             <a:off x="1180080" y="15120"/>
-            <a:ext cx="7764120" cy="5669640"/>
+            <a:ext cx="7763400" cy="5668920"/>
           </a:xfrm>
           <a:prstGeom prst="rect">
             <a:avLst/>
@@ -2484,29 +5865,124 @@
           <a:chExt cx="0" cy="0"/>
         </a:xfrm>
       </p:grpSpPr>
-      <p:pic>
-        <p:nvPicPr>
-          <p:cNvPr id="49" name="" descr=""/>
-          <p:cNvPicPr/>
+      <p:sp>
+        <p:nvSpPr>
+          <p:cNvPr id="123" name=""/>
+          <p:cNvSpPr/>
           <p:nvPr/>
-        </p:nvPicPr>
-        <p:blipFill>
-          <a:blip r:embed="rId1"/>
-          <a:stretch/>
-        </p:blipFill>
-        <p:spPr>
-          <a:xfrm>
-            <a:off x="1269360" y="15120"/>
-            <a:ext cx="7585920" cy="5669640"/>
-          </a:xfrm>
-          <a:prstGeom prst="rect">
-            <a:avLst/>
-          </a:prstGeom>
+        </p:nvSpPr>
+        <p:spPr>
+          <a:xfrm>
+            <a:off x="504000" y="226080"/>
+            <a:ext cx="9071640" cy="946080"/>
+          </a:xfrm>
+          <a:prstGeom prst="rect">
+            <a:avLst/>
+          </a:prstGeom>
+          <a:noFill/>
           <a:ln w="0">
             <a:noFill/>
           </a:ln>
         </p:spPr>
-      </p:pic>
+        <p:style>
+          <a:lnRef idx="0"/>
+          <a:fillRef idx="0"/>
+          <a:effectRef idx="0"/>
+          <a:fontRef idx="minor"/>
+        </p:style>
+        <p:txBody>
+          <a:bodyPr lIns="0" rIns="0" tIns="0" bIns="0" anchor="ctr">
+            <a:noAutofit/>
+          </a:bodyPr>
+          <a:p>
+            <a:pPr algn="ctr">
+              <a:lnSpc>
+                <a:spcPct val="100000"/>
+              </a:lnSpc>
+              <a:spcBef>
+                <a:spcPts val="1417"/>
+              </a:spcBef>
+            </a:pPr>
+            <a:r>
+              <a:rPr b="0" lang="en-US" sz="4400" spc="-1" strike="noStrike">
+                <a:solidFill>
+                  <a:srgbClr val="3d0c33"/>
+                </a:solidFill>
+                <a:latin typeface="Arial"/>
+              </a:rPr>
+              <a:t>Programmas galvenā loga attēls</a:t>
+            </a:r>
+            <a:endParaRPr b="0" lang="en-US" sz="4400" spc="-1" strike="noStrike">
+              <a:solidFill>
+                <a:srgbClr val="3d0c33"/>
+              </a:solidFill>
+              <a:latin typeface="Arial"/>
+            </a:endParaRPr>
+          </a:p>
+        </p:txBody>
+      </p:sp>
+      <p:sp>
+        <p:nvSpPr>
+          <p:cNvPr id="124" name=""/>
+          <p:cNvSpPr/>
+          <p:nvPr/>
+        </p:nvSpPr>
+        <p:spPr>
+          <a:xfrm>
+            <a:off x="504000" y="1326600"/>
+            <a:ext cx="9071640" cy="3288240"/>
+          </a:xfrm>
+          <a:prstGeom prst="rect">
+            <a:avLst/>
+          </a:prstGeom>
+          <a:noFill/>
+          <a:ln w="0">
+            <a:noFill/>
+          </a:ln>
+        </p:spPr>
+        <p:style>
+          <a:lnRef idx="0"/>
+          <a:fillRef idx="0"/>
+          <a:effectRef idx="0"/>
+          <a:fontRef idx="minor"/>
+        </p:style>
+        <p:txBody>
+          <a:bodyPr lIns="0" rIns="0" tIns="0" bIns="0">
+            <a:normAutofit/>
+          </a:bodyPr>
+          <a:p>
+            <a:pPr marL="432000" indent="-323640">
+              <a:lnSpc>
+                <a:spcPct val="100000"/>
+              </a:lnSpc>
+              <a:spcBef>
+                <a:spcPts val="1414"/>
+              </a:spcBef>
+              <a:buClr>
+                <a:srgbClr val="000000"/>
+              </a:buClr>
+              <a:buSzPct val="45000"/>
+              <a:buFont typeface="Wingdings" charset="2"/>
+              <a:buChar char=""/>
+            </a:pPr>
+            <a:r>
+              <a:rPr b="0" lang="en-US" sz="3200" spc="-1" strike="noStrike">
+                <a:solidFill>
+                  <a:srgbClr val="3d0c33"/>
+                </a:solidFill>
+                <a:latin typeface="Arial"/>
+              </a:rPr>
+              <a:t>Demonstrācija</a:t>
+            </a:r>
+            <a:endParaRPr b="0" lang="en-US" sz="3200" spc="-1" strike="noStrike">
+              <a:solidFill>
+                <a:srgbClr val="3d0c33"/>
+              </a:solidFill>
+              <a:latin typeface="Arial"/>
+            </a:endParaRPr>
+          </a:p>
+        </p:txBody>
+      </p:sp>
     </p:spTree>
   </p:cSld>
   <mc:AlternateContent>
@@ -2539,14 +6015,14 @@
       </p:grpSpPr>
       <p:sp>
         <p:nvSpPr>
-          <p:cNvPr id="50" name=""/>
-          <p:cNvSpPr txBox="1"/>
+          <p:cNvPr id="125" name=""/>
+          <p:cNvSpPr/>
           <p:nvPr/>
         </p:nvSpPr>
         <p:spPr>
           <a:xfrm>
             <a:off x="504000" y="226080"/>
-            <a:ext cx="9071640" cy="4388400"/>
+            <a:ext cx="9070920" cy="4387680"/>
           </a:xfrm>
           <a:prstGeom prst="rect">
             <a:avLst/>
@@ -2556,19 +6032,36 @@
             <a:noFill/>
           </a:ln>
         </p:spPr>
+        <p:style>
+          <a:lnRef idx="0"/>
+          <a:fillRef idx="0"/>
+          <a:effectRef idx="0"/>
+          <a:fontRef idx="minor"/>
+        </p:style>
         <p:txBody>
           <a:bodyPr lIns="0" rIns="0" tIns="0" bIns="0" anchor="ctr">
             <a:noAutofit/>
           </a:bodyPr>
           <a:p>
-            <a:pPr algn="ctr"/>
+            <a:pPr algn="ctr">
+              <a:lnSpc>
+                <a:spcPct val="100000"/>
+              </a:lnSpc>
+            </a:pPr>
             <a:r>
               <a:rPr b="0" lang="en-US" sz="6400" spc="-1" strike="noStrike">
+                <a:solidFill>
+                  <a:srgbClr val="3d0c33"/>
+                </a:solidFill>
                 <a:latin typeface="Arial"/>
+                <a:ea typeface="DejaVu Sans"/>
               </a:rPr>
               <a:t>Paldies par uzmanību!</a:t>
             </a:r>
             <a:endParaRPr b="0" lang="en-US" sz="6400" spc="-1" strike="noStrike">
+              <a:solidFill>
+                <a:srgbClr val="3d0c33"/>
+              </a:solidFill>
               <a:latin typeface="Arial"/>
             </a:endParaRPr>
           </a:p>
@@ -2811,4 +6304,456 @@
     </a:fmtScheme>
   </a:themeElements>
 </a:theme>
+</file>
+
+<file path=ppt/theme/theme2.xml><?xml version="1.0" encoding="utf-8"?>
+<a:theme xmlns:a="http://schemas.openxmlformats.org/drawingml/2006/main" name="Office Theme">
+  <a:themeElements>
+    <a:clrScheme name="Office">
+      <a:dk1>
+        <a:sysClr val="windowText" lastClr="000000"/>
+      </a:dk1>
+      <a:lt1>
+        <a:sysClr val="window" lastClr="FFFFFF"/>
+      </a:lt1>
+      <a:dk2>
+        <a:srgbClr val="1f497d"/>
+      </a:dk2>
+      <a:lt2>
+        <a:srgbClr val="eeece1"/>
+      </a:lt2>
+      <a:accent1>
+        <a:srgbClr val="4f81bd"/>
+      </a:accent1>
+      <a:accent2>
+        <a:srgbClr val="c0504d"/>
+      </a:accent2>
+      <a:accent3>
+        <a:srgbClr val="9bbb59"/>
+      </a:accent3>
+      <a:accent4>
+        <a:srgbClr val="8064a2"/>
+      </a:accent4>
+      <a:accent5>
+        <a:srgbClr val="4bacc6"/>
+      </a:accent5>
+      <a:accent6>
+        <a:srgbClr val="f79646"/>
+      </a:accent6>
+      <a:hlink>
+        <a:srgbClr val="0000ff"/>
+      </a:hlink>
+      <a:folHlink>
+        <a:srgbClr val="800080"/>
+      </a:folHlink>
+    </a:clrScheme>
+    <a:fontScheme name="Office">
+      <a:majorFont>
+        <a:latin typeface="Arial"/>
+        <a:ea typeface="DejaVu Sans"/>
+        <a:cs typeface="DejaVu Sans"/>
+      </a:majorFont>
+      <a:minorFont>
+        <a:latin typeface="Arial"/>
+        <a:ea typeface="DejaVu Sans"/>
+        <a:cs typeface="DejaVu Sans"/>
+      </a:minorFont>
+    </a:fontScheme>
+    <a:fmtScheme name="Office">
+      <a:fillStyleLst>
+        <a:solidFill>
+          <a:schemeClr val="phClr"/>
+        </a:solidFill>
+        <a:gradFill rotWithShape="1">
+          <a:gsLst>
+            <a:gs pos="0">
+              <a:schemeClr val="phClr">
+                <a:tint val="50000"/>
+                <a:satMod val="300000"/>
+              </a:schemeClr>
+            </a:gs>
+            <a:gs pos="35000">
+              <a:schemeClr val="phClr">
+                <a:tint val="37000"/>
+                <a:satMod val="300000"/>
+              </a:schemeClr>
+            </a:gs>
+            <a:gs pos="100000">
+              <a:schemeClr val="phClr">
+                <a:tint val="15000"/>
+                <a:satMod val="350000"/>
+              </a:schemeClr>
+            </a:gs>
+          </a:gsLst>
+          <a:lin ang="16200000" scaled="1"/>
+        </a:gradFill>
+        <a:gradFill rotWithShape="1">
+          <a:gsLst>
+            <a:gs pos="0">
+              <a:schemeClr val="phClr">
+                <a:shade val="51000"/>
+                <a:satMod val="130000"/>
+              </a:schemeClr>
+            </a:gs>
+            <a:gs pos="80000">
+              <a:schemeClr val="phClr">
+                <a:shade val="93000"/>
+                <a:satMod val="130000"/>
+              </a:schemeClr>
+            </a:gs>
+            <a:gs pos="100000">
+              <a:schemeClr val="phClr">
+                <a:shade val="94000"/>
+                <a:satMod val="135000"/>
+              </a:schemeClr>
+            </a:gs>
+          </a:gsLst>
+          <a:lin ang="16200000" scaled="0"/>
+        </a:gradFill>
+      </a:fillStyleLst>
+      <a:lnStyleLst>
+        <a:ln w="9525" cap="flat" cmpd="sng" algn="ctr">
+          <a:solidFill>
+            <a:schemeClr val="phClr">
+              <a:shade val="95000"/>
+              <a:satMod val="105000"/>
+            </a:schemeClr>
+          </a:solidFill>
+          <a:prstDash val="solid"/>
+          <a:miter/>
+        </a:ln>
+        <a:ln w="25400" cap="flat" cmpd="sng" algn="ctr">
+          <a:solidFill>
+            <a:schemeClr val="phClr"/>
+          </a:solidFill>
+          <a:prstDash val="solid"/>
+          <a:miter/>
+        </a:ln>
+        <a:ln w="38100" cap="flat" cmpd="sng" algn="ctr">
+          <a:solidFill>
+            <a:schemeClr val="phClr"/>
+          </a:solidFill>
+          <a:prstDash val="solid"/>
+          <a:miter/>
+        </a:ln>
+      </a:lnStyleLst>
+      <a:effectStyleLst>
+        <a:effectStyle>
+          <a:effectLst>
+            <a:outerShdw blurRad="40000" dist="20000" dir="5400000" rotWithShape="0">
+              <a:srgbClr val="000000">
+                <a:alpha val="38000"/>
+              </a:srgbClr>
+            </a:outerShdw>
+          </a:effectLst>
+        </a:effectStyle>
+        <a:effectStyle>
+          <a:effectLst>
+            <a:outerShdw blurRad="40000" dist="23000" dir="5400000" rotWithShape="0">
+              <a:srgbClr val="000000">
+                <a:alpha val="35000"/>
+              </a:srgbClr>
+            </a:outerShdw>
+          </a:effectLst>
+        </a:effectStyle>
+        <a:effectStyle>
+          <a:effectLst>
+            <a:outerShdw blurRad="40000" dist="23000" dir="5400000" rotWithShape="0">
+              <a:srgbClr val="000000">
+                <a:alpha val="35000"/>
+              </a:srgbClr>
+            </a:outerShdw>
+          </a:effectLst>
+          <a:scene3d>
+            <a:camera prst="orthographicFront">
+              <a:rot lat="0" lon="0" rev="0"/>
+            </a:camera>
+            <a:lightRig rig="threePt" dir="t">
+              <a:rot lat="0" lon="0" rev="1200000"/>
+            </a:lightRig>
+          </a:scene3d>
+          <a:sp3d>
+            <a:bevelT w="63500" h="25400"/>
+          </a:sp3d>
+        </a:effectStyle>
+      </a:effectStyleLst>
+      <a:bgFillStyleLst>
+        <a:solidFill>
+          <a:schemeClr val="phClr"/>
+        </a:solidFill>
+        <a:gradFill rotWithShape="1">
+          <a:gsLst>
+            <a:gs pos="0">
+              <a:schemeClr val="phClr">
+                <a:tint val="40000"/>
+                <a:satMod val="350000"/>
+              </a:schemeClr>
+            </a:gs>
+            <a:gs pos="40000">
+              <a:schemeClr val="phClr">
+                <a:tint val="45000"/>
+                <a:shade val="99000"/>
+                <a:satMod val="350000"/>
+              </a:schemeClr>
+            </a:gs>
+            <a:gs pos="100000">
+              <a:schemeClr val="phClr">
+                <a:shade val="20000"/>
+                <a:satMod val="255000"/>
+              </a:schemeClr>
+            </a:gs>
+          </a:gsLst>
+          <a:path path="circle">
+            <a:fillToRect l="50000" t="-80000" r="50000" b="180000"/>
+          </a:path>
+        </a:gradFill>
+        <a:gradFill rotWithShape="1">
+          <a:gsLst>
+            <a:gs pos="0">
+              <a:schemeClr val="phClr">
+                <a:tint val="80000"/>
+                <a:satMod val="300000"/>
+              </a:schemeClr>
+            </a:gs>
+            <a:gs pos="100000">
+              <a:schemeClr val="phClr">
+                <a:shade val="30000"/>
+                <a:satMod val="200000"/>
+              </a:schemeClr>
+            </a:gs>
+          </a:gsLst>
+          <a:path path="circle">
+            <a:fillToRect l="50000" t="50000" r="50000" b="50000"/>
+          </a:path>
+        </a:gradFill>
+      </a:bgFillStyleLst>
+    </a:fmtScheme>
+  </a:themeElements>
+</a:theme>
+</file>
+
+<file path=ppt/theme/theme3.xml><?xml version="1.0" encoding="utf-8"?>
+<a:theme xmlns:a="http://schemas.openxmlformats.org/drawingml/2006/main" name="Office Theme">
+  <a:themeElements>
+    <a:clrScheme name="Office">
+      <a:dk1>
+        <a:sysClr val="windowText" lastClr="000000"/>
+      </a:dk1>
+      <a:lt1>
+        <a:sysClr val="window" lastClr="FFFFFF"/>
+      </a:lt1>
+      <a:dk2>
+        <a:srgbClr val="1f497d"/>
+      </a:dk2>
+      <a:lt2>
+        <a:srgbClr val="eeece1"/>
+      </a:lt2>
+      <a:accent1>
+        <a:srgbClr val="4f81bd"/>
+      </a:accent1>
+      <a:accent2>
+        <a:srgbClr val="c0504d"/>
+      </a:accent2>
+      <a:accent3>
+        <a:srgbClr val="9bbb59"/>
+      </a:accent3>
+      <a:accent4>
+        <a:srgbClr val="8064a2"/>
+      </a:accent4>
+      <a:accent5>
+        <a:srgbClr val="4bacc6"/>
+      </a:accent5>
+      <a:accent6>
+        <a:srgbClr val="f79646"/>
+      </a:accent6>
+      <a:hlink>
+        <a:srgbClr val="0000ff"/>
+      </a:hlink>
+      <a:folHlink>
+        <a:srgbClr val="800080"/>
+      </a:folHlink>
+    </a:clrScheme>
+    <a:fontScheme name="Office">
+      <a:majorFont>
+        <a:latin typeface="Arial"/>
+        <a:ea typeface="DejaVu Sans"/>
+        <a:cs typeface="DejaVu Sans"/>
+      </a:majorFont>
+      <a:minorFont>
+        <a:latin typeface="Arial"/>
+        <a:ea typeface="DejaVu Sans"/>
+        <a:cs typeface="DejaVu Sans"/>
+      </a:minorFont>
+    </a:fontScheme>
+    <a:fmtScheme name="Office">
+      <a:fillStyleLst>
+        <a:solidFill>
+          <a:schemeClr val="phClr"/>
+        </a:solidFill>
+        <a:gradFill rotWithShape="1">
+          <a:gsLst>
+            <a:gs pos="0">
+              <a:schemeClr val="phClr">
+                <a:tint val="50000"/>
+                <a:satMod val="300000"/>
+              </a:schemeClr>
+            </a:gs>
+            <a:gs pos="35000">
+              <a:schemeClr val="phClr">
+                <a:tint val="37000"/>
+                <a:satMod val="300000"/>
+              </a:schemeClr>
+            </a:gs>
+            <a:gs pos="100000">
+              <a:schemeClr val="phClr">
+                <a:tint val="15000"/>
+                <a:satMod val="350000"/>
+              </a:schemeClr>
+            </a:gs>
+          </a:gsLst>
+          <a:lin ang="16200000" scaled="1"/>
+        </a:gradFill>
+        <a:gradFill rotWithShape="1">
+          <a:gsLst>
+            <a:gs pos="0">
+              <a:schemeClr val="phClr">
+                <a:shade val="51000"/>
+                <a:satMod val="130000"/>
+              </a:schemeClr>
+            </a:gs>
+            <a:gs pos="80000">
+              <a:schemeClr val="phClr">
+                <a:shade val="93000"/>
+                <a:satMod val="130000"/>
+              </a:schemeClr>
+            </a:gs>
+            <a:gs pos="100000">
+              <a:schemeClr val="phClr">
+                <a:shade val="94000"/>
+                <a:satMod val="135000"/>
+              </a:schemeClr>
+            </a:gs>
+          </a:gsLst>
+          <a:lin ang="16200000" scaled="0"/>
+        </a:gradFill>
+      </a:fillStyleLst>
+      <a:lnStyleLst>
+        <a:ln w="9525" cap="flat" cmpd="sng" algn="ctr">
+          <a:solidFill>
+            <a:schemeClr val="phClr">
+              <a:shade val="95000"/>
+              <a:satMod val="105000"/>
+            </a:schemeClr>
+          </a:solidFill>
+          <a:prstDash val="solid"/>
+          <a:miter/>
+        </a:ln>
+        <a:ln w="25400" cap="flat" cmpd="sng" algn="ctr">
+          <a:solidFill>
+            <a:schemeClr val="phClr"/>
+          </a:solidFill>
+          <a:prstDash val="solid"/>
+          <a:miter/>
+        </a:ln>
+        <a:ln w="38100" cap="flat" cmpd="sng" algn="ctr">
+          <a:solidFill>
+            <a:schemeClr val="phClr"/>
+          </a:solidFill>
+          <a:prstDash val="solid"/>
+          <a:miter/>
+        </a:ln>
+      </a:lnStyleLst>
+      <a:effectStyleLst>
+        <a:effectStyle>
+          <a:effectLst>
+            <a:outerShdw blurRad="40000" dist="20000" dir="5400000" rotWithShape="0">
+              <a:srgbClr val="000000">
+                <a:alpha val="38000"/>
+              </a:srgbClr>
+            </a:outerShdw>
+          </a:effectLst>
+        </a:effectStyle>
+        <a:effectStyle>
+          <a:effectLst>
+            <a:outerShdw blurRad="40000" dist="23000" dir="5400000" rotWithShape="0">
+              <a:srgbClr val="000000">
+                <a:alpha val="35000"/>
+              </a:srgbClr>
+            </a:outerShdw>
+          </a:effectLst>
+        </a:effectStyle>
+        <a:effectStyle>
+          <a:effectLst>
+            <a:outerShdw blurRad="40000" dist="23000" dir="5400000" rotWithShape="0">
+              <a:srgbClr val="000000">
+                <a:alpha val="35000"/>
+              </a:srgbClr>
+            </a:outerShdw>
+          </a:effectLst>
+          <a:scene3d>
+            <a:camera prst="orthographicFront">
+              <a:rot lat="0" lon="0" rev="0"/>
+            </a:camera>
+            <a:lightRig rig="threePt" dir="t">
+              <a:rot lat="0" lon="0" rev="1200000"/>
+            </a:lightRig>
+          </a:scene3d>
+          <a:sp3d>
+            <a:bevelT w="63500" h="25400"/>
+          </a:sp3d>
+        </a:effectStyle>
+      </a:effectStyleLst>
+      <a:bgFillStyleLst>
+        <a:solidFill>
+          <a:schemeClr val="phClr"/>
+        </a:solidFill>
+        <a:gradFill rotWithShape="1">
+          <a:gsLst>
+            <a:gs pos="0">
+              <a:schemeClr val="phClr">
+                <a:tint val="40000"/>
+                <a:satMod val="350000"/>
+              </a:schemeClr>
+            </a:gs>
+            <a:gs pos="40000">
+              <a:schemeClr val="phClr">
+                <a:tint val="45000"/>
+                <a:shade val="99000"/>
+                <a:satMod val="350000"/>
+              </a:schemeClr>
+            </a:gs>
+            <a:gs pos="100000">
+              <a:schemeClr val="phClr">
+                <a:shade val="20000"/>
+                <a:satMod val="255000"/>
+              </a:schemeClr>
+            </a:gs>
+          </a:gsLst>
+          <a:path path="circle">
+            <a:fillToRect l="50000" t="-80000" r="50000" b="180000"/>
+          </a:path>
+        </a:gradFill>
+        <a:gradFill rotWithShape="1">
+          <a:gsLst>
+            <a:gs pos="0">
+              <a:schemeClr val="phClr">
+                <a:tint val="80000"/>
+                <a:satMod val="300000"/>
+              </a:schemeClr>
+            </a:gs>
+            <a:gs pos="100000">
+              <a:schemeClr val="phClr">
+                <a:shade val="30000"/>
+                <a:satMod val="200000"/>
+              </a:schemeClr>
+            </a:gs>
+          </a:gsLst>
+          <a:path path="circle">
+            <a:fillToRect l="50000" t="50000" r="50000" b="50000"/>
+          </a:path>
+        </a:gradFill>
+      </a:bgFillStyleLst>
+    </a:fmtScheme>
+  </a:themeElements>
+</a:theme>
 </file>
--- a/documentation/presentation.pptx
+++ b/documentation/presentation.pptx
@@ -4403,7 +4403,7 @@
         <p:spPr>
           <a:xfrm>
             <a:off x="504000" y="226080"/>
-            <a:ext cx="9072000" cy="946080"/>
+            <a:ext cx="9071640" cy="946080"/>
           </a:xfrm>
           <a:prstGeom prst="rect">
             <a:avLst/>
@@ -4670,7 +4670,7 @@
         <p:spPr>
           <a:xfrm>
             <a:off x="504000" y="226080"/>
-            <a:ext cx="9072000" cy="946080"/>
+            <a:ext cx="9072000" cy="946440"/>
           </a:xfrm>
           <a:prstGeom prst="rect">
             <a:avLst/>
@@ -4681,13 +4681,14 @@
             <a:noAutofit/>
           </a:bodyPr>
           <a:p>
+            <a:pPr algn="ctr"/>
             <a:r>
-              <a:rPr b="0" lang="en-US" sz="1800" spc="-1" strike="noStrike">
+              <a:rPr b="0" lang="en-US" sz="4400" spc="-1" strike="noStrike">
                 <a:latin typeface="Arial"/>
               </a:rPr>
               <a:t>Click to edit the title text format</a:t>
             </a:r>
-            <a:endParaRPr b="0" lang="en-US" sz="1800" spc="-1" strike="noStrike">
+            <a:endParaRPr b="0" lang="en-US" sz="4400" spc="-1" strike="noStrike">
               <a:latin typeface="Arial"/>
             </a:endParaRPr>
           </a:p>
@@ -4706,7 +4707,7 @@
         <p:spPr>
           <a:xfrm>
             <a:off x="504000" y="1326600"/>
-            <a:ext cx="9072000" cy="3288240"/>
+            <a:ext cx="9072000" cy="3288600"/>
           </a:xfrm>
           <a:prstGeom prst="rect">
             <a:avLst/>
@@ -4729,12 +4730,12 @@
               <a:buChar char=""/>
             </a:pPr>
             <a:r>
-              <a:rPr b="0" lang="en-US" sz="1800" spc="-1" strike="noStrike">
+              <a:rPr b="0" lang="en-US" sz="3200" spc="-1" strike="noStrike">
                 <a:latin typeface="Arial"/>
               </a:rPr>
               <a:t>Click to edit the outline text format</a:t>
             </a:r>
-            <a:endParaRPr b="0" lang="en-US" sz="1800" spc="-1" strike="noStrike">
+            <a:endParaRPr b="0" lang="en-US" sz="3200" spc="-1" strike="noStrike">
               <a:latin typeface="Arial"/>
             </a:endParaRPr>
           </a:p>
@@ -4751,12 +4752,12 @@
               <a:buChar char=""/>
             </a:pPr>
             <a:r>
-              <a:rPr b="0" lang="en-US" sz="1800" spc="-1" strike="noStrike">
+              <a:rPr b="0" lang="en-US" sz="2800" spc="-1" strike="noStrike">
                 <a:latin typeface="Arial"/>
               </a:rPr>
               <a:t>Second Outline Level</a:t>
             </a:r>
-            <a:endParaRPr b="0" lang="en-US" sz="1800" spc="-1" strike="noStrike">
+            <a:endParaRPr b="0" lang="en-US" sz="2800" spc="-1" strike="noStrike">
               <a:latin typeface="Arial"/>
             </a:endParaRPr>
           </a:p>
@@ -4773,12 +4774,12 @@
               <a:buChar char=""/>
             </a:pPr>
             <a:r>
-              <a:rPr b="0" lang="en-US" sz="1800" spc="-1" strike="noStrike">
+              <a:rPr b="0" lang="en-US" sz="2400" spc="-1" strike="noStrike">
                 <a:latin typeface="Arial"/>
               </a:rPr>
               <a:t>Third Outline Level</a:t>
             </a:r>
-            <a:endParaRPr b="0" lang="en-US" sz="1800" spc="-1" strike="noStrike">
+            <a:endParaRPr b="0" lang="en-US" sz="2400" spc="-1" strike="noStrike">
               <a:latin typeface="Arial"/>
             </a:endParaRPr>
           </a:p>
@@ -4795,12 +4796,12 @@
               <a:buChar char=""/>
             </a:pPr>
             <a:r>
-              <a:rPr b="0" lang="en-US" sz="1800" spc="-1" strike="noStrike">
+              <a:rPr b="0" lang="en-US" sz="2000" spc="-1" strike="noStrike">
                 <a:latin typeface="Arial"/>
               </a:rPr>
               <a:t>Fourth Outline Level</a:t>
             </a:r>
-            <a:endParaRPr b="0" lang="en-US" sz="1800" spc="-1" strike="noStrike">
+            <a:endParaRPr b="0" lang="en-US" sz="2000" spc="-1" strike="noStrike">
               <a:latin typeface="Arial"/>
             </a:endParaRPr>
           </a:p>
@@ -4817,12 +4818,12 @@
               <a:buChar char=""/>
             </a:pPr>
             <a:r>
-              <a:rPr b="0" lang="en-US" sz="1800" spc="-1" strike="noStrike">
+              <a:rPr b="0" lang="en-US" sz="2000" spc="-1" strike="noStrike">
                 <a:latin typeface="Arial"/>
               </a:rPr>
               <a:t>Fifth Outline Level</a:t>
             </a:r>
-            <a:endParaRPr b="0" lang="en-US" sz="1800" spc="-1" strike="noStrike">
+            <a:endParaRPr b="0" lang="en-US" sz="2000" spc="-1" strike="noStrike">
               <a:latin typeface="Arial"/>
             </a:endParaRPr>
           </a:p>
@@ -4839,12 +4840,12 @@
               <a:buChar char=""/>
             </a:pPr>
             <a:r>
-              <a:rPr b="0" lang="en-US" sz="1800" spc="-1" strike="noStrike">
+              <a:rPr b="0" lang="en-US" sz="2000" spc="-1" strike="noStrike">
                 <a:latin typeface="Arial"/>
               </a:rPr>
               <a:t>Sixth Outline Level</a:t>
             </a:r>
-            <a:endParaRPr b="0" lang="en-US" sz="1800" spc="-1" strike="noStrike">
+            <a:endParaRPr b="0" lang="en-US" sz="2000" spc="-1" strike="noStrike">
               <a:latin typeface="Arial"/>
             </a:endParaRPr>
           </a:p>
@@ -4861,12 +4862,12 @@
               <a:buChar char=""/>
             </a:pPr>
             <a:r>
-              <a:rPr b="0" lang="en-US" sz="1800" spc="-1" strike="noStrike">
+              <a:rPr b="0" lang="en-US" sz="2000" spc="-1" strike="noStrike">
                 <a:latin typeface="Arial"/>
               </a:rPr>
               <a:t>Seventh Outline Level</a:t>
             </a:r>
-            <a:endParaRPr b="0" lang="en-US" sz="1800" spc="-1" strike="noStrike">
+            <a:endParaRPr b="0" lang="en-US" sz="2000" spc="-1" strike="noStrike">
               <a:latin typeface="Arial"/>
             </a:endParaRPr>
           </a:p>
@@ -4918,7 +4919,7 @@
         <p:spPr>
           <a:xfrm>
             <a:off x="504000" y="226080"/>
-            <a:ext cx="9070920" cy="4387680"/>
+            <a:ext cx="9070560" cy="4387320"/>
           </a:xfrm>
           <a:prstGeom prst="rect">
             <a:avLst/>
@@ -4955,9 +4956,6 @@
               <a:t>Interneta veikala datu uzskaites automatizēta sistēma</a:t>
             </a:r>
             <a:endParaRPr b="0" lang="en-US" sz="4800" spc="-1" strike="noStrike">
-              <a:solidFill>
-                <a:srgbClr val="3d0c33"/>
-              </a:solidFill>
               <a:latin typeface="Arial"/>
             </a:endParaRPr>
           </a:p>
@@ -4978,9 +4976,6 @@
               <a:t>Deniss Štrombergs</a:t>
             </a:r>
             <a:endParaRPr b="0" lang="en-US" sz="3200" spc="-1" strike="noStrike">
-              <a:solidFill>
-                <a:srgbClr val="3d0c33"/>
-              </a:solidFill>
               <a:latin typeface="Arial"/>
             </a:endParaRPr>
           </a:p>
@@ -5001,9 +4996,6 @@
               <a:t>2021</a:t>
             </a:r>
             <a:endParaRPr b="0" lang="en-US" sz="3200" spc="-1" strike="noStrike">
-              <a:solidFill>
-                <a:srgbClr val="3d0c33"/>
-              </a:solidFill>
               <a:latin typeface="Arial"/>
             </a:endParaRPr>
           </a:p>
@@ -5048,7 +5040,7 @@
         <p:spPr>
           <a:xfrm>
             <a:off x="504000" y="226080"/>
-            <a:ext cx="9070920" cy="945720"/>
+            <a:ext cx="9070560" cy="945360"/>
           </a:xfrm>
           <a:prstGeom prst="rect">
             <a:avLst/>
@@ -5085,9 +5077,6 @@
               <a:t>Uzdevuma nostādne</a:t>
             </a:r>
             <a:endParaRPr b="0" lang="en-US" sz="4400" spc="-1" strike="noStrike">
-              <a:solidFill>
-                <a:srgbClr val="3d0c33"/>
-              </a:solidFill>
               <a:latin typeface="Arial"/>
             </a:endParaRPr>
           </a:p>
@@ -5102,7 +5091,7 @@
         <p:spPr>
           <a:xfrm>
             <a:off x="504000" y="1326600"/>
-            <a:ext cx="9070920" cy="3287520"/>
+            <a:ext cx="9070560" cy="3287160"/>
           </a:xfrm>
           <a:prstGeom prst="rect">
             <a:avLst/>
@@ -5123,7 +5112,7 @@
             <a:normAutofit/>
           </a:bodyPr>
           <a:p>
-            <a:pPr marL="432000" indent="-323280">
+            <a:pPr marL="432000" indent="-322920">
               <a:lnSpc>
                 <a:spcPct val="100000"/>
               </a:lnSpc>
@@ -5148,14 +5137,11 @@
               <a:t>Izveidot interneta veikala sistēmu</a:t>
             </a:r>
             <a:endParaRPr b="0" lang="en-US" sz="3200" spc="-1" strike="noStrike">
-              <a:solidFill>
-                <a:srgbClr val="3d0c33"/>
-              </a:solidFill>
-              <a:latin typeface="Arial"/>
-            </a:endParaRPr>
-          </a:p>
-          <a:p>
-            <a:pPr marL="432000" indent="-323280">
+              <a:latin typeface="Arial"/>
+            </a:endParaRPr>
+          </a:p>
+          <a:p>
+            <a:pPr marL="432000" indent="-322920">
               <a:lnSpc>
                 <a:spcPct val="100000"/>
               </a:lnSpc>
@@ -5180,14 +5166,11 @@
               <a:t>Viesis</a:t>
             </a:r>
             <a:endParaRPr b="0" lang="en-US" sz="3200" spc="-1" strike="noStrike">
-              <a:solidFill>
-                <a:srgbClr val="3d0c33"/>
-              </a:solidFill>
-              <a:latin typeface="Arial"/>
-            </a:endParaRPr>
-          </a:p>
-          <a:p>
-            <a:pPr marL="432000" indent="-323280">
+              <a:latin typeface="Arial"/>
+            </a:endParaRPr>
+          </a:p>
+          <a:p>
+            <a:pPr marL="432000" indent="-322920">
               <a:lnSpc>
                 <a:spcPct val="100000"/>
               </a:lnSpc>
@@ -5212,14 +5195,11 @@
               <a:t>Administrātors</a:t>
             </a:r>
             <a:endParaRPr b="0" lang="en-US" sz="3200" spc="-1" strike="noStrike">
-              <a:solidFill>
-                <a:srgbClr val="3d0c33"/>
-              </a:solidFill>
-              <a:latin typeface="Arial"/>
-            </a:endParaRPr>
-          </a:p>
-          <a:p>
-            <a:pPr marL="432000" indent="-323280">
+              <a:latin typeface="Arial"/>
+            </a:endParaRPr>
+          </a:p>
+          <a:p>
+            <a:pPr marL="432000" indent="-322920">
               <a:lnSpc>
                 <a:spcPct val="100000"/>
               </a:lnSpc>
@@ -5244,9 +5224,6 @@
               <a:t>Klients</a:t>
             </a:r>
             <a:endParaRPr b="0" lang="en-US" sz="3200" spc="-1" strike="noStrike">
-              <a:solidFill>
-                <a:srgbClr val="3d0c33"/>
-              </a:solidFill>
               <a:latin typeface="Arial"/>
             </a:endParaRPr>
           </a:p>
@@ -5291,7 +5268,7 @@
         <p:spPr>
           <a:xfrm>
             <a:off x="504000" y="226080"/>
-            <a:ext cx="9070920" cy="945720"/>
+            <a:ext cx="9070560" cy="945360"/>
           </a:xfrm>
           <a:prstGeom prst="rect">
             <a:avLst/>
@@ -5328,9 +5305,6 @@
               <a:t>Izmantotās izstrādes tehnoloģijas</a:t>
             </a:r>
             <a:endParaRPr b="0" lang="en-US" sz="4400" spc="-1" strike="noStrike">
-              <a:solidFill>
-                <a:srgbClr val="3d0c33"/>
-              </a:solidFill>
               <a:latin typeface="Arial"/>
             </a:endParaRPr>
           </a:p>
@@ -5345,7 +5319,7 @@
         <p:spPr>
           <a:xfrm>
             <a:off x="504000" y="1326600"/>
-            <a:ext cx="9070920" cy="3287520"/>
+            <a:ext cx="9070560" cy="3287160"/>
           </a:xfrm>
           <a:prstGeom prst="rect">
             <a:avLst/>
@@ -5366,7 +5340,7 @@
             <a:normAutofit fontScale="54000"/>
           </a:bodyPr>
           <a:p>
-            <a:pPr marL="432000" indent="-323280">
+            <a:pPr marL="432000" indent="-322920">
               <a:lnSpc>
                 <a:spcPct val="100000"/>
               </a:lnSpc>
@@ -5391,14 +5365,11 @@
               <a:t>JavaScript</a:t>
             </a:r>
             <a:endParaRPr b="0" lang="en-US" sz="3200" spc="-1" strike="noStrike">
-              <a:solidFill>
-                <a:srgbClr val="3d0c33"/>
-              </a:solidFill>
-              <a:latin typeface="Arial"/>
-            </a:endParaRPr>
-          </a:p>
-          <a:p>
-            <a:pPr marL="432000" indent="-323280">
+              <a:latin typeface="Arial"/>
+            </a:endParaRPr>
+          </a:p>
+          <a:p>
+            <a:pPr marL="432000" indent="-322920">
               <a:lnSpc>
                 <a:spcPct val="100000"/>
               </a:lnSpc>
@@ -5423,14 +5394,11 @@
               <a:t>React</a:t>
             </a:r>
             <a:endParaRPr b="0" lang="en-US" sz="3200" spc="-1" strike="noStrike">
-              <a:solidFill>
-                <a:srgbClr val="3d0c33"/>
-              </a:solidFill>
-              <a:latin typeface="Arial"/>
-            </a:endParaRPr>
-          </a:p>
-          <a:p>
-            <a:pPr marL="432000" indent="-323280">
+              <a:latin typeface="Arial"/>
+            </a:endParaRPr>
+          </a:p>
+          <a:p>
+            <a:pPr marL="432000" indent="-322920">
               <a:lnSpc>
                 <a:spcPct val="100000"/>
               </a:lnSpc>
@@ -5455,14 +5423,11 @@
               <a:t>Material UI</a:t>
             </a:r>
             <a:endParaRPr b="0" lang="en-US" sz="3200" spc="-1" strike="noStrike">
-              <a:solidFill>
-                <a:srgbClr val="3d0c33"/>
-              </a:solidFill>
-              <a:latin typeface="Arial"/>
-            </a:endParaRPr>
-          </a:p>
-          <a:p>
-            <a:pPr marL="432000" indent="-323280">
+              <a:latin typeface="Arial"/>
+            </a:endParaRPr>
+          </a:p>
+          <a:p>
+            <a:pPr marL="432000" indent="-322920">
               <a:lnSpc>
                 <a:spcPct val="100000"/>
               </a:lnSpc>
@@ -5487,14 +5452,11 @@
               <a:t>React Admin</a:t>
             </a:r>
             <a:endParaRPr b="0" lang="en-US" sz="3200" spc="-1" strike="noStrike">
-              <a:solidFill>
-                <a:srgbClr val="3d0c33"/>
-              </a:solidFill>
-              <a:latin typeface="Arial"/>
-            </a:endParaRPr>
-          </a:p>
-          <a:p>
-            <a:pPr marL="432000" indent="-323280">
+              <a:latin typeface="Arial"/>
+            </a:endParaRPr>
+          </a:p>
+          <a:p>
+            <a:pPr marL="432000" indent="-322920">
               <a:lnSpc>
                 <a:spcPct val="100000"/>
               </a:lnSpc>
@@ -5519,14 +5481,11 @@
               <a:t>Node</a:t>
             </a:r>
             <a:endParaRPr b="0" lang="en-US" sz="3200" spc="-1" strike="noStrike">
-              <a:solidFill>
-                <a:srgbClr val="3d0c33"/>
-              </a:solidFill>
-              <a:latin typeface="Arial"/>
-            </a:endParaRPr>
-          </a:p>
-          <a:p>
-            <a:pPr marL="432000" indent="-323280">
+              <a:latin typeface="Arial"/>
+            </a:endParaRPr>
+          </a:p>
+          <a:p>
+            <a:pPr marL="432000" indent="-322920">
               <a:lnSpc>
                 <a:spcPct val="100000"/>
               </a:lnSpc>
@@ -5551,14 +5510,11 @@
               <a:t>Express</a:t>
             </a:r>
             <a:endParaRPr b="0" lang="en-US" sz="3200" spc="-1" strike="noStrike">
-              <a:solidFill>
-                <a:srgbClr val="3d0c33"/>
-              </a:solidFill>
-              <a:latin typeface="Arial"/>
-            </a:endParaRPr>
-          </a:p>
-          <a:p>
-            <a:pPr marL="432000" indent="-323280">
+              <a:latin typeface="Arial"/>
+            </a:endParaRPr>
+          </a:p>
+          <a:p>
+            <a:pPr marL="432000" indent="-322920">
               <a:lnSpc>
                 <a:spcPct val="100000"/>
               </a:lnSpc>
@@ -5583,14 +5539,11 @@
               <a:t>GraphQL</a:t>
             </a:r>
             <a:endParaRPr b="0" lang="en-US" sz="3200" spc="-1" strike="noStrike">
-              <a:solidFill>
-                <a:srgbClr val="3d0c33"/>
-              </a:solidFill>
-              <a:latin typeface="Arial"/>
-            </a:endParaRPr>
-          </a:p>
-          <a:p>
-            <a:pPr marL="432000" indent="-323280">
+              <a:latin typeface="Arial"/>
+            </a:endParaRPr>
+          </a:p>
+          <a:p>
+            <a:pPr marL="432000" indent="-322920">
               <a:lnSpc>
                 <a:spcPct val="100000"/>
               </a:lnSpc>
@@ -5615,9 +5568,6 @@
               <a:t>PostgreSQL</a:t>
             </a:r>
             <a:endParaRPr b="0" lang="en-US" sz="3200" spc="-1" strike="noStrike">
-              <a:solidFill>
-                <a:srgbClr val="3d0c33"/>
-              </a:solidFill>
               <a:latin typeface="Arial"/>
             </a:endParaRPr>
           </a:p>
@@ -5666,7 +5616,7 @@
         <p:spPr>
           <a:xfrm>
             <a:off x="1216800" y="14760"/>
-            <a:ext cx="7691040" cy="5670360"/>
+            <a:ext cx="7690680" cy="5670000"/>
           </a:xfrm>
           <a:prstGeom prst="rect">
             <a:avLst/>
@@ -5718,8 +5668,8 @@
         </p:blipFill>
         <p:spPr>
           <a:xfrm>
-            <a:off x="1404720" y="14760"/>
-            <a:ext cx="7315200" cy="5670360"/>
+            <a:off x="1622160" y="14760"/>
+            <a:ext cx="6879960" cy="5670360"/>
           </a:xfrm>
           <a:prstGeom prst="rect">
             <a:avLst/>
@@ -5772,7 +5722,7 @@
         <p:spPr>
           <a:xfrm>
             <a:off x="1415880" y="14760"/>
-            <a:ext cx="7292880" cy="5670360"/>
+            <a:ext cx="7292520" cy="5670000"/>
           </a:xfrm>
           <a:prstGeom prst="rect">
             <a:avLst/>
@@ -5825,7 +5775,7 @@
         <p:spPr>
           <a:xfrm>
             <a:off x="1180080" y="15120"/>
-            <a:ext cx="7763400" cy="5668920"/>
+            <a:ext cx="7763040" cy="5668560"/>
           </a:xfrm>
           <a:prstGeom prst="rect">
             <a:avLst/>
@@ -5874,7 +5824,7 @@
         <p:spPr>
           <a:xfrm>
             <a:off x="504000" y="226080"/>
-            <a:ext cx="9071640" cy="946080"/>
+            <a:ext cx="9071280" cy="945720"/>
           </a:xfrm>
           <a:prstGeom prst="rect">
             <a:avLst/>
@@ -5909,13 +5859,11 @@
                   <a:srgbClr val="3d0c33"/>
                 </a:solidFill>
                 <a:latin typeface="Arial"/>
+                <a:ea typeface="DejaVu Sans"/>
               </a:rPr>
               <a:t>Programmas galvenā loga attēls</a:t>
             </a:r>
             <a:endParaRPr b="0" lang="en-US" sz="4400" spc="-1" strike="noStrike">
-              <a:solidFill>
-                <a:srgbClr val="3d0c33"/>
-              </a:solidFill>
               <a:latin typeface="Arial"/>
             </a:endParaRPr>
           </a:p>
@@ -5930,7 +5878,7 @@
         <p:spPr>
           <a:xfrm>
             <a:off x="504000" y="1326600"/>
-            <a:ext cx="9071640" cy="3288240"/>
+            <a:ext cx="9071280" cy="3287880"/>
           </a:xfrm>
           <a:prstGeom prst="rect">
             <a:avLst/>
@@ -5951,7 +5899,7 @@
             <a:normAutofit/>
           </a:bodyPr>
           <a:p>
-            <a:pPr marL="432000" indent="-323640">
+            <a:pPr marL="432000" indent="-323280">
               <a:lnSpc>
                 <a:spcPct val="100000"/>
               </a:lnSpc>
@@ -5971,13 +5919,11 @@
                   <a:srgbClr val="3d0c33"/>
                 </a:solidFill>
                 <a:latin typeface="Arial"/>
+                <a:ea typeface="DejaVu Sans"/>
               </a:rPr>
               <a:t>Demonstrācija</a:t>
             </a:r>
             <a:endParaRPr b="0" lang="en-US" sz="3200" spc="-1" strike="noStrike">
-              <a:solidFill>
-                <a:srgbClr val="3d0c33"/>
-              </a:solidFill>
               <a:latin typeface="Arial"/>
             </a:endParaRPr>
           </a:p>
@@ -6022,7 +5968,7 @@
         <p:spPr>
           <a:xfrm>
             <a:off x="504000" y="226080"/>
-            <a:ext cx="9070920" cy="4387680"/>
+            <a:ext cx="9070560" cy="4387320"/>
           </a:xfrm>
           <a:prstGeom prst="rect">
             <a:avLst/>
@@ -6059,9 +6005,6 @@
               <a:t>Paldies par uzmanību!</a:t>
             </a:r>
             <a:endParaRPr b="0" lang="en-US" sz="6400" spc="-1" strike="noStrike">
-              <a:solidFill>
-                <a:srgbClr val="3d0c33"/>
-              </a:solidFill>
               <a:latin typeface="Arial"/>
             </a:endParaRPr>
           </a:p>
